--- a/documentation/Part II/Workshop-II.pptx
+++ b/documentation/Part II/Workshop-II.pptx
@@ -5,23 +5,28 @@
     <p:sldMasterId id="2147483661" r:id="rId4"/>
   </p:sldMasterIdLst>
   <p:notesMasterIdLst>
-    <p:notesMasterId r:id="rId19"/>
+    <p:notesMasterId r:id="rId24"/>
   </p:notesMasterIdLst>
   <p:sldIdLst>
     <p:sldId id="256" r:id="rId5"/>
-    <p:sldId id="260" r:id="rId6"/>
-    <p:sldId id="267" r:id="rId7"/>
-    <p:sldId id="276" r:id="rId8"/>
-    <p:sldId id="270" r:id="rId9"/>
-    <p:sldId id="268" r:id="rId10"/>
-    <p:sldId id="269" r:id="rId11"/>
-    <p:sldId id="277" r:id="rId12"/>
-    <p:sldId id="271" r:id="rId13"/>
-    <p:sldId id="272" r:id="rId14"/>
-    <p:sldId id="273" r:id="rId15"/>
-    <p:sldId id="275" r:id="rId16"/>
-    <p:sldId id="274" r:id="rId17"/>
-    <p:sldId id="278" r:id="rId18"/>
+    <p:sldId id="284" r:id="rId6"/>
+    <p:sldId id="260" r:id="rId7"/>
+    <p:sldId id="267" r:id="rId8"/>
+    <p:sldId id="276" r:id="rId9"/>
+    <p:sldId id="281" r:id="rId10"/>
+    <p:sldId id="270" r:id="rId11"/>
+    <p:sldId id="268" r:id="rId12"/>
+    <p:sldId id="269" r:id="rId13"/>
+    <p:sldId id="277" r:id="rId14"/>
+    <p:sldId id="283" r:id="rId15"/>
+    <p:sldId id="271" r:id="rId16"/>
+    <p:sldId id="272" r:id="rId17"/>
+    <p:sldId id="273" r:id="rId18"/>
+    <p:sldId id="275" r:id="rId19"/>
+    <p:sldId id="274" r:id="rId20"/>
+    <p:sldId id="278" r:id="rId21"/>
+    <p:sldId id="282" r:id="rId22"/>
+    <p:sldId id="285" r:id="rId23"/>
   </p:sldIdLst>
   <p:sldSz cx="18288000" cy="10288588"/>
   <p:notesSz cx="6858000" cy="9144000"/>
@@ -239,7 +244,7 @@
           <a:p>
             <a:fld id="{37E01EE1-980E-5041-99CA-AE19F2476FCE}" type="datetimeFigureOut">
               <a:rPr lang="ru-RU" smtClean="0"/>
-              <a:t>09.05.2023</a:t>
+              <a:t>16.06.2023</a:t>
             </a:fld>
             <a:endParaRPr lang="ru-RU"/>
           </a:p>
@@ -672,7 +677,7 @@
           <a:p>
             <a:fld id="{72202425-FF7F-4149-A7AB-444FA1A00A9F}" type="slidenum">
               <a:rPr lang="ru-RU" smtClean="0"/>
-              <a:t>5</a:t>
+              <a:t>7</a:t>
             </a:fld>
             <a:endParaRPr lang="ru-RU"/>
           </a:p>
@@ -756,7 +761,7 @@
           <a:p>
             <a:fld id="{72202425-FF7F-4149-A7AB-444FA1A00A9F}" type="slidenum">
               <a:rPr lang="ru-RU" smtClean="0"/>
-              <a:t>8</a:t>
+              <a:t>10</a:t>
             </a:fld>
             <a:endParaRPr lang="ru-RU"/>
           </a:p>
@@ -840,7 +845,7 @@
           <a:p>
             <a:fld id="{72202425-FF7F-4149-A7AB-444FA1A00A9F}" type="slidenum">
               <a:rPr lang="ru-RU" smtClean="0"/>
-              <a:t>9</a:t>
+              <a:t>12</a:t>
             </a:fld>
             <a:endParaRPr lang="ru-RU"/>
           </a:p>
@@ -924,7 +929,7 @@
           <a:p>
             <a:fld id="{72202425-FF7F-4149-A7AB-444FA1A00A9F}" type="slidenum">
               <a:rPr lang="ru-RU" smtClean="0"/>
-              <a:t>10</a:t>
+              <a:t>13</a:t>
             </a:fld>
             <a:endParaRPr lang="ru-RU"/>
           </a:p>
@@ -1008,7 +1013,7 @@
           <a:p>
             <a:fld id="{72202425-FF7F-4149-A7AB-444FA1A00A9F}" type="slidenum">
               <a:rPr lang="ru-RU" smtClean="0"/>
-              <a:t>11</a:t>
+              <a:t>14</a:t>
             </a:fld>
             <a:endParaRPr lang="ru-RU"/>
           </a:p>
@@ -1092,7 +1097,7 @@
           <a:p>
             <a:fld id="{72202425-FF7F-4149-A7AB-444FA1A00A9F}" type="slidenum">
               <a:rPr lang="ru-RU" smtClean="0"/>
-              <a:t>12</a:t>
+              <a:t>15</a:t>
             </a:fld>
             <a:endParaRPr lang="ru-RU"/>
           </a:p>
@@ -1176,7 +1181,7 @@
           <a:p>
             <a:fld id="{72202425-FF7F-4149-A7AB-444FA1A00A9F}" type="slidenum">
               <a:rPr lang="ru-RU" smtClean="0"/>
-              <a:t>13</a:t>
+              <a:t>16</a:t>
             </a:fld>
             <a:endParaRPr lang="ru-RU"/>
           </a:p>
@@ -11784,10 +11789,953 @@
           <a:lstStyle/>
           <a:p>
             <a:r>
+              <a:rPr lang="en-US" dirty="0">
+                <a:solidFill>
+                  <a:schemeClr val="accent1">
+                    <a:lumMod val="50000"/>
+                  </a:schemeClr>
+                </a:solidFill>
+              </a:rPr>
+              <a:t>Q&amp;A: story</a:t>
+            </a:r>
+            <a:endParaRPr lang="en-RU" dirty="0">
+              <a:solidFill>
+                <a:schemeClr val="accent1">
+                  <a:lumMod val="50000"/>
+                </a:schemeClr>
+              </a:solidFill>
+            </a:endParaRPr>
+          </a:p>
+        </p:txBody>
+      </p:sp>
+      <p:sp>
+        <p:nvSpPr>
+          <p:cNvPr id="2" name="TextBox 1">
+            <a:extLst>
+              <a:ext uri="{FF2B5EF4-FFF2-40B4-BE49-F238E27FC236}">
+                <a16:creationId xmlns:a16="http://schemas.microsoft.com/office/drawing/2014/main" id="{AA4ACA97-5B52-34DD-BDB2-C2C151A36505}"/>
+              </a:ext>
+            </a:extLst>
+          </p:cNvPr>
+          <p:cNvSpPr txBox="1"/>
+          <p:nvPr/>
+        </p:nvSpPr>
+        <p:spPr>
+          <a:xfrm>
+            <a:off x="10654302" y="1111118"/>
+            <a:ext cx="3513762" cy="646331"/>
+          </a:xfrm>
+          <a:prstGeom prst="rect">
+            <a:avLst/>
+          </a:prstGeom>
+          <a:noFill/>
+        </p:spPr>
+        <p:txBody>
+          <a:bodyPr wrap="square" rtlCol="0">
+            <a:spAutoFit/>
+          </a:bodyPr>
+          <a:lstStyle/>
+          <a:p>
+            <a:r>
+              <a:rPr lang="en-US" dirty="0">
+                <a:solidFill>
+                  <a:schemeClr val="accent1">
+                    <a:lumMod val="50000"/>
+                  </a:schemeClr>
+                </a:solidFill>
+              </a:rPr>
+              <a:t>WHY do we need this?</a:t>
+            </a:r>
+          </a:p>
+          <a:p>
+            <a:r>
+              <a:rPr lang="en-US" dirty="0">
+                <a:solidFill>
+                  <a:schemeClr val="accent1">
+                    <a:lumMod val="50000"/>
+                  </a:schemeClr>
+                </a:solidFill>
+              </a:rPr>
+              <a:t>To see </a:t>
+            </a:r>
+            <a:r>
+              <a:rPr lang="en-US" dirty="0" err="1">
+                <a:solidFill>
+                  <a:schemeClr val="accent1">
+                    <a:lumMod val="50000"/>
+                  </a:schemeClr>
+                </a:solidFill>
+              </a:rPr>
+              <a:t>usecases</a:t>
+            </a:r>
+            <a:r>
+              <a:rPr lang="en-US" dirty="0">
+                <a:solidFill>
+                  <a:schemeClr val="accent1">
+                    <a:lumMod val="50000"/>
+                  </a:schemeClr>
+                </a:solidFill>
+              </a:rPr>
+              <a:t>.</a:t>
+            </a:r>
+          </a:p>
+        </p:txBody>
+      </p:sp>
+      <p:sp>
+        <p:nvSpPr>
+          <p:cNvPr id="4" name="TextBox 3">
+            <a:extLst>
+              <a:ext uri="{FF2B5EF4-FFF2-40B4-BE49-F238E27FC236}">
+                <a16:creationId xmlns:a16="http://schemas.microsoft.com/office/drawing/2014/main" id="{95BAC16E-7ACC-94DF-5B4C-368367FB7A4D}"/>
+              </a:ext>
+            </a:extLst>
+          </p:cNvPr>
+          <p:cNvSpPr txBox="1"/>
+          <p:nvPr/>
+        </p:nvSpPr>
+        <p:spPr>
+          <a:xfrm>
+            <a:off x="17508906" y="9659383"/>
+            <a:ext cx="464024" cy="369332"/>
+          </a:xfrm>
+          <a:prstGeom prst="rect">
+            <a:avLst/>
+          </a:prstGeom>
+          <a:noFill/>
+        </p:spPr>
+        <p:txBody>
+          <a:bodyPr wrap="square" rtlCol="0">
+            <a:spAutoFit/>
+          </a:bodyPr>
+          <a:lstStyle/>
+          <a:p>
+            <a:r>
+              <a:rPr lang="en-US" dirty="0">
+                <a:solidFill>
+                  <a:schemeClr val="accent1">
+                    <a:lumMod val="50000"/>
+                  </a:schemeClr>
+                </a:solidFill>
+              </a:rPr>
+              <a:t>10</a:t>
+            </a:r>
+          </a:p>
+        </p:txBody>
+      </p:sp>
+      <p:sp>
+        <p:nvSpPr>
+          <p:cNvPr id="6" name="Thought Bubble: Cloud 5">
+            <a:extLst>
+              <a:ext uri="{FF2B5EF4-FFF2-40B4-BE49-F238E27FC236}">
+                <a16:creationId xmlns:a16="http://schemas.microsoft.com/office/drawing/2014/main" id="{CE76AC75-F0A2-D695-3545-2D4B565B01CF}"/>
+              </a:ext>
+            </a:extLst>
+          </p:cNvPr>
+          <p:cNvSpPr/>
+          <p:nvPr/>
+        </p:nvSpPr>
+        <p:spPr>
+          <a:xfrm>
+            <a:off x="3275462" y="3671247"/>
+            <a:ext cx="5513696" cy="1922833"/>
+          </a:xfrm>
+          <a:prstGeom prst="cloudCallout">
+            <a:avLst>
+              <a:gd name="adj1" fmla="val -46637"/>
+              <a:gd name="adj2" fmla="val 61080"/>
+            </a:avLst>
+          </a:prstGeom>
+        </p:spPr>
+        <p:style>
+          <a:lnRef idx="2">
+            <a:schemeClr val="accent1">
+              <a:shade val="50000"/>
+            </a:schemeClr>
+          </a:lnRef>
+          <a:fillRef idx="1">
+            <a:schemeClr val="accent1"/>
+          </a:fillRef>
+          <a:effectRef idx="0">
+            <a:schemeClr val="accent1"/>
+          </a:effectRef>
+          <a:fontRef idx="minor">
+            <a:schemeClr val="lt1"/>
+          </a:fontRef>
+        </p:style>
+        <p:txBody>
+          <a:bodyPr rtlCol="0" anchor="ctr"/>
+          <a:lstStyle/>
+          <a:p>
+            <a:pPr algn="ctr"/>
+            <a:r>
               <a:rPr lang="en-US" dirty="0"/>
+              <a:t>My database that contains available teas can’t be stateless deployment </a:t>
+            </a:r>
+            <a:r>
+              <a:rPr lang="en-US" dirty="0">
+                <a:sym typeface="Wingdings" panose="05000000000000000000" pitchFamily="2" charset="2"/>
+              </a:rPr>
+              <a:t></a:t>
+            </a:r>
+            <a:endParaRPr lang="en-US" dirty="0"/>
+          </a:p>
+        </p:txBody>
+      </p:sp>
+      <p:pic>
+        <p:nvPicPr>
+          <p:cNvPr id="8" name="Graphic 7" descr="Female Profile with solid fill">
+            <a:extLst>
+              <a:ext uri="{FF2B5EF4-FFF2-40B4-BE49-F238E27FC236}">
+                <a16:creationId xmlns:a16="http://schemas.microsoft.com/office/drawing/2014/main" id="{5B2BDBD5-5678-202E-FAF3-A0DC4D68E807}"/>
+              </a:ext>
+            </a:extLst>
+          </p:cNvPr>
+          <p:cNvPicPr>
+            <a:picLocks noChangeAspect="1"/>
+          </p:cNvPicPr>
+          <p:nvPr/>
+        </p:nvPicPr>
+        <p:blipFill>
+          <a:blip r:embed="rId3">
+            <a:extLst>
+              <a:ext uri="{28A0092B-C50C-407E-A947-70E740481C1C}">
+                <a14:useLocalDpi xmlns:a14="http://schemas.microsoft.com/office/drawing/2010/main" val="0"/>
+              </a:ext>
+              <a:ext uri="{96DAC541-7B7A-43D3-8B79-37D633B846F1}">
+                <asvg:svgBlip xmlns:asvg="http://schemas.microsoft.com/office/drawing/2016/SVG/main" r:embed="rId4"/>
+              </a:ext>
+            </a:extLst>
+          </a:blip>
+          <a:stretch>
+            <a:fillRect/>
+          </a:stretch>
+        </p:blipFill>
+        <p:spPr>
+          <a:xfrm>
+            <a:off x="866400" y="5396777"/>
+            <a:ext cx="3323230" cy="3323230"/>
+          </a:xfrm>
+          <a:prstGeom prst="rect">
+            <a:avLst/>
+          </a:prstGeom>
+        </p:spPr>
+      </p:pic>
+      <p:sp>
+        <p:nvSpPr>
+          <p:cNvPr id="10" name="TextBox 9">
+            <a:extLst>
+              <a:ext uri="{FF2B5EF4-FFF2-40B4-BE49-F238E27FC236}">
+                <a16:creationId xmlns:a16="http://schemas.microsoft.com/office/drawing/2014/main" id="{AC8232B7-9F05-F8DC-FCC9-582380AC9605}"/>
+              </a:ext>
+            </a:extLst>
+          </p:cNvPr>
+          <p:cNvSpPr txBox="1"/>
+          <p:nvPr/>
+        </p:nvSpPr>
+        <p:spPr>
+          <a:xfrm>
+            <a:off x="2186821" y="8322467"/>
+            <a:ext cx="982638" cy="369332"/>
+          </a:xfrm>
+          <a:prstGeom prst="rect">
+            <a:avLst/>
+          </a:prstGeom>
+          <a:noFill/>
+        </p:spPr>
+        <p:txBody>
+          <a:bodyPr wrap="square" rtlCol="0">
+            <a:spAutoFit/>
+          </a:bodyPr>
+          <a:lstStyle/>
+          <a:p>
+            <a:r>
+              <a:rPr lang="en-US" dirty="0">
+                <a:solidFill>
+                  <a:schemeClr val="accent1">
+                    <a:lumMod val="50000"/>
+                  </a:schemeClr>
+                </a:solidFill>
+              </a:rPr>
+              <a:t>Alice</a:t>
+            </a:r>
+          </a:p>
+        </p:txBody>
+      </p:sp>
+      <p:pic>
+        <p:nvPicPr>
+          <p:cNvPr id="12" name="Graphic 11" descr="Male profile with solid fill">
+            <a:extLst>
+              <a:ext uri="{FF2B5EF4-FFF2-40B4-BE49-F238E27FC236}">
+                <a16:creationId xmlns:a16="http://schemas.microsoft.com/office/drawing/2014/main" id="{E3414CCD-FACA-7861-4640-298E63FF41AD}"/>
+              </a:ext>
+            </a:extLst>
+          </p:cNvPr>
+          <p:cNvPicPr>
+            <a:picLocks noChangeAspect="1"/>
+          </p:cNvPicPr>
+          <p:nvPr/>
+        </p:nvPicPr>
+        <p:blipFill>
+          <a:blip r:embed="rId5">
+            <a:extLst>
+              <a:ext uri="{28A0092B-C50C-407E-A947-70E740481C1C}">
+                <a14:useLocalDpi xmlns:a14="http://schemas.microsoft.com/office/drawing/2010/main" val="0"/>
+              </a:ext>
+              <a:ext uri="{96DAC541-7B7A-43D3-8B79-37D633B846F1}">
+                <asvg:svgBlip xmlns:asvg="http://schemas.microsoft.com/office/drawing/2016/SVG/main" r:embed="rId6"/>
+              </a:ext>
+            </a:extLst>
+          </a:blip>
+          <a:stretch>
+            <a:fillRect/>
+          </a:stretch>
+        </p:blipFill>
+        <p:spPr>
+          <a:xfrm>
+            <a:off x="9144000" y="5368569"/>
+            <a:ext cx="3323230" cy="3323230"/>
+          </a:xfrm>
+          <a:prstGeom prst="rect">
+            <a:avLst/>
+          </a:prstGeom>
+        </p:spPr>
+      </p:pic>
+      <p:sp>
+        <p:nvSpPr>
+          <p:cNvPr id="13" name="TextBox 12">
+            <a:extLst>
+              <a:ext uri="{FF2B5EF4-FFF2-40B4-BE49-F238E27FC236}">
+                <a16:creationId xmlns:a16="http://schemas.microsoft.com/office/drawing/2014/main" id="{BD2861F6-C4E6-1ACF-9372-B7F2496D4888}"/>
+              </a:ext>
+            </a:extLst>
+          </p:cNvPr>
+          <p:cNvSpPr txBox="1"/>
+          <p:nvPr/>
+        </p:nvSpPr>
+        <p:spPr>
+          <a:xfrm>
+            <a:off x="10490115" y="8322467"/>
+            <a:ext cx="982638" cy="369332"/>
+          </a:xfrm>
+          <a:prstGeom prst="rect">
+            <a:avLst/>
+          </a:prstGeom>
+          <a:noFill/>
+        </p:spPr>
+        <p:txBody>
+          <a:bodyPr wrap="square" rtlCol="0">
+            <a:spAutoFit/>
+          </a:bodyPr>
+          <a:lstStyle/>
+          <a:p>
+            <a:r>
+              <a:rPr lang="en-US" dirty="0">
+                <a:solidFill>
+                  <a:schemeClr val="accent1">
+                    <a:lumMod val="50000"/>
+                  </a:schemeClr>
+                </a:solidFill>
+              </a:rPr>
+              <a:t>Bob</a:t>
+            </a:r>
+          </a:p>
+        </p:txBody>
+      </p:sp>
+      <p:sp>
+        <p:nvSpPr>
+          <p:cNvPr id="15" name="Speech Bubble: Oval 14">
+            <a:extLst>
+              <a:ext uri="{FF2B5EF4-FFF2-40B4-BE49-F238E27FC236}">
+                <a16:creationId xmlns:a16="http://schemas.microsoft.com/office/drawing/2014/main" id="{B061D5B1-80BC-F4FB-3898-021F7B395B84}"/>
+              </a:ext>
+            </a:extLst>
+          </p:cNvPr>
+          <p:cNvSpPr/>
+          <p:nvPr/>
+        </p:nvSpPr>
+        <p:spPr>
+          <a:xfrm>
+            <a:off x="11198220" y="3671247"/>
+            <a:ext cx="5513696" cy="1786355"/>
+          </a:xfrm>
+          <a:prstGeom prst="wedgeEllipseCallout">
+            <a:avLst>
+              <a:gd name="adj1" fmla="val -44188"/>
+              <a:gd name="adj2" fmla="val 65122"/>
+            </a:avLst>
+          </a:prstGeom>
+        </p:spPr>
+        <p:style>
+          <a:lnRef idx="2">
+            <a:schemeClr val="accent1">
+              <a:shade val="50000"/>
+            </a:schemeClr>
+          </a:lnRef>
+          <a:fillRef idx="1">
+            <a:schemeClr val="accent1"/>
+          </a:fillRef>
+          <a:effectRef idx="0">
+            <a:schemeClr val="accent1"/>
+          </a:effectRef>
+          <a:fontRef idx="minor">
+            <a:schemeClr val="lt1"/>
+          </a:fontRef>
+        </p:style>
+        <p:txBody>
+          <a:bodyPr rtlCol="0" anchor="ctr"/>
+          <a:lstStyle/>
+          <a:p>
+            <a:pPr algn="ctr"/>
+            <a:r>
+              <a:rPr lang="en-US" dirty="0"/>
+              <a:t>Then make it stateful set! </a:t>
+            </a:r>
+            <a:r>
+              <a:rPr lang="en-US" dirty="0">
+                <a:sym typeface="Wingdings" panose="05000000000000000000" pitchFamily="2" charset="2"/>
+              </a:rPr>
+              <a:t></a:t>
+            </a:r>
+            <a:endParaRPr lang="en-US" dirty="0"/>
+          </a:p>
+        </p:txBody>
+      </p:sp>
+    </p:spTree>
+    <p:extLst>
+      <p:ext uri="{BB962C8B-B14F-4D97-AF65-F5344CB8AC3E}">
+        <p14:creationId xmlns:p14="http://schemas.microsoft.com/office/powerpoint/2010/main" val="34321189"/>
+      </p:ext>
+    </p:extLst>
+  </p:cSld>
+  <p:clrMapOvr>
+    <a:masterClrMapping/>
+  </p:clrMapOvr>
+</p:sld>
+</file>
+
+<file path=ppt/slides/slide11.xml><?xml version="1.0" encoding="utf-8"?>
+<p:sld xmlns:a="http://schemas.openxmlformats.org/drawingml/2006/main" xmlns:r="http://schemas.openxmlformats.org/officeDocument/2006/relationships" xmlns:p="http://schemas.openxmlformats.org/presentationml/2006/main">
+  <p:cSld>
+    <p:spTree>
+      <p:nvGrpSpPr>
+        <p:cNvPr id="1" name=""/>
+        <p:cNvGrpSpPr/>
+        <p:nvPr/>
+      </p:nvGrpSpPr>
+      <p:grpSpPr>
+        <a:xfrm>
+          <a:off x="0" y="0"/>
+          <a:ext cx="0" cy="0"/>
+          <a:chOff x="0" y="0"/>
+          <a:chExt cx="0" cy="0"/>
+        </a:xfrm>
+      </p:grpSpPr>
+      <p:sp>
+        <p:nvSpPr>
+          <p:cNvPr id="3" name="Title 2">
+            <a:extLst>
+              <a:ext uri="{FF2B5EF4-FFF2-40B4-BE49-F238E27FC236}">
+                <a16:creationId xmlns:a16="http://schemas.microsoft.com/office/drawing/2014/main" id="{706501E4-6246-A606-7483-C427CF30CD57}"/>
+              </a:ext>
+            </a:extLst>
+          </p:cNvPr>
+          <p:cNvSpPr>
+            <a:spLocks noGrp="1"/>
+          </p:cNvSpPr>
+          <p:nvPr>
+            <p:ph type="title"/>
+          </p:nvPr>
+        </p:nvSpPr>
+        <p:spPr/>
+        <p:txBody>
+          <a:bodyPr/>
+          <a:lstStyle/>
+          <a:p>
+            <a:r>
+              <a:rPr lang="en-US" dirty="0">
+                <a:solidFill>
+                  <a:schemeClr val="accent5">
+                    <a:lumMod val="50000"/>
+                  </a:schemeClr>
+                </a:solidFill>
+              </a:rPr>
+              <a:t>Task</a:t>
+            </a:r>
+            <a:endParaRPr lang="en-RU" dirty="0">
+              <a:solidFill>
+                <a:schemeClr val="accent5">
+                  <a:lumMod val="50000"/>
+                </a:schemeClr>
+              </a:solidFill>
+            </a:endParaRPr>
+          </a:p>
+        </p:txBody>
+      </p:sp>
+      <p:sp>
+        <p:nvSpPr>
+          <p:cNvPr id="2" name="TextBox 1">
+            <a:extLst>
+              <a:ext uri="{FF2B5EF4-FFF2-40B4-BE49-F238E27FC236}">
+                <a16:creationId xmlns:a16="http://schemas.microsoft.com/office/drawing/2014/main" id="{AA4ACA97-5B52-34DD-BDB2-C2C151A36505}"/>
+              </a:ext>
+            </a:extLst>
+          </p:cNvPr>
+          <p:cNvSpPr txBox="1"/>
+          <p:nvPr/>
+        </p:nvSpPr>
+        <p:spPr>
+          <a:xfrm>
+            <a:off x="10654302" y="1111118"/>
+            <a:ext cx="3513762" cy="646331"/>
+          </a:xfrm>
+          <a:prstGeom prst="rect">
+            <a:avLst/>
+          </a:prstGeom>
+          <a:noFill/>
+        </p:spPr>
+        <p:txBody>
+          <a:bodyPr wrap="square" rtlCol="0">
+            <a:spAutoFit/>
+          </a:bodyPr>
+          <a:lstStyle/>
+          <a:p>
+            <a:r>
+              <a:rPr lang="en-US" dirty="0">
+                <a:solidFill>
+                  <a:schemeClr val="accent5">
+                    <a:lumMod val="50000"/>
+                  </a:schemeClr>
+                </a:solidFill>
+              </a:rPr>
+              <a:t>WHY do we need this?</a:t>
+            </a:r>
+          </a:p>
+          <a:p>
+            <a:r>
+              <a:rPr lang="en-US" dirty="0">
+                <a:solidFill>
+                  <a:schemeClr val="accent5">
+                    <a:lumMod val="50000"/>
+                  </a:schemeClr>
+                </a:solidFill>
+              </a:rPr>
+              <a:t>To practice (</a:t>
+            </a:r>
+            <a:r>
+              <a:rPr lang="ru-RU" dirty="0">
+                <a:solidFill>
+                  <a:schemeClr val="accent5">
+                    <a:lumMod val="50000"/>
+                  </a:schemeClr>
+                </a:solidFill>
+              </a:rPr>
+              <a:t>:</a:t>
+            </a:r>
+            <a:endParaRPr lang="en-US" dirty="0">
+              <a:solidFill>
+                <a:schemeClr val="accent5">
+                  <a:lumMod val="50000"/>
+                </a:schemeClr>
+              </a:solidFill>
+            </a:endParaRPr>
+          </a:p>
+        </p:txBody>
+      </p:sp>
+      <p:sp>
+        <p:nvSpPr>
+          <p:cNvPr id="4" name="TextBox 3">
+            <a:extLst>
+              <a:ext uri="{FF2B5EF4-FFF2-40B4-BE49-F238E27FC236}">
+                <a16:creationId xmlns:a16="http://schemas.microsoft.com/office/drawing/2014/main" id="{95BAC16E-7ACC-94DF-5B4C-368367FB7A4D}"/>
+              </a:ext>
+            </a:extLst>
+          </p:cNvPr>
+          <p:cNvSpPr txBox="1"/>
+          <p:nvPr/>
+        </p:nvSpPr>
+        <p:spPr>
+          <a:xfrm>
+            <a:off x="17508906" y="9659383"/>
+            <a:ext cx="464024" cy="369332"/>
+          </a:xfrm>
+          <a:prstGeom prst="rect">
+            <a:avLst/>
+          </a:prstGeom>
+          <a:noFill/>
+        </p:spPr>
+        <p:txBody>
+          <a:bodyPr wrap="square" rtlCol="0">
+            <a:spAutoFit/>
+          </a:bodyPr>
+          <a:lstStyle/>
+          <a:p>
+            <a:r>
+              <a:rPr lang="en-US" dirty="0">
+                <a:solidFill>
+                  <a:schemeClr val="accent5">
+                    <a:lumMod val="50000"/>
+                  </a:schemeClr>
+                </a:solidFill>
+              </a:rPr>
+              <a:t>11</a:t>
+            </a:r>
+          </a:p>
+        </p:txBody>
+      </p:sp>
+      <p:sp>
+        <p:nvSpPr>
+          <p:cNvPr id="5" name="Sun 4">
+            <a:extLst>
+              <a:ext uri="{FF2B5EF4-FFF2-40B4-BE49-F238E27FC236}">
+                <a16:creationId xmlns:a16="http://schemas.microsoft.com/office/drawing/2014/main" id="{A5A39E55-B16C-11B1-A82F-60B6F8216AA4}"/>
+              </a:ext>
+            </a:extLst>
+          </p:cNvPr>
+          <p:cNvSpPr/>
+          <p:nvPr/>
+        </p:nvSpPr>
+        <p:spPr>
+          <a:xfrm>
+            <a:off x="3901475" y="1997747"/>
+            <a:ext cx="10485049" cy="7790347"/>
+          </a:xfrm>
+          <a:prstGeom prst="sun">
+            <a:avLst/>
+          </a:prstGeom>
+        </p:spPr>
+        <p:style>
+          <a:lnRef idx="2">
+            <a:schemeClr val="accent5">
+              <a:shade val="50000"/>
+            </a:schemeClr>
+          </a:lnRef>
+          <a:fillRef idx="1">
+            <a:schemeClr val="accent5"/>
+          </a:fillRef>
+          <a:effectRef idx="0">
+            <a:schemeClr val="accent5"/>
+          </a:effectRef>
+          <a:fontRef idx="minor">
+            <a:schemeClr val="lt1"/>
+          </a:fontRef>
+        </p:style>
+        <p:txBody>
+          <a:bodyPr rtlCol="0" anchor="ctr"/>
+          <a:lstStyle/>
+          <a:p>
+            <a:pPr algn="ctr"/>
+            <a:r>
+              <a:rPr lang="en-US" dirty="0"/>
+              <a:t>Turn your application into stateful set, requesting 512Mi with </a:t>
+            </a:r>
+            <a:r>
+              <a:rPr lang="en-US" dirty="0" err="1"/>
+              <a:t>pvc</a:t>
+            </a:r>
+            <a:r>
+              <a:rPr lang="en-US" dirty="0"/>
+              <a:t> mounted under /root/Documents directory with pod </a:t>
+            </a:r>
+            <a:r>
+              <a:rPr lang="en-US" dirty="0" err="1"/>
+              <a:t>antiaffinity</a:t>
+            </a:r>
+            <a:r>
+              <a:rPr lang="en-US" dirty="0"/>
+              <a:t> to each other. Try creating document in that folder and restart stateful set.</a:t>
+            </a:r>
+          </a:p>
+        </p:txBody>
+      </p:sp>
+    </p:spTree>
+    <p:extLst>
+      <p:ext uri="{BB962C8B-B14F-4D97-AF65-F5344CB8AC3E}">
+        <p14:creationId xmlns:p14="http://schemas.microsoft.com/office/powerpoint/2010/main" val="590445534"/>
+      </p:ext>
+    </p:extLst>
+  </p:cSld>
+  <p:clrMapOvr>
+    <a:masterClrMapping/>
+  </p:clrMapOvr>
+</p:sld>
+</file>
+
+<file path=ppt/slides/slide12.xml><?xml version="1.0" encoding="utf-8"?>
+<p:sld xmlns:a="http://schemas.openxmlformats.org/drawingml/2006/main" xmlns:r="http://schemas.openxmlformats.org/officeDocument/2006/relationships" xmlns:p="http://schemas.openxmlformats.org/presentationml/2006/main">
+  <p:cSld>
+    <p:spTree>
+      <p:nvGrpSpPr>
+        <p:cNvPr id="1" name=""/>
+        <p:cNvGrpSpPr/>
+        <p:nvPr/>
+      </p:nvGrpSpPr>
+      <p:grpSpPr>
+        <a:xfrm>
+          <a:off x="0" y="0"/>
+          <a:ext cx="0" cy="0"/>
+          <a:chOff x="0" y="0"/>
+          <a:chExt cx="0" cy="0"/>
+        </a:xfrm>
+      </p:grpSpPr>
+      <p:sp>
+        <p:nvSpPr>
+          <p:cNvPr id="3" name="Title 2">
+            <a:extLst>
+              <a:ext uri="{FF2B5EF4-FFF2-40B4-BE49-F238E27FC236}">
+                <a16:creationId xmlns:a16="http://schemas.microsoft.com/office/drawing/2014/main" id="{706501E4-6246-A606-7483-C427CF30CD57}"/>
+              </a:ext>
+            </a:extLst>
+          </p:cNvPr>
+          <p:cNvSpPr>
+            <a:spLocks noGrp="1"/>
+          </p:cNvSpPr>
+          <p:nvPr>
+            <p:ph type="title"/>
+          </p:nvPr>
+        </p:nvSpPr>
+        <p:spPr/>
+        <p:txBody>
+          <a:bodyPr/>
+          <a:lstStyle/>
+          <a:p>
+            <a:r>
+              <a:rPr lang="en-US" dirty="0">
+                <a:solidFill>
+                  <a:schemeClr val="accent2">
+                    <a:lumMod val="50000"/>
+                  </a:schemeClr>
+                </a:solidFill>
+              </a:rPr>
+              <a:t>HELM</a:t>
+            </a:r>
+            <a:endParaRPr lang="en-RU" dirty="0">
+              <a:solidFill>
+                <a:schemeClr val="accent2">
+                  <a:lumMod val="50000"/>
+                </a:schemeClr>
+              </a:solidFill>
+            </a:endParaRPr>
+          </a:p>
+        </p:txBody>
+      </p:sp>
+      <p:sp>
+        <p:nvSpPr>
+          <p:cNvPr id="2" name="TextBox 1">
+            <a:extLst>
+              <a:ext uri="{FF2B5EF4-FFF2-40B4-BE49-F238E27FC236}">
+                <a16:creationId xmlns:a16="http://schemas.microsoft.com/office/drawing/2014/main" id="{D48E8E7C-33E5-6EF2-DEE7-9AAE21D0B055}"/>
+              </a:ext>
+            </a:extLst>
+          </p:cNvPr>
+          <p:cNvSpPr txBox="1"/>
+          <p:nvPr/>
+        </p:nvSpPr>
+        <p:spPr>
+          <a:xfrm>
+            <a:off x="10654302" y="1111118"/>
+            <a:ext cx="3513762" cy="923330"/>
+          </a:xfrm>
+          <a:prstGeom prst="rect">
+            <a:avLst/>
+          </a:prstGeom>
+          <a:noFill/>
+        </p:spPr>
+        <p:txBody>
+          <a:bodyPr wrap="square" rtlCol="0">
+            <a:spAutoFit/>
+          </a:bodyPr>
+          <a:lstStyle/>
+          <a:p>
+            <a:r>
+              <a:rPr lang="en-US" dirty="0">
+                <a:solidFill>
+                  <a:schemeClr val="accent2">
+                    <a:lumMod val="50000"/>
+                  </a:schemeClr>
+                </a:solidFill>
+              </a:rPr>
+              <a:t>WHY do we need this?</a:t>
+            </a:r>
+          </a:p>
+          <a:p>
+            <a:r>
+              <a:rPr lang="en-US" dirty="0">
+                <a:solidFill>
+                  <a:schemeClr val="accent2">
+                    <a:lumMod val="50000"/>
+                  </a:schemeClr>
+                </a:solidFill>
+              </a:rPr>
+              <a:t>To ease and unify deployment configuration for different </a:t>
+            </a:r>
+            <a:r>
+              <a:rPr lang="en-US" dirty="0" err="1">
+                <a:solidFill>
+                  <a:schemeClr val="accent2">
+                    <a:lumMod val="50000"/>
+                  </a:schemeClr>
+                </a:solidFill>
+              </a:rPr>
+              <a:t>envs</a:t>
+            </a:r>
+            <a:r>
+              <a:rPr lang="en-US" dirty="0">
+                <a:solidFill>
+                  <a:schemeClr val="accent2">
+                    <a:lumMod val="50000"/>
+                  </a:schemeClr>
+                </a:solidFill>
+              </a:rPr>
+              <a:t>.</a:t>
+            </a:r>
+          </a:p>
+        </p:txBody>
+      </p:sp>
+      <p:pic>
+        <p:nvPicPr>
+          <p:cNvPr id="6" name="Picture 5">
+            <a:extLst>
+              <a:ext uri="{FF2B5EF4-FFF2-40B4-BE49-F238E27FC236}">
+                <a16:creationId xmlns:a16="http://schemas.microsoft.com/office/drawing/2014/main" id="{821B706C-AE0F-CAB2-D693-A4BA49348AA6}"/>
+              </a:ext>
+            </a:extLst>
+          </p:cNvPr>
+          <p:cNvPicPr>
+            <a:picLocks noChangeAspect="1"/>
+          </p:cNvPicPr>
+          <p:nvPr/>
+        </p:nvPicPr>
+        <p:blipFill>
+          <a:blip r:embed="rId3">
+            <a:extLst>
+              <a:ext uri="{28A0092B-C50C-407E-A947-70E740481C1C}">
+                <a14:useLocalDpi xmlns:a14="http://schemas.microsoft.com/office/drawing/2010/main" val="0"/>
+              </a:ext>
+            </a:extLst>
+          </a:blip>
+          <a:stretch>
+            <a:fillRect/>
+          </a:stretch>
+        </p:blipFill>
+        <p:spPr>
+          <a:xfrm>
+            <a:off x="2777256" y="4632260"/>
+            <a:ext cx="12733488" cy="4508508"/>
+          </a:xfrm>
+          <a:prstGeom prst="rect">
+            <a:avLst/>
+          </a:prstGeom>
+        </p:spPr>
+      </p:pic>
+      <p:sp>
+        <p:nvSpPr>
+          <p:cNvPr id="4" name="TextBox 3">
+            <a:extLst>
+              <a:ext uri="{FF2B5EF4-FFF2-40B4-BE49-F238E27FC236}">
+                <a16:creationId xmlns:a16="http://schemas.microsoft.com/office/drawing/2014/main" id="{1FEE59DF-8365-6D88-6FBE-D089EC585341}"/>
+              </a:ext>
+            </a:extLst>
+          </p:cNvPr>
+          <p:cNvSpPr txBox="1"/>
+          <p:nvPr/>
+        </p:nvSpPr>
+        <p:spPr>
+          <a:xfrm>
+            <a:off x="17508906" y="9659383"/>
+            <a:ext cx="464024" cy="369332"/>
+          </a:xfrm>
+          <a:prstGeom prst="rect">
+            <a:avLst/>
+          </a:prstGeom>
+          <a:noFill/>
+        </p:spPr>
+        <p:txBody>
+          <a:bodyPr wrap="square" rtlCol="0">
+            <a:spAutoFit/>
+          </a:bodyPr>
+          <a:lstStyle/>
+          <a:p>
+            <a:r>
+              <a:rPr lang="en-US" dirty="0">
+                <a:solidFill>
+                  <a:schemeClr val="accent2">
+                    <a:lumMod val="50000"/>
+                  </a:schemeClr>
+                </a:solidFill>
+              </a:rPr>
+              <a:t>12</a:t>
+            </a:r>
+          </a:p>
+        </p:txBody>
+      </p:sp>
+    </p:spTree>
+    <p:extLst>
+      <p:ext uri="{BB962C8B-B14F-4D97-AF65-F5344CB8AC3E}">
+        <p14:creationId xmlns:p14="http://schemas.microsoft.com/office/powerpoint/2010/main" val="701955745"/>
+      </p:ext>
+    </p:extLst>
+  </p:cSld>
+  <p:clrMapOvr>
+    <a:masterClrMapping/>
+  </p:clrMapOvr>
+</p:sld>
+</file>
+
+<file path=ppt/slides/slide13.xml><?xml version="1.0" encoding="utf-8"?>
+<p:sld xmlns:a="http://schemas.openxmlformats.org/drawingml/2006/main" xmlns:r="http://schemas.openxmlformats.org/officeDocument/2006/relationships" xmlns:p="http://schemas.openxmlformats.org/presentationml/2006/main">
+  <p:cSld>
+    <p:spTree>
+      <p:nvGrpSpPr>
+        <p:cNvPr id="1" name=""/>
+        <p:cNvGrpSpPr/>
+        <p:nvPr/>
+      </p:nvGrpSpPr>
+      <p:grpSpPr>
+        <a:xfrm>
+          <a:off x="0" y="0"/>
+          <a:ext cx="0" cy="0"/>
+          <a:chOff x="0" y="0"/>
+          <a:chExt cx="0" cy="0"/>
+        </a:xfrm>
+      </p:grpSpPr>
+      <p:sp>
+        <p:nvSpPr>
+          <p:cNvPr id="3" name="Title 2">
+            <a:extLst>
+              <a:ext uri="{FF2B5EF4-FFF2-40B4-BE49-F238E27FC236}">
+                <a16:creationId xmlns:a16="http://schemas.microsoft.com/office/drawing/2014/main" id="{706501E4-6246-A606-7483-C427CF30CD57}"/>
+              </a:ext>
+            </a:extLst>
+          </p:cNvPr>
+          <p:cNvSpPr>
+            <a:spLocks noGrp="1"/>
+          </p:cNvSpPr>
+          <p:nvPr>
+            <p:ph type="title"/>
+          </p:nvPr>
+        </p:nvSpPr>
+        <p:spPr/>
+        <p:txBody>
+          <a:bodyPr/>
+          <a:lstStyle/>
+          <a:p>
+            <a:r>
+              <a:rPr lang="en-US" dirty="0">
+                <a:solidFill>
+                  <a:schemeClr val="accent2">
+                    <a:lumMod val="50000"/>
+                  </a:schemeClr>
+                </a:solidFill>
+              </a:rPr>
               <a:t>HELM Layout</a:t>
             </a:r>
-            <a:endParaRPr lang="en-RU" dirty="0"/>
+            <a:endParaRPr lang="en-RU" dirty="0">
+              <a:solidFill>
+                <a:schemeClr val="accent2">
+                  <a:lumMod val="50000"/>
+                </a:schemeClr>
+              </a:solidFill>
+            </a:endParaRPr>
           </a:p>
         </p:txBody>
       </p:sp>
@@ -11856,21 +12804,45 @@
           <a:lstStyle/>
           <a:p>
             <a:r>
-              <a:rPr lang="en-US" dirty="0"/>
+              <a:rPr lang="en-US" dirty="0">
+                <a:solidFill>
+                  <a:schemeClr val="accent2">
+                    <a:lumMod val="50000"/>
+                  </a:schemeClr>
+                </a:solidFill>
+              </a:rPr>
               <a:t>WHY do we need this?</a:t>
             </a:r>
           </a:p>
           <a:p>
             <a:r>
-              <a:rPr lang="en-US" dirty="0"/>
+              <a:rPr lang="en-US" dirty="0">
+                <a:solidFill>
+                  <a:schemeClr val="accent2">
+                    <a:lumMod val="50000"/>
+                  </a:schemeClr>
+                </a:solidFill>
+              </a:rPr>
               <a:t>To ease and unify deployment configuration for different </a:t>
             </a:r>
             <a:r>
-              <a:rPr lang="en-US" dirty="0" err="1"/>
+              <a:rPr lang="en-US" dirty="0" err="1">
+                <a:solidFill>
+                  <a:schemeClr val="accent2">
+                    <a:lumMod val="50000"/>
+                  </a:schemeClr>
+                </a:solidFill>
+              </a:rPr>
               <a:t>envs</a:t>
             </a:r>
             <a:r>
-              <a:rPr lang="en-US" dirty="0"/>
+              <a:rPr lang="en-US" dirty="0">
+                <a:solidFill>
+                  <a:schemeClr val="accent2">
+                    <a:lumMod val="50000"/>
+                  </a:schemeClr>
+                </a:solidFill>
+              </a:rPr>
               <a:t>.</a:t>
             </a:r>
           </a:p>
@@ -11905,8 +12877,14 @@
           <a:lstStyle/>
           <a:p>
             <a:r>
-              <a:rPr lang="en-US" dirty="0"/>
-              <a:t>10</a:t>
+              <a:rPr lang="en-US" dirty="0">
+                <a:solidFill>
+                  <a:schemeClr val="accent2">
+                    <a:lumMod val="50000"/>
+                  </a:schemeClr>
+                </a:solidFill>
+              </a:rPr>
+              <a:t>13</a:t>
             </a:r>
           </a:p>
         </p:txBody>
@@ -11915,1852 +12893,6 @@
     <p:extLst>
       <p:ext uri="{BB962C8B-B14F-4D97-AF65-F5344CB8AC3E}">
         <p14:creationId xmlns:p14="http://schemas.microsoft.com/office/powerpoint/2010/main" val="1350959646"/>
-      </p:ext>
-    </p:extLst>
-  </p:cSld>
-  <p:clrMapOvr>
-    <a:masterClrMapping/>
-  </p:clrMapOvr>
-</p:sld>
-</file>
-
-<file path=ppt/slides/slide11.xml><?xml version="1.0" encoding="utf-8"?>
-<p:sld xmlns:a="http://schemas.openxmlformats.org/drawingml/2006/main" xmlns:r="http://schemas.openxmlformats.org/officeDocument/2006/relationships" xmlns:p="http://schemas.openxmlformats.org/presentationml/2006/main">
-  <p:cSld>
-    <p:spTree>
-      <p:nvGrpSpPr>
-        <p:cNvPr id="1" name=""/>
-        <p:cNvGrpSpPr/>
-        <p:nvPr/>
-      </p:nvGrpSpPr>
-      <p:grpSpPr>
-        <a:xfrm>
-          <a:off x="0" y="0"/>
-          <a:ext cx="0" cy="0"/>
-          <a:chOff x="0" y="0"/>
-          <a:chExt cx="0" cy="0"/>
-        </a:xfrm>
-      </p:grpSpPr>
-      <p:sp>
-        <p:nvSpPr>
-          <p:cNvPr id="3" name="Title 2">
-            <a:extLst>
-              <a:ext uri="{FF2B5EF4-FFF2-40B4-BE49-F238E27FC236}">
-                <a16:creationId xmlns:a16="http://schemas.microsoft.com/office/drawing/2014/main" id="{706501E4-6246-A606-7483-C427CF30CD57}"/>
-              </a:ext>
-            </a:extLst>
-          </p:cNvPr>
-          <p:cNvSpPr>
-            <a:spLocks noGrp="1"/>
-          </p:cNvSpPr>
-          <p:nvPr>
-            <p:ph type="title"/>
-          </p:nvPr>
-        </p:nvSpPr>
-        <p:spPr/>
-        <p:txBody>
-          <a:bodyPr/>
-          <a:lstStyle/>
-          <a:p>
-            <a:r>
-              <a:rPr lang="en-US" dirty="0"/>
-              <a:t>HELM Templating</a:t>
-            </a:r>
-            <a:endParaRPr lang="en-RU" dirty="0"/>
-          </a:p>
-        </p:txBody>
-      </p:sp>
-      <p:sp>
-        <p:nvSpPr>
-          <p:cNvPr id="4" name="TextBox 3">
-            <a:extLst>
-              <a:ext uri="{FF2B5EF4-FFF2-40B4-BE49-F238E27FC236}">
-                <a16:creationId xmlns:a16="http://schemas.microsoft.com/office/drawing/2014/main" id="{D21DE26C-3928-E33E-6CB7-43E196FC5E62}"/>
-              </a:ext>
-            </a:extLst>
-          </p:cNvPr>
-          <p:cNvSpPr txBox="1"/>
-          <p:nvPr/>
-        </p:nvSpPr>
-        <p:spPr>
-          <a:xfrm>
-            <a:off x="10654302" y="1111118"/>
-            <a:ext cx="3513762" cy="923330"/>
-          </a:xfrm>
-          <a:prstGeom prst="rect">
-            <a:avLst/>
-          </a:prstGeom>
-          <a:noFill/>
-        </p:spPr>
-        <p:txBody>
-          <a:bodyPr wrap="square" rtlCol="0">
-            <a:spAutoFit/>
-          </a:bodyPr>
-          <a:lstStyle/>
-          <a:p>
-            <a:r>
-              <a:rPr lang="en-US" dirty="0"/>
-              <a:t>WHY do we need this?</a:t>
-            </a:r>
-          </a:p>
-          <a:p>
-            <a:r>
-              <a:rPr lang="en-US" dirty="0"/>
-              <a:t>To ease and unify deployment configuration for different </a:t>
-            </a:r>
-            <a:r>
-              <a:rPr lang="en-US" dirty="0" err="1"/>
-              <a:t>envs</a:t>
-            </a:r>
-            <a:r>
-              <a:rPr lang="en-US" dirty="0"/>
-              <a:t>.</a:t>
-            </a:r>
-          </a:p>
-        </p:txBody>
-      </p:sp>
-      <p:sp>
-        <p:nvSpPr>
-          <p:cNvPr id="13" name="TextBox 12">
-            <a:extLst>
-              <a:ext uri="{FF2B5EF4-FFF2-40B4-BE49-F238E27FC236}">
-                <a16:creationId xmlns:a16="http://schemas.microsoft.com/office/drawing/2014/main" id="{423BA456-282E-59B7-7DE0-63FF29F4AB70}"/>
-              </a:ext>
-            </a:extLst>
-          </p:cNvPr>
-          <p:cNvSpPr txBox="1"/>
-          <p:nvPr/>
-        </p:nvSpPr>
-        <p:spPr>
-          <a:xfrm>
-            <a:off x="11250386" y="4236814"/>
-            <a:ext cx="3381637" cy="2308324"/>
-          </a:xfrm>
-          <a:prstGeom prst="rect">
-            <a:avLst/>
-          </a:prstGeom>
-          <a:noFill/>
-        </p:spPr>
-        <p:txBody>
-          <a:bodyPr wrap="square">
-            <a:spAutoFit/>
-          </a:bodyPr>
-          <a:lstStyle/>
-          <a:p>
-            <a:r>
-              <a:rPr lang="en-US" sz="1800" dirty="0" err="1">
-                <a:solidFill>
-                  <a:prstClr val="black"/>
-                </a:solidFill>
-                <a:latin typeface="Lucida Console" panose="020B0609040504020204" pitchFamily="49" charset="0"/>
-              </a:rPr>
-              <a:t>replicaCount</a:t>
-            </a:r>
-            <a:r>
-              <a:rPr lang="en-US" sz="1800" dirty="0">
-                <a:solidFill>
-                  <a:prstClr val="black"/>
-                </a:solidFill>
-                <a:latin typeface="Lucida Console" panose="020B0609040504020204" pitchFamily="49" charset="0"/>
-              </a:rPr>
-              <a:t>: 1</a:t>
-            </a:r>
-          </a:p>
-          <a:p>
-            <a:endParaRPr lang="en-US" sz="1800" dirty="0">
-              <a:solidFill>
-                <a:prstClr val="black"/>
-              </a:solidFill>
-              <a:latin typeface="Lucida Console" panose="020B0609040504020204" pitchFamily="49" charset="0"/>
-            </a:endParaRPr>
-          </a:p>
-          <a:p>
-            <a:r>
-              <a:rPr lang="en-US" sz="1800" dirty="0">
-                <a:solidFill>
-                  <a:prstClr val="black"/>
-                </a:solidFill>
-                <a:latin typeface="Lucida Console" panose="020B0609040504020204" pitchFamily="49" charset="0"/>
-              </a:rPr>
-              <a:t>image:</a:t>
-            </a:r>
-          </a:p>
-          <a:p>
-            <a:r>
-              <a:rPr lang="en-US" sz="1800" dirty="0">
-                <a:solidFill>
-                  <a:prstClr val="black"/>
-                </a:solidFill>
-                <a:latin typeface="Lucida Console" panose="020B0609040504020204" pitchFamily="49" charset="0"/>
-              </a:rPr>
-              <a:t>  repository: nginx</a:t>
-            </a:r>
-          </a:p>
-          <a:p>
-            <a:endParaRPr lang="en-US" sz="1800" dirty="0">
-              <a:solidFill>
-                <a:prstClr val="black"/>
-              </a:solidFill>
-              <a:latin typeface="Lucida Console" panose="020B0609040504020204" pitchFamily="49" charset="0"/>
-            </a:endParaRPr>
-          </a:p>
-          <a:p>
-            <a:r>
-              <a:rPr lang="en-US" sz="1800" dirty="0">
-                <a:solidFill>
-                  <a:prstClr val="black"/>
-                </a:solidFill>
-                <a:latin typeface="Lucida Console" panose="020B0609040504020204" pitchFamily="49" charset="0"/>
-              </a:rPr>
-              <a:t>service:</a:t>
-            </a:r>
-          </a:p>
-          <a:p>
-            <a:r>
-              <a:rPr lang="en-US" sz="1800" dirty="0">
-                <a:solidFill>
-                  <a:prstClr val="black"/>
-                </a:solidFill>
-                <a:latin typeface="Lucida Console" panose="020B0609040504020204" pitchFamily="49" charset="0"/>
-              </a:rPr>
-              <a:t>  type: </a:t>
-            </a:r>
-            <a:r>
-              <a:rPr lang="en-US" sz="1800" dirty="0" err="1">
-                <a:solidFill>
-                  <a:prstClr val="black"/>
-                </a:solidFill>
-                <a:latin typeface="Lucida Console" panose="020B0609040504020204" pitchFamily="49" charset="0"/>
-              </a:rPr>
-              <a:t>ClusterIP</a:t>
-            </a:r>
-            <a:endParaRPr lang="en-US" sz="1800" dirty="0">
-              <a:solidFill>
-                <a:prstClr val="black"/>
-              </a:solidFill>
-              <a:latin typeface="Lucida Console" panose="020B0609040504020204" pitchFamily="49" charset="0"/>
-            </a:endParaRPr>
-          </a:p>
-          <a:p>
-            <a:r>
-              <a:rPr lang="en-US" sz="1800" dirty="0">
-                <a:solidFill>
-                  <a:prstClr val="black"/>
-                </a:solidFill>
-                <a:latin typeface="Lucida Console" panose="020B0609040504020204" pitchFamily="49" charset="0"/>
-              </a:rPr>
-              <a:t>  port: 80</a:t>
-            </a:r>
-          </a:p>
-        </p:txBody>
-      </p:sp>
-      <p:sp>
-        <p:nvSpPr>
-          <p:cNvPr id="14" name="TextBox 13">
-            <a:extLst>
-              <a:ext uri="{FF2B5EF4-FFF2-40B4-BE49-F238E27FC236}">
-                <a16:creationId xmlns:a16="http://schemas.microsoft.com/office/drawing/2014/main" id="{7C9F6BE5-48D4-76F4-C108-C8EC16EDDDFF}"/>
-              </a:ext>
-            </a:extLst>
-          </p:cNvPr>
-          <p:cNvSpPr txBox="1"/>
-          <p:nvPr/>
-        </p:nvSpPr>
-        <p:spPr>
-          <a:xfrm>
-            <a:off x="11250386" y="3414601"/>
-            <a:ext cx="3788229" cy="584775"/>
-          </a:xfrm>
-          <a:prstGeom prst="rect">
-            <a:avLst/>
-          </a:prstGeom>
-          <a:noFill/>
-        </p:spPr>
-        <p:txBody>
-          <a:bodyPr wrap="square" rtlCol="0">
-            <a:spAutoFit/>
-          </a:bodyPr>
-          <a:lstStyle/>
-          <a:p>
-            <a:r>
-              <a:rPr lang="en-US" sz="3200" dirty="0" err="1"/>
-              <a:t>values.yaml</a:t>
-            </a:r>
-            <a:endParaRPr lang="en-US" sz="3200" dirty="0"/>
-          </a:p>
-        </p:txBody>
-      </p:sp>
-      <p:sp>
-        <p:nvSpPr>
-          <p:cNvPr id="15" name="TextBox 14">
-            <a:extLst>
-              <a:ext uri="{FF2B5EF4-FFF2-40B4-BE49-F238E27FC236}">
-                <a16:creationId xmlns:a16="http://schemas.microsoft.com/office/drawing/2014/main" id="{5D60F06A-24CB-47D7-7740-E04741CE58F0}"/>
-              </a:ext>
-            </a:extLst>
-          </p:cNvPr>
-          <p:cNvSpPr txBox="1"/>
-          <p:nvPr/>
-        </p:nvSpPr>
-        <p:spPr>
-          <a:xfrm>
-            <a:off x="767299" y="4328492"/>
-            <a:ext cx="8376701" cy="4247317"/>
-          </a:xfrm>
-          <a:prstGeom prst="rect">
-            <a:avLst/>
-          </a:prstGeom>
-          <a:noFill/>
-        </p:spPr>
-        <p:txBody>
-          <a:bodyPr wrap="square">
-            <a:spAutoFit/>
-          </a:bodyPr>
-          <a:lstStyle/>
-          <a:p>
-            <a:r>
-              <a:rPr lang="en-US" sz="1800" dirty="0" err="1">
-                <a:solidFill>
-                  <a:prstClr val="black"/>
-                </a:solidFill>
-                <a:latin typeface="Lucida Console" panose="020B0609040504020204" pitchFamily="49" charset="0"/>
-              </a:rPr>
-              <a:t>apiVersion</a:t>
-            </a:r>
-            <a:r>
-              <a:rPr lang="en-US" sz="1800" dirty="0">
-                <a:solidFill>
-                  <a:prstClr val="black"/>
-                </a:solidFill>
-                <a:latin typeface="Lucida Console" panose="020B0609040504020204" pitchFamily="49" charset="0"/>
-              </a:rPr>
-              <a:t>: v1</a:t>
-            </a:r>
-          </a:p>
-          <a:p>
-            <a:r>
-              <a:rPr lang="en-US" sz="1800" dirty="0">
-                <a:solidFill>
-                  <a:prstClr val="black"/>
-                </a:solidFill>
-                <a:latin typeface="Lucida Console" panose="020B0609040504020204" pitchFamily="49" charset="0"/>
-              </a:rPr>
-              <a:t>kind: Service</a:t>
-            </a:r>
-          </a:p>
-          <a:p>
-            <a:r>
-              <a:rPr lang="en-US" sz="1800" dirty="0">
-                <a:solidFill>
-                  <a:prstClr val="black"/>
-                </a:solidFill>
-                <a:latin typeface="Lucida Console" panose="020B0609040504020204" pitchFamily="49" charset="0"/>
-              </a:rPr>
-              <a:t>metadata:</a:t>
-            </a:r>
-          </a:p>
-          <a:p>
-            <a:r>
-              <a:rPr lang="en-US" sz="1800" dirty="0">
-                <a:solidFill>
-                  <a:prstClr val="black"/>
-                </a:solidFill>
-                <a:latin typeface="Lucida Console" panose="020B0609040504020204" pitchFamily="49" charset="0"/>
-              </a:rPr>
-              <a:t>  name: {{ include "my-</a:t>
-            </a:r>
-            <a:r>
-              <a:rPr lang="en-US" sz="1800" dirty="0" err="1">
-                <a:solidFill>
-                  <a:prstClr val="black"/>
-                </a:solidFill>
-                <a:latin typeface="Lucida Console" panose="020B0609040504020204" pitchFamily="49" charset="0"/>
-              </a:rPr>
-              <a:t>chart.fullname</a:t>
-            </a:r>
-            <a:r>
-              <a:rPr lang="en-US" sz="1800" dirty="0">
-                <a:solidFill>
-                  <a:prstClr val="black"/>
-                </a:solidFill>
-                <a:latin typeface="Lucida Console" panose="020B0609040504020204" pitchFamily="49" charset="0"/>
-              </a:rPr>
-              <a:t>" . }}</a:t>
-            </a:r>
-          </a:p>
-          <a:p>
-            <a:r>
-              <a:rPr lang="en-US" sz="1800" dirty="0">
-                <a:solidFill>
-                  <a:prstClr val="black"/>
-                </a:solidFill>
-                <a:latin typeface="Lucida Console" panose="020B0609040504020204" pitchFamily="49" charset="0"/>
-              </a:rPr>
-              <a:t>  labels:</a:t>
-            </a:r>
-          </a:p>
-          <a:p>
-            <a:r>
-              <a:rPr lang="en-US" sz="1800" dirty="0">
-                <a:solidFill>
-                  <a:prstClr val="black"/>
-                </a:solidFill>
-                <a:latin typeface="Lucida Console" panose="020B0609040504020204" pitchFamily="49" charset="0"/>
-              </a:rPr>
-              <a:t>    {{- include "my-</a:t>
-            </a:r>
-            <a:r>
-              <a:rPr lang="en-US" sz="1800" dirty="0" err="1">
-                <a:solidFill>
-                  <a:prstClr val="black"/>
-                </a:solidFill>
-                <a:latin typeface="Lucida Console" panose="020B0609040504020204" pitchFamily="49" charset="0"/>
-              </a:rPr>
-              <a:t>chart.labels</a:t>
-            </a:r>
-            <a:r>
-              <a:rPr lang="en-US" sz="1800" dirty="0">
-                <a:solidFill>
-                  <a:prstClr val="black"/>
-                </a:solidFill>
-                <a:latin typeface="Lucida Console" panose="020B0609040504020204" pitchFamily="49" charset="0"/>
-              </a:rPr>
-              <a:t>" . | </a:t>
-            </a:r>
-            <a:r>
-              <a:rPr lang="en-US" sz="1800" dirty="0" err="1">
-                <a:solidFill>
-                  <a:prstClr val="black"/>
-                </a:solidFill>
-                <a:latin typeface="Lucida Console" panose="020B0609040504020204" pitchFamily="49" charset="0"/>
-              </a:rPr>
-              <a:t>nindent</a:t>
-            </a:r>
-            <a:r>
-              <a:rPr lang="en-US" sz="1800" dirty="0">
-                <a:solidFill>
-                  <a:prstClr val="black"/>
-                </a:solidFill>
-                <a:latin typeface="Lucida Console" panose="020B0609040504020204" pitchFamily="49" charset="0"/>
-              </a:rPr>
-              <a:t> 4 }}</a:t>
-            </a:r>
-          </a:p>
-          <a:p>
-            <a:r>
-              <a:rPr lang="en-US" sz="1800" dirty="0">
-                <a:solidFill>
-                  <a:prstClr val="black"/>
-                </a:solidFill>
-                <a:latin typeface="Lucida Console" panose="020B0609040504020204" pitchFamily="49" charset="0"/>
-              </a:rPr>
-              <a:t>spec:</a:t>
-            </a:r>
-          </a:p>
-          <a:p>
-            <a:r>
-              <a:rPr lang="en-US" sz="1800" dirty="0">
-                <a:solidFill>
-                  <a:prstClr val="black"/>
-                </a:solidFill>
-                <a:latin typeface="Lucida Console" panose="020B0609040504020204" pitchFamily="49" charset="0"/>
-              </a:rPr>
-              <a:t>  type: {{ .</a:t>
-            </a:r>
-            <a:r>
-              <a:rPr lang="en-US" sz="1800" dirty="0" err="1">
-                <a:solidFill>
-                  <a:prstClr val="black"/>
-                </a:solidFill>
-                <a:latin typeface="Lucida Console" panose="020B0609040504020204" pitchFamily="49" charset="0"/>
-              </a:rPr>
-              <a:t>Values.service.type</a:t>
-            </a:r>
-            <a:r>
-              <a:rPr lang="en-US" sz="1800" dirty="0">
-                <a:solidFill>
-                  <a:prstClr val="black"/>
-                </a:solidFill>
-                <a:latin typeface="Lucida Console" panose="020B0609040504020204" pitchFamily="49" charset="0"/>
-              </a:rPr>
-              <a:t> }}</a:t>
-            </a:r>
-          </a:p>
-          <a:p>
-            <a:r>
-              <a:rPr lang="en-US" sz="1800" dirty="0">
-                <a:solidFill>
-                  <a:prstClr val="black"/>
-                </a:solidFill>
-                <a:latin typeface="Lucida Console" panose="020B0609040504020204" pitchFamily="49" charset="0"/>
-              </a:rPr>
-              <a:t>  ports:</a:t>
-            </a:r>
-          </a:p>
-          <a:p>
-            <a:r>
-              <a:rPr lang="en-US" sz="1800" dirty="0">
-                <a:solidFill>
-                  <a:prstClr val="black"/>
-                </a:solidFill>
-                <a:latin typeface="Lucida Console" panose="020B0609040504020204" pitchFamily="49" charset="0"/>
-              </a:rPr>
-              <a:t>    - port: {{ .</a:t>
-            </a:r>
-            <a:r>
-              <a:rPr lang="en-US" sz="1800" dirty="0" err="1">
-                <a:solidFill>
-                  <a:prstClr val="black"/>
-                </a:solidFill>
-                <a:latin typeface="Lucida Console" panose="020B0609040504020204" pitchFamily="49" charset="0"/>
-              </a:rPr>
-              <a:t>Values.service.port</a:t>
-            </a:r>
-            <a:r>
-              <a:rPr lang="en-US" sz="1800" dirty="0">
-                <a:solidFill>
-                  <a:prstClr val="black"/>
-                </a:solidFill>
-                <a:latin typeface="Lucida Console" panose="020B0609040504020204" pitchFamily="49" charset="0"/>
-              </a:rPr>
-              <a:t> }}</a:t>
-            </a:r>
-          </a:p>
-          <a:p>
-            <a:r>
-              <a:rPr lang="en-US" sz="1800" dirty="0">
-                <a:solidFill>
-                  <a:prstClr val="black"/>
-                </a:solidFill>
-                <a:latin typeface="Lucida Console" panose="020B0609040504020204" pitchFamily="49" charset="0"/>
-              </a:rPr>
-              <a:t>      </a:t>
-            </a:r>
-            <a:r>
-              <a:rPr lang="en-US" sz="1800" dirty="0" err="1">
-                <a:solidFill>
-                  <a:prstClr val="black"/>
-                </a:solidFill>
-                <a:latin typeface="Lucida Console" panose="020B0609040504020204" pitchFamily="49" charset="0"/>
-              </a:rPr>
-              <a:t>targetPort</a:t>
-            </a:r>
-            <a:r>
-              <a:rPr lang="en-US" sz="1800" dirty="0">
-                <a:solidFill>
-                  <a:prstClr val="black"/>
-                </a:solidFill>
-                <a:latin typeface="Lucida Console" panose="020B0609040504020204" pitchFamily="49" charset="0"/>
-              </a:rPr>
-              <a:t>: http</a:t>
-            </a:r>
-          </a:p>
-          <a:p>
-            <a:r>
-              <a:rPr lang="en-US" sz="1800" dirty="0">
-                <a:solidFill>
-                  <a:prstClr val="black"/>
-                </a:solidFill>
-                <a:latin typeface="Lucida Console" panose="020B0609040504020204" pitchFamily="49" charset="0"/>
-              </a:rPr>
-              <a:t>      protocol: TCP</a:t>
-            </a:r>
-          </a:p>
-          <a:p>
-            <a:r>
-              <a:rPr lang="en-US" sz="1800" dirty="0">
-                <a:solidFill>
-                  <a:prstClr val="black"/>
-                </a:solidFill>
-                <a:latin typeface="Lucida Console" panose="020B0609040504020204" pitchFamily="49" charset="0"/>
-              </a:rPr>
-              <a:t>      name: http</a:t>
-            </a:r>
-          </a:p>
-          <a:p>
-            <a:r>
-              <a:rPr lang="en-US" sz="1800" dirty="0">
-                <a:solidFill>
-                  <a:prstClr val="black"/>
-                </a:solidFill>
-                <a:latin typeface="Lucida Console" panose="020B0609040504020204" pitchFamily="49" charset="0"/>
-              </a:rPr>
-              <a:t>  selector:</a:t>
-            </a:r>
-          </a:p>
-          <a:p>
-            <a:r>
-              <a:rPr lang="en-US" sz="1800" dirty="0">
-                <a:solidFill>
-                  <a:prstClr val="black"/>
-                </a:solidFill>
-                <a:latin typeface="Lucida Console" panose="020B0609040504020204" pitchFamily="49" charset="0"/>
-              </a:rPr>
-              <a:t>    {{- include "my-</a:t>
-            </a:r>
-            <a:r>
-              <a:rPr lang="en-US" sz="1800" dirty="0" err="1">
-                <a:solidFill>
-                  <a:prstClr val="black"/>
-                </a:solidFill>
-                <a:latin typeface="Lucida Console" panose="020B0609040504020204" pitchFamily="49" charset="0"/>
-              </a:rPr>
-              <a:t>chart.selectorLabels</a:t>
-            </a:r>
-            <a:r>
-              <a:rPr lang="en-US" sz="1800" dirty="0">
-                <a:solidFill>
-                  <a:prstClr val="black"/>
-                </a:solidFill>
-                <a:latin typeface="Lucida Console" panose="020B0609040504020204" pitchFamily="49" charset="0"/>
-              </a:rPr>
-              <a:t>" . | </a:t>
-            </a:r>
-            <a:r>
-              <a:rPr lang="en-US" sz="1800" dirty="0" err="1">
-                <a:solidFill>
-                  <a:prstClr val="black"/>
-                </a:solidFill>
-                <a:latin typeface="Lucida Console" panose="020B0609040504020204" pitchFamily="49" charset="0"/>
-              </a:rPr>
-              <a:t>nindent</a:t>
-            </a:r>
-            <a:r>
-              <a:rPr lang="en-US" sz="1800" dirty="0">
-                <a:solidFill>
-                  <a:prstClr val="black"/>
-                </a:solidFill>
-                <a:latin typeface="Lucida Console" panose="020B0609040504020204" pitchFamily="49" charset="0"/>
-              </a:rPr>
-              <a:t> 4 }}</a:t>
-            </a:r>
-            <a:endParaRPr lang="en-US" dirty="0"/>
-          </a:p>
-        </p:txBody>
-      </p:sp>
-      <p:sp>
-        <p:nvSpPr>
-          <p:cNvPr id="16" name="TextBox 15">
-            <a:extLst>
-              <a:ext uri="{FF2B5EF4-FFF2-40B4-BE49-F238E27FC236}">
-                <a16:creationId xmlns:a16="http://schemas.microsoft.com/office/drawing/2014/main" id="{52CACA74-E7BD-FD5A-7414-81381EBCD4FA}"/>
-              </a:ext>
-            </a:extLst>
-          </p:cNvPr>
-          <p:cNvSpPr txBox="1"/>
-          <p:nvPr/>
-        </p:nvSpPr>
-        <p:spPr>
-          <a:xfrm>
-            <a:off x="767299" y="3506278"/>
-            <a:ext cx="3788229" cy="584775"/>
-          </a:xfrm>
-          <a:prstGeom prst="rect">
-            <a:avLst/>
-          </a:prstGeom>
-          <a:noFill/>
-        </p:spPr>
-        <p:txBody>
-          <a:bodyPr wrap="square" rtlCol="0">
-            <a:spAutoFit/>
-          </a:bodyPr>
-          <a:lstStyle/>
-          <a:p>
-            <a:r>
-              <a:rPr lang="en-US" sz="3200" dirty="0"/>
-              <a:t>Template </a:t>
-            </a:r>
-            <a:r>
-              <a:rPr lang="en-US" sz="3200" dirty="0" err="1"/>
-              <a:t>service.yaml</a:t>
-            </a:r>
-            <a:endParaRPr lang="en-US" sz="3200" dirty="0"/>
-          </a:p>
-        </p:txBody>
-      </p:sp>
-      <p:cxnSp>
-        <p:nvCxnSpPr>
-          <p:cNvPr id="24" name="Straight Connector 23">
-            <a:extLst>
-              <a:ext uri="{FF2B5EF4-FFF2-40B4-BE49-F238E27FC236}">
-                <a16:creationId xmlns:a16="http://schemas.microsoft.com/office/drawing/2014/main" id="{2E29DF9C-E127-95CE-DE8E-922446BFF21D}"/>
-              </a:ext>
-            </a:extLst>
-          </p:cNvPr>
-          <p:cNvCxnSpPr>
-            <a:cxnSpLocks/>
-          </p:cNvCxnSpPr>
-          <p:nvPr/>
-        </p:nvCxnSpPr>
-        <p:spPr>
-          <a:xfrm>
-            <a:off x="10156371" y="3506278"/>
-            <a:ext cx="0" cy="6217086"/>
-          </a:xfrm>
-          <a:prstGeom prst="line">
-            <a:avLst/>
-          </a:prstGeom>
-          <a:ln w="57150"/>
-        </p:spPr>
-        <p:style>
-          <a:lnRef idx="1">
-            <a:schemeClr val="dk1"/>
-          </a:lnRef>
-          <a:fillRef idx="0">
-            <a:schemeClr val="dk1"/>
-          </a:fillRef>
-          <a:effectRef idx="0">
-            <a:schemeClr val="dk1"/>
-          </a:effectRef>
-          <a:fontRef idx="minor">
-            <a:schemeClr val="tx1"/>
-          </a:fontRef>
-        </p:style>
-      </p:cxnSp>
-      <p:sp>
-        <p:nvSpPr>
-          <p:cNvPr id="2" name="TextBox 1">
-            <a:extLst>
-              <a:ext uri="{FF2B5EF4-FFF2-40B4-BE49-F238E27FC236}">
-                <a16:creationId xmlns:a16="http://schemas.microsoft.com/office/drawing/2014/main" id="{F1CAB529-B53C-0CB0-3202-F4B25E7E61F1}"/>
-              </a:ext>
-            </a:extLst>
-          </p:cNvPr>
-          <p:cNvSpPr txBox="1"/>
-          <p:nvPr/>
-        </p:nvSpPr>
-        <p:spPr>
-          <a:xfrm>
-            <a:off x="17508906" y="9659383"/>
-            <a:ext cx="464024" cy="369332"/>
-          </a:xfrm>
-          <a:prstGeom prst="rect">
-            <a:avLst/>
-          </a:prstGeom>
-          <a:noFill/>
-        </p:spPr>
-        <p:txBody>
-          <a:bodyPr wrap="square" rtlCol="0">
-            <a:spAutoFit/>
-          </a:bodyPr>
-          <a:lstStyle/>
-          <a:p>
-            <a:r>
-              <a:rPr lang="en-US" dirty="0"/>
-              <a:t>11</a:t>
-            </a:r>
-          </a:p>
-        </p:txBody>
-      </p:sp>
-    </p:spTree>
-    <p:extLst>
-      <p:ext uri="{BB962C8B-B14F-4D97-AF65-F5344CB8AC3E}">
-        <p14:creationId xmlns:p14="http://schemas.microsoft.com/office/powerpoint/2010/main" val="1685343756"/>
-      </p:ext>
-    </p:extLst>
-  </p:cSld>
-  <p:clrMapOvr>
-    <a:masterClrMapping/>
-  </p:clrMapOvr>
-</p:sld>
-</file>
-
-<file path=ppt/slides/slide12.xml><?xml version="1.0" encoding="utf-8"?>
-<p:sld xmlns:a="http://schemas.openxmlformats.org/drawingml/2006/main" xmlns:r="http://schemas.openxmlformats.org/officeDocument/2006/relationships" xmlns:p="http://schemas.openxmlformats.org/presentationml/2006/main">
-  <p:cSld>
-    <p:spTree>
-      <p:nvGrpSpPr>
-        <p:cNvPr id="1" name=""/>
-        <p:cNvGrpSpPr/>
-        <p:nvPr/>
-      </p:nvGrpSpPr>
-      <p:grpSpPr>
-        <a:xfrm>
-          <a:off x="0" y="0"/>
-          <a:ext cx="0" cy="0"/>
-          <a:chOff x="0" y="0"/>
-          <a:chExt cx="0" cy="0"/>
-        </a:xfrm>
-      </p:grpSpPr>
-      <p:sp>
-        <p:nvSpPr>
-          <p:cNvPr id="3" name="Title 2">
-            <a:extLst>
-              <a:ext uri="{FF2B5EF4-FFF2-40B4-BE49-F238E27FC236}">
-                <a16:creationId xmlns:a16="http://schemas.microsoft.com/office/drawing/2014/main" id="{706501E4-6246-A606-7483-C427CF30CD57}"/>
-              </a:ext>
-            </a:extLst>
-          </p:cNvPr>
-          <p:cNvSpPr>
-            <a:spLocks noGrp="1"/>
-          </p:cNvSpPr>
-          <p:nvPr>
-            <p:ph type="title"/>
-          </p:nvPr>
-        </p:nvSpPr>
-        <p:spPr/>
-        <p:txBody>
-          <a:bodyPr/>
-          <a:lstStyle/>
-          <a:p>
-            <a:r>
-              <a:rPr lang="en-US" dirty="0"/>
-              <a:t>HELM Templating</a:t>
-            </a:r>
-            <a:endParaRPr lang="en-RU" dirty="0"/>
-          </a:p>
-        </p:txBody>
-      </p:sp>
-      <p:sp>
-        <p:nvSpPr>
-          <p:cNvPr id="4" name="TextBox 3">
-            <a:extLst>
-              <a:ext uri="{FF2B5EF4-FFF2-40B4-BE49-F238E27FC236}">
-                <a16:creationId xmlns:a16="http://schemas.microsoft.com/office/drawing/2014/main" id="{D21DE26C-3928-E33E-6CB7-43E196FC5E62}"/>
-              </a:ext>
-            </a:extLst>
-          </p:cNvPr>
-          <p:cNvSpPr txBox="1"/>
-          <p:nvPr/>
-        </p:nvSpPr>
-        <p:spPr>
-          <a:xfrm>
-            <a:off x="10654302" y="1111118"/>
-            <a:ext cx="3513762" cy="923330"/>
-          </a:xfrm>
-          <a:prstGeom prst="rect">
-            <a:avLst/>
-          </a:prstGeom>
-          <a:noFill/>
-        </p:spPr>
-        <p:txBody>
-          <a:bodyPr wrap="square" rtlCol="0">
-            <a:spAutoFit/>
-          </a:bodyPr>
-          <a:lstStyle/>
-          <a:p>
-            <a:r>
-              <a:rPr lang="en-US" dirty="0"/>
-              <a:t>WHY do we need this?</a:t>
-            </a:r>
-          </a:p>
-          <a:p>
-            <a:r>
-              <a:rPr lang="en-US" dirty="0"/>
-              <a:t>To ease and unify deployment configuration for different </a:t>
-            </a:r>
-            <a:r>
-              <a:rPr lang="en-US" dirty="0" err="1"/>
-              <a:t>envs</a:t>
-            </a:r>
-            <a:r>
-              <a:rPr lang="en-US" dirty="0"/>
-              <a:t>.</a:t>
-            </a:r>
-          </a:p>
-        </p:txBody>
-      </p:sp>
-      <p:sp>
-        <p:nvSpPr>
-          <p:cNvPr id="2" name="TextBox 1">
-            <a:extLst>
-              <a:ext uri="{FF2B5EF4-FFF2-40B4-BE49-F238E27FC236}">
-                <a16:creationId xmlns:a16="http://schemas.microsoft.com/office/drawing/2014/main" id="{4501449D-CF4E-4F07-128D-1591BBE138B2}"/>
-              </a:ext>
-            </a:extLst>
-          </p:cNvPr>
-          <p:cNvSpPr txBox="1"/>
-          <p:nvPr/>
-        </p:nvSpPr>
-        <p:spPr>
-          <a:xfrm>
-            <a:off x="3028878" y="5144294"/>
-            <a:ext cx="12230244" cy="707886"/>
-          </a:xfrm>
-          <a:prstGeom prst="rect">
-            <a:avLst/>
-          </a:prstGeom>
-          <a:noFill/>
-        </p:spPr>
-        <p:txBody>
-          <a:bodyPr wrap="square">
-            <a:spAutoFit/>
-          </a:bodyPr>
-          <a:lstStyle/>
-          <a:p>
-            <a:r>
-              <a:rPr lang="en-US" sz="4000" dirty="0">
-                <a:solidFill>
-                  <a:prstClr val="black"/>
-                </a:solidFill>
-                <a:latin typeface="Lucida Console" panose="020B0609040504020204" pitchFamily="49" charset="0"/>
-              </a:rPr>
-              <a:t>helm template my-release-name my-chart/</a:t>
-            </a:r>
-            <a:endParaRPr lang="en-US" sz="4000" dirty="0"/>
-          </a:p>
-        </p:txBody>
-      </p:sp>
-      <p:sp>
-        <p:nvSpPr>
-          <p:cNvPr id="5" name="TextBox 4">
-            <a:extLst>
-              <a:ext uri="{FF2B5EF4-FFF2-40B4-BE49-F238E27FC236}">
-                <a16:creationId xmlns:a16="http://schemas.microsoft.com/office/drawing/2014/main" id="{0BBEC86E-553F-D284-C183-BB529DB9D63A}"/>
-              </a:ext>
-            </a:extLst>
-          </p:cNvPr>
-          <p:cNvSpPr txBox="1"/>
-          <p:nvPr/>
-        </p:nvSpPr>
-        <p:spPr>
-          <a:xfrm>
-            <a:off x="17508906" y="9659383"/>
-            <a:ext cx="464024" cy="369332"/>
-          </a:xfrm>
-          <a:prstGeom prst="rect">
-            <a:avLst/>
-          </a:prstGeom>
-          <a:noFill/>
-        </p:spPr>
-        <p:txBody>
-          <a:bodyPr wrap="square" rtlCol="0">
-            <a:spAutoFit/>
-          </a:bodyPr>
-          <a:lstStyle/>
-          <a:p>
-            <a:r>
-              <a:rPr lang="en-US" dirty="0"/>
-              <a:t>12</a:t>
-            </a:r>
-          </a:p>
-        </p:txBody>
-      </p:sp>
-    </p:spTree>
-    <p:extLst>
-      <p:ext uri="{BB962C8B-B14F-4D97-AF65-F5344CB8AC3E}">
-        <p14:creationId xmlns:p14="http://schemas.microsoft.com/office/powerpoint/2010/main" val="264978186"/>
-      </p:ext>
-    </p:extLst>
-  </p:cSld>
-  <p:clrMapOvr>
-    <a:masterClrMapping/>
-  </p:clrMapOvr>
-</p:sld>
-</file>
-
-<file path=ppt/slides/slide13.xml><?xml version="1.0" encoding="utf-8"?>
-<p:sld xmlns:a="http://schemas.openxmlformats.org/drawingml/2006/main" xmlns:r="http://schemas.openxmlformats.org/officeDocument/2006/relationships" xmlns:p="http://schemas.openxmlformats.org/presentationml/2006/main">
-  <p:cSld>
-    <p:spTree>
-      <p:nvGrpSpPr>
-        <p:cNvPr id="1" name=""/>
-        <p:cNvGrpSpPr/>
-        <p:nvPr/>
-      </p:nvGrpSpPr>
-      <p:grpSpPr>
-        <a:xfrm>
-          <a:off x="0" y="0"/>
-          <a:ext cx="0" cy="0"/>
-          <a:chOff x="0" y="0"/>
-          <a:chExt cx="0" cy="0"/>
-        </a:xfrm>
-      </p:grpSpPr>
-      <p:sp>
-        <p:nvSpPr>
-          <p:cNvPr id="3" name="Title 2">
-            <a:extLst>
-              <a:ext uri="{FF2B5EF4-FFF2-40B4-BE49-F238E27FC236}">
-                <a16:creationId xmlns:a16="http://schemas.microsoft.com/office/drawing/2014/main" id="{706501E4-6246-A606-7483-C427CF30CD57}"/>
-              </a:ext>
-            </a:extLst>
-          </p:cNvPr>
-          <p:cNvSpPr>
-            <a:spLocks noGrp="1"/>
-          </p:cNvSpPr>
-          <p:nvPr>
-            <p:ph type="title"/>
-          </p:nvPr>
-        </p:nvSpPr>
-        <p:spPr/>
-        <p:txBody>
-          <a:bodyPr/>
-          <a:lstStyle/>
-          <a:p>
-            <a:r>
-              <a:rPr lang="en-US" dirty="0"/>
-              <a:t>HELM Templating</a:t>
-            </a:r>
-            <a:endParaRPr lang="en-RU" dirty="0"/>
-          </a:p>
-        </p:txBody>
-      </p:sp>
-      <p:sp>
-        <p:nvSpPr>
-          <p:cNvPr id="4" name="TextBox 3">
-            <a:extLst>
-              <a:ext uri="{FF2B5EF4-FFF2-40B4-BE49-F238E27FC236}">
-                <a16:creationId xmlns:a16="http://schemas.microsoft.com/office/drawing/2014/main" id="{D21DE26C-3928-E33E-6CB7-43E196FC5E62}"/>
-              </a:ext>
-            </a:extLst>
-          </p:cNvPr>
-          <p:cNvSpPr txBox="1"/>
-          <p:nvPr/>
-        </p:nvSpPr>
-        <p:spPr>
-          <a:xfrm>
-            <a:off x="10654302" y="1111118"/>
-            <a:ext cx="3513762" cy="923330"/>
-          </a:xfrm>
-          <a:prstGeom prst="rect">
-            <a:avLst/>
-          </a:prstGeom>
-          <a:noFill/>
-        </p:spPr>
-        <p:txBody>
-          <a:bodyPr wrap="square" rtlCol="0">
-            <a:spAutoFit/>
-          </a:bodyPr>
-          <a:lstStyle/>
-          <a:p>
-            <a:r>
-              <a:rPr lang="en-US" dirty="0"/>
-              <a:t>WHY do we need this?</a:t>
-            </a:r>
-          </a:p>
-          <a:p>
-            <a:r>
-              <a:rPr lang="en-US" dirty="0"/>
-              <a:t>To ease and unify deployment configuration for different </a:t>
-            </a:r>
-            <a:r>
-              <a:rPr lang="en-US" dirty="0" err="1"/>
-              <a:t>envs</a:t>
-            </a:r>
-            <a:r>
-              <a:rPr lang="en-US" dirty="0"/>
-              <a:t>.</a:t>
-            </a:r>
-          </a:p>
-        </p:txBody>
-      </p:sp>
-      <p:sp>
-        <p:nvSpPr>
-          <p:cNvPr id="5" name="TextBox 4">
-            <a:extLst>
-              <a:ext uri="{FF2B5EF4-FFF2-40B4-BE49-F238E27FC236}">
-                <a16:creationId xmlns:a16="http://schemas.microsoft.com/office/drawing/2014/main" id="{7EA37416-AC5E-3B52-844D-97F759B12D26}"/>
-              </a:ext>
-            </a:extLst>
-          </p:cNvPr>
-          <p:cNvSpPr txBox="1"/>
-          <p:nvPr/>
-        </p:nvSpPr>
-        <p:spPr>
-          <a:xfrm>
-            <a:off x="11250386" y="4091053"/>
-            <a:ext cx="7037614" cy="5632311"/>
-          </a:xfrm>
-          <a:prstGeom prst="rect">
-            <a:avLst/>
-          </a:prstGeom>
-          <a:noFill/>
-        </p:spPr>
-        <p:txBody>
-          <a:bodyPr wrap="square">
-            <a:spAutoFit/>
-          </a:bodyPr>
-          <a:lstStyle/>
-          <a:p>
-            <a:r>
-              <a:rPr lang="en-US" sz="1800" dirty="0" err="1">
-                <a:solidFill>
-                  <a:prstClr val="black"/>
-                </a:solidFill>
-                <a:latin typeface="Lucida Console" panose="020B0609040504020204" pitchFamily="49" charset="0"/>
-              </a:rPr>
-              <a:t>apiVersion</a:t>
-            </a:r>
-            <a:r>
-              <a:rPr lang="en-US" sz="1800" dirty="0">
-                <a:solidFill>
-                  <a:prstClr val="black"/>
-                </a:solidFill>
-                <a:latin typeface="Lucida Console" panose="020B0609040504020204" pitchFamily="49" charset="0"/>
-              </a:rPr>
-              <a:t>: v1</a:t>
-            </a:r>
-          </a:p>
-          <a:p>
-            <a:r>
-              <a:rPr lang="en-US" sz="1800" dirty="0">
-                <a:solidFill>
-                  <a:prstClr val="black"/>
-                </a:solidFill>
-                <a:latin typeface="Lucida Console" panose="020B0609040504020204" pitchFamily="49" charset="0"/>
-              </a:rPr>
-              <a:t>kind: Service</a:t>
-            </a:r>
-          </a:p>
-          <a:p>
-            <a:r>
-              <a:rPr lang="en-US" sz="1800" dirty="0">
-                <a:solidFill>
-                  <a:prstClr val="black"/>
-                </a:solidFill>
-                <a:latin typeface="Lucida Console" panose="020B0609040504020204" pitchFamily="49" charset="0"/>
-              </a:rPr>
-              <a:t>metadata:</a:t>
-            </a:r>
-          </a:p>
-          <a:p>
-            <a:r>
-              <a:rPr lang="en-US" sz="1800" dirty="0">
-                <a:solidFill>
-                  <a:prstClr val="black"/>
-                </a:solidFill>
-                <a:latin typeface="Lucida Console" panose="020B0609040504020204" pitchFamily="49" charset="0"/>
-              </a:rPr>
-              <a:t>  name: my-release-name-my-chart</a:t>
-            </a:r>
-          </a:p>
-          <a:p>
-            <a:r>
-              <a:rPr lang="en-US" sz="1800" dirty="0">
-                <a:solidFill>
-                  <a:prstClr val="black"/>
-                </a:solidFill>
-                <a:latin typeface="Lucida Console" panose="020B0609040504020204" pitchFamily="49" charset="0"/>
-              </a:rPr>
-              <a:t>  labels:</a:t>
-            </a:r>
-          </a:p>
-          <a:p>
-            <a:r>
-              <a:rPr lang="en-US" sz="1800" dirty="0">
-                <a:solidFill>
-                  <a:prstClr val="black"/>
-                </a:solidFill>
-                <a:latin typeface="Lucida Console" panose="020B0609040504020204" pitchFamily="49" charset="0"/>
-              </a:rPr>
-              <a:t>    helm.sh/chart: my-chart-0.1.0</a:t>
-            </a:r>
-          </a:p>
-          <a:p>
-            <a:r>
-              <a:rPr lang="en-US" sz="1800" dirty="0">
-                <a:solidFill>
-                  <a:prstClr val="black"/>
-                </a:solidFill>
-                <a:latin typeface="Lucida Console" panose="020B0609040504020204" pitchFamily="49" charset="0"/>
-              </a:rPr>
-              <a:t>    app.kubernetes.io/name: my-chart</a:t>
-            </a:r>
-          </a:p>
-          <a:p>
-            <a:r>
-              <a:rPr lang="en-US" sz="1800" dirty="0">
-                <a:solidFill>
-                  <a:prstClr val="black"/>
-                </a:solidFill>
-                <a:latin typeface="Lucida Console" panose="020B0609040504020204" pitchFamily="49" charset="0"/>
-              </a:rPr>
-              <a:t>    app.kubernetes.io/instance: my-release-name</a:t>
-            </a:r>
-          </a:p>
-          <a:p>
-            <a:r>
-              <a:rPr lang="de-DE" sz="1800" dirty="0">
-                <a:solidFill>
-                  <a:prstClr val="black"/>
-                </a:solidFill>
-                <a:latin typeface="Lucida Console" panose="020B0609040504020204" pitchFamily="49" charset="0"/>
-              </a:rPr>
-              <a:t>    app.kubernetes.io/</a:t>
-            </a:r>
-            <a:r>
-              <a:rPr lang="de-DE" sz="1800" dirty="0" err="1">
-                <a:solidFill>
-                  <a:prstClr val="black"/>
-                </a:solidFill>
-                <a:latin typeface="Lucida Console" panose="020B0609040504020204" pitchFamily="49" charset="0"/>
-              </a:rPr>
-              <a:t>version</a:t>
-            </a:r>
-            <a:r>
-              <a:rPr lang="de-DE" sz="1800" dirty="0">
-                <a:solidFill>
-                  <a:prstClr val="black"/>
-                </a:solidFill>
-                <a:latin typeface="Lucida Console" panose="020B0609040504020204" pitchFamily="49" charset="0"/>
-              </a:rPr>
-              <a:t>: "1.16.0"</a:t>
-            </a:r>
-          </a:p>
-          <a:p>
-            <a:r>
-              <a:rPr lang="en-US" sz="1800" dirty="0">
-                <a:solidFill>
-                  <a:prstClr val="black"/>
-                </a:solidFill>
-                <a:latin typeface="Lucida Console" panose="020B0609040504020204" pitchFamily="49" charset="0"/>
-              </a:rPr>
-              <a:t>    app.kubernetes.io/managed-by: Helm</a:t>
-            </a:r>
-          </a:p>
-          <a:p>
-            <a:r>
-              <a:rPr lang="en-US" sz="1800" dirty="0">
-                <a:solidFill>
-                  <a:prstClr val="black"/>
-                </a:solidFill>
-                <a:latin typeface="Lucida Console" panose="020B0609040504020204" pitchFamily="49" charset="0"/>
-              </a:rPr>
-              <a:t>spec:</a:t>
-            </a:r>
-          </a:p>
-          <a:p>
-            <a:r>
-              <a:rPr lang="en-US" sz="1800" dirty="0">
-                <a:solidFill>
-                  <a:prstClr val="black"/>
-                </a:solidFill>
-                <a:latin typeface="Lucida Console" panose="020B0609040504020204" pitchFamily="49" charset="0"/>
-              </a:rPr>
-              <a:t>  type: </a:t>
-            </a:r>
-            <a:r>
-              <a:rPr lang="en-US" sz="1800" dirty="0" err="1">
-                <a:solidFill>
-                  <a:prstClr val="black"/>
-                </a:solidFill>
-                <a:latin typeface="Lucida Console" panose="020B0609040504020204" pitchFamily="49" charset="0"/>
-              </a:rPr>
-              <a:t>ClusterIP</a:t>
-            </a:r>
-            <a:endParaRPr lang="en-US" sz="1800" dirty="0">
-              <a:solidFill>
-                <a:prstClr val="black"/>
-              </a:solidFill>
-              <a:latin typeface="Lucida Console" panose="020B0609040504020204" pitchFamily="49" charset="0"/>
-            </a:endParaRPr>
-          </a:p>
-          <a:p>
-            <a:r>
-              <a:rPr lang="en-US" sz="1800" dirty="0">
-                <a:solidFill>
-                  <a:prstClr val="black"/>
-                </a:solidFill>
-                <a:latin typeface="Lucida Console" panose="020B0609040504020204" pitchFamily="49" charset="0"/>
-              </a:rPr>
-              <a:t>  ports:</a:t>
-            </a:r>
-          </a:p>
-          <a:p>
-            <a:r>
-              <a:rPr lang="en-US" sz="1800" dirty="0">
-                <a:solidFill>
-                  <a:prstClr val="black"/>
-                </a:solidFill>
-                <a:latin typeface="Lucida Console" panose="020B0609040504020204" pitchFamily="49" charset="0"/>
-              </a:rPr>
-              <a:t>    - port: 80</a:t>
-            </a:r>
-          </a:p>
-          <a:p>
-            <a:r>
-              <a:rPr lang="en-US" sz="1800" dirty="0">
-                <a:solidFill>
-                  <a:prstClr val="black"/>
-                </a:solidFill>
-                <a:latin typeface="Lucida Console" panose="020B0609040504020204" pitchFamily="49" charset="0"/>
-              </a:rPr>
-              <a:t>      </a:t>
-            </a:r>
-            <a:r>
-              <a:rPr lang="en-US" sz="1800" dirty="0" err="1">
-                <a:solidFill>
-                  <a:prstClr val="black"/>
-                </a:solidFill>
-                <a:latin typeface="Lucida Console" panose="020B0609040504020204" pitchFamily="49" charset="0"/>
-              </a:rPr>
-              <a:t>targetPort</a:t>
-            </a:r>
-            <a:r>
-              <a:rPr lang="en-US" sz="1800" dirty="0">
-                <a:solidFill>
-                  <a:prstClr val="black"/>
-                </a:solidFill>
-                <a:latin typeface="Lucida Console" panose="020B0609040504020204" pitchFamily="49" charset="0"/>
-              </a:rPr>
-              <a:t>: http</a:t>
-            </a:r>
-          </a:p>
-          <a:p>
-            <a:r>
-              <a:rPr lang="en-US" sz="1800" dirty="0">
-                <a:solidFill>
-                  <a:prstClr val="black"/>
-                </a:solidFill>
-                <a:latin typeface="Lucida Console" panose="020B0609040504020204" pitchFamily="49" charset="0"/>
-              </a:rPr>
-              <a:t>      protocol: TCP</a:t>
-            </a:r>
-          </a:p>
-          <a:p>
-            <a:r>
-              <a:rPr lang="en-US" sz="1800" dirty="0">
-                <a:solidFill>
-                  <a:prstClr val="black"/>
-                </a:solidFill>
-                <a:latin typeface="Lucida Console" panose="020B0609040504020204" pitchFamily="49" charset="0"/>
-              </a:rPr>
-              <a:t>      name: http</a:t>
-            </a:r>
-          </a:p>
-          <a:p>
-            <a:r>
-              <a:rPr lang="en-US" sz="1800" dirty="0">
-                <a:solidFill>
-                  <a:prstClr val="black"/>
-                </a:solidFill>
-                <a:latin typeface="Lucida Console" panose="020B0609040504020204" pitchFamily="49" charset="0"/>
-              </a:rPr>
-              <a:t>  selector:</a:t>
-            </a:r>
-          </a:p>
-          <a:p>
-            <a:r>
-              <a:rPr lang="en-US" sz="1800" dirty="0">
-                <a:solidFill>
-                  <a:prstClr val="black"/>
-                </a:solidFill>
-                <a:latin typeface="Lucida Console" panose="020B0609040504020204" pitchFamily="49" charset="0"/>
-              </a:rPr>
-              <a:t>    app.kubernetes.io/name: my-chart</a:t>
-            </a:r>
-          </a:p>
-          <a:p>
-            <a:r>
-              <a:rPr lang="en-US" sz="1800" dirty="0">
-                <a:solidFill>
-                  <a:prstClr val="black"/>
-                </a:solidFill>
-                <a:latin typeface="Lucida Console" panose="020B0609040504020204" pitchFamily="49" charset="0"/>
-              </a:rPr>
-              <a:t>    app.kubernetes.io/instance: my-release-name</a:t>
-            </a:r>
-            <a:endParaRPr lang="en-US" dirty="0"/>
-          </a:p>
-        </p:txBody>
-      </p:sp>
-      <p:sp>
-        <p:nvSpPr>
-          <p:cNvPr id="6" name="TextBox 5">
-            <a:extLst>
-              <a:ext uri="{FF2B5EF4-FFF2-40B4-BE49-F238E27FC236}">
-                <a16:creationId xmlns:a16="http://schemas.microsoft.com/office/drawing/2014/main" id="{97D769F0-3632-91C7-2125-825A9A546F1A}"/>
-              </a:ext>
-            </a:extLst>
-          </p:cNvPr>
-          <p:cNvSpPr txBox="1"/>
-          <p:nvPr/>
-        </p:nvSpPr>
-        <p:spPr>
-          <a:xfrm>
-            <a:off x="11250386" y="3414601"/>
-            <a:ext cx="2915583" cy="584775"/>
-          </a:xfrm>
-          <a:prstGeom prst="rect">
-            <a:avLst/>
-          </a:prstGeom>
-          <a:noFill/>
-        </p:spPr>
-        <p:txBody>
-          <a:bodyPr wrap="square" rtlCol="0">
-            <a:spAutoFit/>
-          </a:bodyPr>
-          <a:lstStyle/>
-          <a:p>
-            <a:r>
-              <a:rPr lang="en-US" sz="3200" dirty="0" err="1"/>
-              <a:t>service.yaml</a:t>
-            </a:r>
-            <a:endParaRPr lang="en-US" sz="3200" dirty="0"/>
-          </a:p>
-        </p:txBody>
-      </p:sp>
-      <p:sp>
-        <p:nvSpPr>
-          <p:cNvPr id="8" name="TextBox 7">
-            <a:extLst>
-              <a:ext uri="{FF2B5EF4-FFF2-40B4-BE49-F238E27FC236}">
-                <a16:creationId xmlns:a16="http://schemas.microsoft.com/office/drawing/2014/main" id="{2563D290-A3E9-C55A-C285-EEC60AD31F5B}"/>
-              </a:ext>
-            </a:extLst>
-          </p:cNvPr>
-          <p:cNvSpPr txBox="1"/>
-          <p:nvPr/>
-        </p:nvSpPr>
-        <p:spPr>
-          <a:xfrm>
-            <a:off x="767299" y="4328492"/>
-            <a:ext cx="8376701" cy="4247317"/>
-          </a:xfrm>
-          <a:prstGeom prst="rect">
-            <a:avLst/>
-          </a:prstGeom>
-          <a:noFill/>
-        </p:spPr>
-        <p:txBody>
-          <a:bodyPr wrap="square">
-            <a:spAutoFit/>
-          </a:bodyPr>
-          <a:lstStyle/>
-          <a:p>
-            <a:r>
-              <a:rPr lang="en-US" sz="1800" dirty="0" err="1">
-                <a:solidFill>
-                  <a:prstClr val="black"/>
-                </a:solidFill>
-                <a:latin typeface="Lucida Console" panose="020B0609040504020204" pitchFamily="49" charset="0"/>
-              </a:rPr>
-              <a:t>apiVersion</a:t>
-            </a:r>
-            <a:r>
-              <a:rPr lang="en-US" sz="1800" dirty="0">
-                <a:solidFill>
-                  <a:prstClr val="black"/>
-                </a:solidFill>
-                <a:latin typeface="Lucida Console" panose="020B0609040504020204" pitchFamily="49" charset="0"/>
-              </a:rPr>
-              <a:t>: v1</a:t>
-            </a:r>
-          </a:p>
-          <a:p>
-            <a:r>
-              <a:rPr lang="en-US" sz="1800" dirty="0">
-                <a:solidFill>
-                  <a:prstClr val="black"/>
-                </a:solidFill>
-                <a:latin typeface="Lucida Console" panose="020B0609040504020204" pitchFamily="49" charset="0"/>
-              </a:rPr>
-              <a:t>kind: Service</a:t>
-            </a:r>
-          </a:p>
-          <a:p>
-            <a:r>
-              <a:rPr lang="en-US" sz="1800" dirty="0">
-                <a:solidFill>
-                  <a:prstClr val="black"/>
-                </a:solidFill>
-                <a:latin typeface="Lucida Console" panose="020B0609040504020204" pitchFamily="49" charset="0"/>
-              </a:rPr>
-              <a:t>metadata:</a:t>
-            </a:r>
-          </a:p>
-          <a:p>
-            <a:r>
-              <a:rPr lang="en-US" sz="1800" dirty="0">
-                <a:solidFill>
-                  <a:prstClr val="black"/>
-                </a:solidFill>
-                <a:latin typeface="Lucida Console" panose="020B0609040504020204" pitchFamily="49" charset="0"/>
-              </a:rPr>
-              <a:t>  name: {{ include "my-</a:t>
-            </a:r>
-            <a:r>
-              <a:rPr lang="en-US" sz="1800" dirty="0" err="1">
-                <a:solidFill>
-                  <a:prstClr val="black"/>
-                </a:solidFill>
-                <a:latin typeface="Lucida Console" panose="020B0609040504020204" pitchFamily="49" charset="0"/>
-              </a:rPr>
-              <a:t>chart.fullname</a:t>
-            </a:r>
-            <a:r>
-              <a:rPr lang="en-US" sz="1800" dirty="0">
-                <a:solidFill>
-                  <a:prstClr val="black"/>
-                </a:solidFill>
-                <a:latin typeface="Lucida Console" panose="020B0609040504020204" pitchFamily="49" charset="0"/>
-              </a:rPr>
-              <a:t>" . }}</a:t>
-            </a:r>
-          </a:p>
-          <a:p>
-            <a:r>
-              <a:rPr lang="en-US" sz="1800" dirty="0">
-                <a:solidFill>
-                  <a:prstClr val="black"/>
-                </a:solidFill>
-                <a:latin typeface="Lucida Console" panose="020B0609040504020204" pitchFamily="49" charset="0"/>
-              </a:rPr>
-              <a:t>  labels:</a:t>
-            </a:r>
-          </a:p>
-          <a:p>
-            <a:r>
-              <a:rPr lang="en-US" sz="1800" dirty="0">
-                <a:solidFill>
-                  <a:prstClr val="black"/>
-                </a:solidFill>
-                <a:latin typeface="Lucida Console" panose="020B0609040504020204" pitchFamily="49" charset="0"/>
-              </a:rPr>
-              <a:t>    {{- include "my-</a:t>
-            </a:r>
-            <a:r>
-              <a:rPr lang="en-US" sz="1800" dirty="0" err="1">
-                <a:solidFill>
-                  <a:prstClr val="black"/>
-                </a:solidFill>
-                <a:latin typeface="Lucida Console" panose="020B0609040504020204" pitchFamily="49" charset="0"/>
-              </a:rPr>
-              <a:t>chart.labels</a:t>
-            </a:r>
-            <a:r>
-              <a:rPr lang="en-US" sz="1800" dirty="0">
-                <a:solidFill>
-                  <a:prstClr val="black"/>
-                </a:solidFill>
-                <a:latin typeface="Lucida Console" panose="020B0609040504020204" pitchFamily="49" charset="0"/>
-              </a:rPr>
-              <a:t>" . | </a:t>
-            </a:r>
-            <a:r>
-              <a:rPr lang="en-US" sz="1800" dirty="0" err="1">
-                <a:solidFill>
-                  <a:prstClr val="black"/>
-                </a:solidFill>
-                <a:latin typeface="Lucida Console" panose="020B0609040504020204" pitchFamily="49" charset="0"/>
-              </a:rPr>
-              <a:t>nindent</a:t>
-            </a:r>
-            <a:r>
-              <a:rPr lang="en-US" sz="1800" dirty="0">
-                <a:solidFill>
-                  <a:prstClr val="black"/>
-                </a:solidFill>
-                <a:latin typeface="Lucida Console" panose="020B0609040504020204" pitchFamily="49" charset="0"/>
-              </a:rPr>
-              <a:t> 4 }}</a:t>
-            </a:r>
-          </a:p>
-          <a:p>
-            <a:r>
-              <a:rPr lang="en-US" sz="1800" dirty="0">
-                <a:solidFill>
-                  <a:prstClr val="black"/>
-                </a:solidFill>
-                <a:latin typeface="Lucida Console" panose="020B0609040504020204" pitchFamily="49" charset="0"/>
-              </a:rPr>
-              <a:t>spec:</a:t>
-            </a:r>
-          </a:p>
-          <a:p>
-            <a:r>
-              <a:rPr lang="en-US" sz="1800" dirty="0">
-                <a:solidFill>
-                  <a:prstClr val="black"/>
-                </a:solidFill>
-                <a:latin typeface="Lucida Console" panose="020B0609040504020204" pitchFamily="49" charset="0"/>
-              </a:rPr>
-              <a:t>  type: {{ .</a:t>
-            </a:r>
-            <a:r>
-              <a:rPr lang="en-US" sz="1800" dirty="0" err="1">
-                <a:solidFill>
-                  <a:prstClr val="black"/>
-                </a:solidFill>
-                <a:latin typeface="Lucida Console" panose="020B0609040504020204" pitchFamily="49" charset="0"/>
-              </a:rPr>
-              <a:t>Values.service.type</a:t>
-            </a:r>
-            <a:r>
-              <a:rPr lang="en-US" sz="1800" dirty="0">
-                <a:solidFill>
-                  <a:prstClr val="black"/>
-                </a:solidFill>
-                <a:latin typeface="Lucida Console" panose="020B0609040504020204" pitchFamily="49" charset="0"/>
-              </a:rPr>
-              <a:t> }}</a:t>
-            </a:r>
-          </a:p>
-          <a:p>
-            <a:r>
-              <a:rPr lang="en-US" sz="1800" dirty="0">
-                <a:solidFill>
-                  <a:prstClr val="black"/>
-                </a:solidFill>
-                <a:latin typeface="Lucida Console" panose="020B0609040504020204" pitchFamily="49" charset="0"/>
-              </a:rPr>
-              <a:t>  ports:</a:t>
-            </a:r>
-          </a:p>
-          <a:p>
-            <a:r>
-              <a:rPr lang="en-US" sz="1800" dirty="0">
-                <a:solidFill>
-                  <a:prstClr val="black"/>
-                </a:solidFill>
-                <a:latin typeface="Lucida Console" panose="020B0609040504020204" pitchFamily="49" charset="0"/>
-              </a:rPr>
-              <a:t>    - port: {{ .</a:t>
-            </a:r>
-            <a:r>
-              <a:rPr lang="en-US" sz="1800" dirty="0" err="1">
-                <a:solidFill>
-                  <a:prstClr val="black"/>
-                </a:solidFill>
-                <a:latin typeface="Lucida Console" panose="020B0609040504020204" pitchFamily="49" charset="0"/>
-              </a:rPr>
-              <a:t>Values.service.port</a:t>
-            </a:r>
-            <a:r>
-              <a:rPr lang="en-US" sz="1800" dirty="0">
-                <a:solidFill>
-                  <a:prstClr val="black"/>
-                </a:solidFill>
-                <a:latin typeface="Lucida Console" panose="020B0609040504020204" pitchFamily="49" charset="0"/>
-              </a:rPr>
-              <a:t> }}</a:t>
-            </a:r>
-          </a:p>
-          <a:p>
-            <a:r>
-              <a:rPr lang="en-US" sz="1800" dirty="0">
-                <a:solidFill>
-                  <a:prstClr val="black"/>
-                </a:solidFill>
-                <a:latin typeface="Lucida Console" panose="020B0609040504020204" pitchFamily="49" charset="0"/>
-              </a:rPr>
-              <a:t>      </a:t>
-            </a:r>
-            <a:r>
-              <a:rPr lang="en-US" sz="1800" dirty="0" err="1">
-                <a:solidFill>
-                  <a:prstClr val="black"/>
-                </a:solidFill>
-                <a:latin typeface="Lucida Console" panose="020B0609040504020204" pitchFamily="49" charset="0"/>
-              </a:rPr>
-              <a:t>targetPort</a:t>
-            </a:r>
-            <a:r>
-              <a:rPr lang="en-US" sz="1800" dirty="0">
-                <a:solidFill>
-                  <a:prstClr val="black"/>
-                </a:solidFill>
-                <a:latin typeface="Lucida Console" panose="020B0609040504020204" pitchFamily="49" charset="0"/>
-              </a:rPr>
-              <a:t>: http</a:t>
-            </a:r>
-          </a:p>
-          <a:p>
-            <a:r>
-              <a:rPr lang="en-US" sz="1800" dirty="0">
-                <a:solidFill>
-                  <a:prstClr val="black"/>
-                </a:solidFill>
-                <a:latin typeface="Lucida Console" panose="020B0609040504020204" pitchFamily="49" charset="0"/>
-              </a:rPr>
-              <a:t>      protocol: TCP</a:t>
-            </a:r>
-          </a:p>
-          <a:p>
-            <a:r>
-              <a:rPr lang="en-US" sz="1800" dirty="0">
-                <a:solidFill>
-                  <a:prstClr val="black"/>
-                </a:solidFill>
-                <a:latin typeface="Lucida Console" panose="020B0609040504020204" pitchFamily="49" charset="0"/>
-              </a:rPr>
-              <a:t>      name: http</a:t>
-            </a:r>
-          </a:p>
-          <a:p>
-            <a:r>
-              <a:rPr lang="en-US" sz="1800" dirty="0">
-                <a:solidFill>
-                  <a:prstClr val="black"/>
-                </a:solidFill>
-                <a:latin typeface="Lucida Console" panose="020B0609040504020204" pitchFamily="49" charset="0"/>
-              </a:rPr>
-              <a:t>  selector:</a:t>
-            </a:r>
-          </a:p>
-          <a:p>
-            <a:r>
-              <a:rPr lang="en-US" sz="1800" dirty="0">
-                <a:solidFill>
-                  <a:prstClr val="black"/>
-                </a:solidFill>
-                <a:latin typeface="Lucida Console" panose="020B0609040504020204" pitchFamily="49" charset="0"/>
-              </a:rPr>
-              <a:t>    {{- include "my-</a:t>
-            </a:r>
-            <a:r>
-              <a:rPr lang="en-US" sz="1800" dirty="0" err="1">
-                <a:solidFill>
-                  <a:prstClr val="black"/>
-                </a:solidFill>
-                <a:latin typeface="Lucida Console" panose="020B0609040504020204" pitchFamily="49" charset="0"/>
-              </a:rPr>
-              <a:t>chart.selectorLabels</a:t>
-            </a:r>
-            <a:r>
-              <a:rPr lang="en-US" sz="1800" dirty="0">
-                <a:solidFill>
-                  <a:prstClr val="black"/>
-                </a:solidFill>
-                <a:latin typeface="Lucida Console" panose="020B0609040504020204" pitchFamily="49" charset="0"/>
-              </a:rPr>
-              <a:t>" . | </a:t>
-            </a:r>
-            <a:r>
-              <a:rPr lang="en-US" sz="1800" dirty="0" err="1">
-                <a:solidFill>
-                  <a:prstClr val="black"/>
-                </a:solidFill>
-                <a:latin typeface="Lucida Console" panose="020B0609040504020204" pitchFamily="49" charset="0"/>
-              </a:rPr>
-              <a:t>nindent</a:t>
-            </a:r>
-            <a:r>
-              <a:rPr lang="en-US" sz="1800" dirty="0">
-                <a:solidFill>
-                  <a:prstClr val="black"/>
-                </a:solidFill>
-                <a:latin typeface="Lucida Console" panose="020B0609040504020204" pitchFamily="49" charset="0"/>
-              </a:rPr>
-              <a:t> 4 }}</a:t>
-            </a:r>
-            <a:endParaRPr lang="en-US" dirty="0"/>
-          </a:p>
-        </p:txBody>
-      </p:sp>
-      <p:sp>
-        <p:nvSpPr>
-          <p:cNvPr id="10" name="TextBox 9">
-            <a:extLst>
-              <a:ext uri="{FF2B5EF4-FFF2-40B4-BE49-F238E27FC236}">
-                <a16:creationId xmlns:a16="http://schemas.microsoft.com/office/drawing/2014/main" id="{4F015C98-AD67-5C63-1579-B40E9A61B21B}"/>
-              </a:ext>
-            </a:extLst>
-          </p:cNvPr>
-          <p:cNvSpPr txBox="1"/>
-          <p:nvPr/>
-        </p:nvSpPr>
-        <p:spPr>
-          <a:xfrm>
-            <a:off x="767299" y="3506278"/>
-            <a:ext cx="3788229" cy="584775"/>
-          </a:xfrm>
-          <a:prstGeom prst="rect">
-            <a:avLst/>
-          </a:prstGeom>
-          <a:noFill/>
-        </p:spPr>
-        <p:txBody>
-          <a:bodyPr wrap="square" rtlCol="0">
-            <a:spAutoFit/>
-          </a:bodyPr>
-          <a:lstStyle/>
-          <a:p>
-            <a:r>
-              <a:rPr lang="en-US" sz="3200" dirty="0"/>
-              <a:t>Template </a:t>
-            </a:r>
-            <a:r>
-              <a:rPr lang="en-US" sz="3200" dirty="0" err="1"/>
-              <a:t>service.yaml</a:t>
-            </a:r>
-            <a:endParaRPr lang="en-US" sz="3200" dirty="0"/>
-          </a:p>
-        </p:txBody>
-      </p:sp>
-      <p:cxnSp>
-        <p:nvCxnSpPr>
-          <p:cNvPr id="12" name="Straight Connector 11">
-            <a:extLst>
-              <a:ext uri="{FF2B5EF4-FFF2-40B4-BE49-F238E27FC236}">
-                <a16:creationId xmlns:a16="http://schemas.microsoft.com/office/drawing/2014/main" id="{DC99F207-CCA6-8718-B10E-E65F6282D2D8}"/>
-              </a:ext>
-            </a:extLst>
-          </p:cNvPr>
-          <p:cNvCxnSpPr>
-            <a:cxnSpLocks/>
-          </p:cNvCxnSpPr>
-          <p:nvPr/>
-        </p:nvCxnSpPr>
-        <p:spPr>
-          <a:xfrm>
-            <a:off x="10156371" y="3506278"/>
-            <a:ext cx="0" cy="6217086"/>
-          </a:xfrm>
-          <a:prstGeom prst="line">
-            <a:avLst/>
-          </a:prstGeom>
-          <a:ln w="57150"/>
-        </p:spPr>
-        <p:style>
-          <a:lnRef idx="1">
-            <a:schemeClr val="dk1"/>
-          </a:lnRef>
-          <a:fillRef idx="0">
-            <a:schemeClr val="dk1"/>
-          </a:fillRef>
-          <a:effectRef idx="0">
-            <a:schemeClr val="dk1"/>
-          </a:effectRef>
-          <a:fontRef idx="minor">
-            <a:schemeClr val="tx1"/>
-          </a:fontRef>
-        </p:style>
-      </p:cxnSp>
-      <p:sp>
-        <p:nvSpPr>
-          <p:cNvPr id="2" name="TextBox 1">
-            <a:extLst>
-              <a:ext uri="{FF2B5EF4-FFF2-40B4-BE49-F238E27FC236}">
-                <a16:creationId xmlns:a16="http://schemas.microsoft.com/office/drawing/2014/main" id="{26FF84DB-9E83-4FB8-6E8A-6F8FEF75DA9E}"/>
-              </a:ext>
-            </a:extLst>
-          </p:cNvPr>
-          <p:cNvSpPr txBox="1"/>
-          <p:nvPr/>
-        </p:nvSpPr>
-        <p:spPr>
-          <a:xfrm>
-            <a:off x="17508906" y="9659383"/>
-            <a:ext cx="464024" cy="369332"/>
-          </a:xfrm>
-          <a:prstGeom prst="rect">
-            <a:avLst/>
-          </a:prstGeom>
-          <a:noFill/>
-        </p:spPr>
-        <p:txBody>
-          <a:bodyPr wrap="square" rtlCol="0">
-            <a:spAutoFit/>
-          </a:bodyPr>
-          <a:lstStyle/>
-          <a:p>
-            <a:r>
-              <a:rPr lang="en-US" dirty="0"/>
-              <a:t>1</a:t>
-            </a:r>
-            <a:r>
-              <a:rPr lang="ru-RU" dirty="0"/>
-              <a:t>3</a:t>
-            </a:r>
-            <a:endParaRPr lang="en-US" dirty="0"/>
-          </a:p>
-        </p:txBody>
-      </p:sp>
-    </p:spTree>
-    <p:extLst>
-      <p:ext uri="{BB962C8B-B14F-4D97-AF65-F5344CB8AC3E}">
-        <p14:creationId xmlns:p14="http://schemas.microsoft.com/office/powerpoint/2010/main" val="2065251266"/>
       </p:ext>
     </p:extLst>
   </p:cSld>
@@ -13809,10 +12941,1989 @@
           <a:lstStyle/>
           <a:p>
             <a:r>
-              <a:rPr lang="en-US" dirty="0"/>
+              <a:rPr lang="en-US" dirty="0">
+                <a:solidFill>
+                  <a:schemeClr val="accent2">
+                    <a:lumMod val="50000"/>
+                  </a:schemeClr>
+                </a:solidFill>
+              </a:rPr>
+              <a:t>HELM Templating</a:t>
+            </a:r>
+            <a:endParaRPr lang="en-RU" dirty="0">
+              <a:solidFill>
+                <a:schemeClr val="accent2">
+                  <a:lumMod val="50000"/>
+                </a:schemeClr>
+              </a:solidFill>
+            </a:endParaRPr>
+          </a:p>
+        </p:txBody>
+      </p:sp>
+      <p:sp>
+        <p:nvSpPr>
+          <p:cNvPr id="4" name="TextBox 3">
+            <a:extLst>
+              <a:ext uri="{FF2B5EF4-FFF2-40B4-BE49-F238E27FC236}">
+                <a16:creationId xmlns:a16="http://schemas.microsoft.com/office/drawing/2014/main" id="{D21DE26C-3928-E33E-6CB7-43E196FC5E62}"/>
+              </a:ext>
+            </a:extLst>
+          </p:cNvPr>
+          <p:cNvSpPr txBox="1"/>
+          <p:nvPr/>
+        </p:nvSpPr>
+        <p:spPr>
+          <a:xfrm>
+            <a:off x="10654302" y="1111118"/>
+            <a:ext cx="3513762" cy="923330"/>
+          </a:xfrm>
+          <a:prstGeom prst="rect">
+            <a:avLst/>
+          </a:prstGeom>
+          <a:noFill/>
+        </p:spPr>
+        <p:txBody>
+          <a:bodyPr wrap="square" rtlCol="0">
+            <a:spAutoFit/>
+          </a:bodyPr>
+          <a:lstStyle/>
+          <a:p>
+            <a:r>
+              <a:rPr lang="en-US" dirty="0">
+                <a:solidFill>
+                  <a:schemeClr val="accent2">
+                    <a:lumMod val="50000"/>
+                  </a:schemeClr>
+                </a:solidFill>
+              </a:rPr>
+              <a:t>WHY do we need this?</a:t>
+            </a:r>
+          </a:p>
+          <a:p>
+            <a:r>
+              <a:rPr lang="en-US" dirty="0">
+                <a:solidFill>
+                  <a:schemeClr val="accent2">
+                    <a:lumMod val="50000"/>
+                  </a:schemeClr>
+                </a:solidFill>
+              </a:rPr>
+              <a:t>To ease and unify deployment configuration for different </a:t>
+            </a:r>
+            <a:r>
+              <a:rPr lang="en-US" dirty="0" err="1">
+                <a:solidFill>
+                  <a:schemeClr val="accent2">
+                    <a:lumMod val="50000"/>
+                  </a:schemeClr>
+                </a:solidFill>
+              </a:rPr>
+              <a:t>envs</a:t>
+            </a:r>
+            <a:r>
+              <a:rPr lang="en-US" dirty="0">
+                <a:solidFill>
+                  <a:schemeClr val="accent2">
+                    <a:lumMod val="50000"/>
+                  </a:schemeClr>
+                </a:solidFill>
+              </a:rPr>
+              <a:t>.</a:t>
+            </a:r>
+          </a:p>
+        </p:txBody>
+      </p:sp>
+      <p:sp>
+        <p:nvSpPr>
+          <p:cNvPr id="13" name="TextBox 12">
+            <a:extLst>
+              <a:ext uri="{FF2B5EF4-FFF2-40B4-BE49-F238E27FC236}">
+                <a16:creationId xmlns:a16="http://schemas.microsoft.com/office/drawing/2014/main" id="{423BA456-282E-59B7-7DE0-63FF29F4AB70}"/>
+              </a:ext>
+            </a:extLst>
+          </p:cNvPr>
+          <p:cNvSpPr txBox="1"/>
+          <p:nvPr/>
+        </p:nvSpPr>
+        <p:spPr>
+          <a:xfrm>
+            <a:off x="11250386" y="4236814"/>
+            <a:ext cx="3381637" cy="2308324"/>
+          </a:xfrm>
+          <a:prstGeom prst="rect">
+            <a:avLst/>
+          </a:prstGeom>
+          <a:noFill/>
+        </p:spPr>
+        <p:txBody>
+          <a:bodyPr wrap="square">
+            <a:spAutoFit/>
+          </a:bodyPr>
+          <a:lstStyle/>
+          <a:p>
+            <a:r>
+              <a:rPr lang="en-US" sz="1800" dirty="0" err="1">
+                <a:solidFill>
+                  <a:prstClr val="black"/>
+                </a:solidFill>
+                <a:latin typeface="Lucida Console" panose="020B0609040504020204" pitchFamily="49" charset="0"/>
+              </a:rPr>
+              <a:t>replicaCount</a:t>
+            </a:r>
+            <a:r>
+              <a:rPr lang="en-US" sz="1800" dirty="0">
+                <a:solidFill>
+                  <a:prstClr val="black"/>
+                </a:solidFill>
+                <a:latin typeface="Lucida Console" panose="020B0609040504020204" pitchFamily="49" charset="0"/>
+              </a:rPr>
+              <a:t>: 1</a:t>
+            </a:r>
+          </a:p>
+          <a:p>
+            <a:endParaRPr lang="en-US" sz="1800" dirty="0">
+              <a:solidFill>
+                <a:prstClr val="black"/>
+              </a:solidFill>
+              <a:latin typeface="Lucida Console" panose="020B0609040504020204" pitchFamily="49" charset="0"/>
+            </a:endParaRPr>
+          </a:p>
+          <a:p>
+            <a:r>
+              <a:rPr lang="en-US" sz="1800" dirty="0">
+                <a:solidFill>
+                  <a:prstClr val="black"/>
+                </a:solidFill>
+                <a:latin typeface="Lucida Console" panose="020B0609040504020204" pitchFamily="49" charset="0"/>
+              </a:rPr>
+              <a:t>image:</a:t>
+            </a:r>
+          </a:p>
+          <a:p>
+            <a:r>
+              <a:rPr lang="en-US" sz="1800" dirty="0">
+                <a:solidFill>
+                  <a:prstClr val="black"/>
+                </a:solidFill>
+                <a:latin typeface="Lucida Console" panose="020B0609040504020204" pitchFamily="49" charset="0"/>
+              </a:rPr>
+              <a:t>  repository: nginx</a:t>
+            </a:r>
+          </a:p>
+          <a:p>
+            <a:endParaRPr lang="en-US" sz="1800" dirty="0">
+              <a:solidFill>
+                <a:prstClr val="black"/>
+              </a:solidFill>
+              <a:latin typeface="Lucida Console" panose="020B0609040504020204" pitchFamily="49" charset="0"/>
+            </a:endParaRPr>
+          </a:p>
+          <a:p>
+            <a:r>
+              <a:rPr lang="en-US" sz="1800" dirty="0">
+                <a:solidFill>
+                  <a:prstClr val="black"/>
+                </a:solidFill>
+                <a:latin typeface="Lucida Console" panose="020B0609040504020204" pitchFamily="49" charset="0"/>
+              </a:rPr>
+              <a:t>service:</a:t>
+            </a:r>
+          </a:p>
+          <a:p>
+            <a:r>
+              <a:rPr lang="en-US" sz="1800" dirty="0">
+                <a:solidFill>
+                  <a:prstClr val="black"/>
+                </a:solidFill>
+                <a:latin typeface="Lucida Console" panose="020B0609040504020204" pitchFamily="49" charset="0"/>
+              </a:rPr>
+              <a:t>  type: </a:t>
+            </a:r>
+            <a:r>
+              <a:rPr lang="en-US" sz="1800" dirty="0" err="1">
+                <a:solidFill>
+                  <a:prstClr val="black"/>
+                </a:solidFill>
+                <a:latin typeface="Lucida Console" panose="020B0609040504020204" pitchFamily="49" charset="0"/>
+              </a:rPr>
+              <a:t>ClusterIP</a:t>
+            </a:r>
+            <a:endParaRPr lang="en-US" sz="1800" dirty="0">
+              <a:solidFill>
+                <a:prstClr val="black"/>
+              </a:solidFill>
+              <a:latin typeface="Lucida Console" panose="020B0609040504020204" pitchFamily="49" charset="0"/>
+            </a:endParaRPr>
+          </a:p>
+          <a:p>
+            <a:r>
+              <a:rPr lang="en-US" sz="1800" dirty="0">
+                <a:solidFill>
+                  <a:prstClr val="black"/>
+                </a:solidFill>
+                <a:latin typeface="Lucida Console" panose="020B0609040504020204" pitchFamily="49" charset="0"/>
+              </a:rPr>
+              <a:t>  port: 80</a:t>
+            </a:r>
+          </a:p>
+        </p:txBody>
+      </p:sp>
+      <p:sp>
+        <p:nvSpPr>
+          <p:cNvPr id="14" name="TextBox 13">
+            <a:extLst>
+              <a:ext uri="{FF2B5EF4-FFF2-40B4-BE49-F238E27FC236}">
+                <a16:creationId xmlns:a16="http://schemas.microsoft.com/office/drawing/2014/main" id="{7C9F6BE5-48D4-76F4-C108-C8EC16EDDDFF}"/>
+              </a:ext>
+            </a:extLst>
+          </p:cNvPr>
+          <p:cNvSpPr txBox="1"/>
+          <p:nvPr/>
+        </p:nvSpPr>
+        <p:spPr>
+          <a:xfrm>
+            <a:off x="11250386" y="3414601"/>
+            <a:ext cx="3788229" cy="584775"/>
+          </a:xfrm>
+          <a:prstGeom prst="rect">
+            <a:avLst/>
+          </a:prstGeom>
+          <a:noFill/>
+        </p:spPr>
+        <p:txBody>
+          <a:bodyPr wrap="square" rtlCol="0">
+            <a:spAutoFit/>
+          </a:bodyPr>
+          <a:lstStyle/>
+          <a:p>
+            <a:r>
+              <a:rPr lang="en-US" sz="3200" dirty="0" err="1"/>
+              <a:t>values.yaml</a:t>
+            </a:r>
+            <a:endParaRPr lang="en-US" sz="3200" dirty="0"/>
+          </a:p>
+        </p:txBody>
+      </p:sp>
+      <p:sp>
+        <p:nvSpPr>
+          <p:cNvPr id="15" name="TextBox 14">
+            <a:extLst>
+              <a:ext uri="{FF2B5EF4-FFF2-40B4-BE49-F238E27FC236}">
+                <a16:creationId xmlns:a16="http://schemas.microsoft.com/office/drawing/2014/main" id="{5D60F06A-24CB-47D7-7740-E04741CE58F0}"/>
+              </a:ext>
+            </a:extLst>
+          </p:cNvPr>
+          <p:cNvSpPr txBox="1"/>
+          <p:nvPr/>
+        </p:nvSpPr>
+        <p:spPr>
+          <a:xfrm>
+            <a:off x="767299" y="4328492"/>
+            <a:ext cx="8376701" cy="4247317"/>
+          </a:xfrm>
+          <a:prstGeom prst="rect">
+            <a:avLst/>
+          </a:prstGeom>
+          <a:noFill/>
+        </p:spPr>
+        <p:txBody>
+          <a:bodyPr wrap="square">
+            <a:spAutoFit/>
+          </a:bodyPr>
+          <a:lstStyle/>
+          <a:p>
+            <a:r>
+              <a:rPr lang="en-US" sz="1800" dirty="0" err="1">
+                <a:solidFill>
+                  <a:prstClr val="black"/>
+                </a:solidFill>
+                <a:latin typeface="Lucida Console" panose="020B0609040504020204" pitchFamily="49" charset="0"/>
+              </a:rPr>
+              <a:t>apiVersion</a:t>
+            </a:r>
+            <a:r>
+              <a:rPr lang="en-US" sz="1800" dirty="0">
+                <a:solidFill>
+                  <a:prstClr val="black"/>
+                </a:solidFill>
+                <a:latin typeface="Lucida Console" panose="020B0609040504020204" pitchFamily="49" charset="0"/>
+              </a:rPr>
+              <a:t>: v1</a:t>
+            </a:r>
+          </a:p>
+          <a:p>
+            <a:r>
+              <a:rPr lang="en-US" sz="1800" dirty="0">
+                <a:solidFill>
+                  <a:prstClr val="black"/>
+                </a:solidFill>
+                <a:latin typeface="Lucida Console" panose="020B0609040504020204" pitchFamily="49" charset="0"/>
+              </a:rPr>
+              <a:t>kind: Service</a:t>
+            </a:r>
+          </a:p>
+          <a:p>
+            <a:r>
+              <a:rPr lang="en-US" sz="1800" dirty="0">
+                <a:solidFill>
+                  <a:prstClr val="black"/>
+                </a:solidFill>
+                <a:latin typeface="Lucida Console" panose="020B0609040504020204" pitchFamily="49" charset="0"/>
+              </a:rPr>
+              <a:t>metadata:</a:t>
+            </a:r>
+          </a:p>
+          <a:p>
+            <a:r>
+              <a:rPr lang="en-US" sz="1800" dirty="0">
+                <a:solidFill>
+                  <a:prstClr val="black"/>
+                </a:solidFill>
+                <a:latin typeface="Lucida Console" panose="020B0609040504020204" pitchFamily="49" charset="0"/>
+              </a:rPr>
+              <a:t>  name: {{ include "my-</a:t>
+            </a:r>
+            <a:r>
+              <a:rPr lang="en-US" sz="1800" dirty="0" err="1">
+                <a:solidFill>
+                  <a:prstClr val="black"/>
+                </a:solidFill>
+                <a:latin typeface="Lucida Console" panose="020B0609040504020204" pitchFamily="49" charset="0"/>
+              </a:rPr>
+              <a:t>chart.fullname</a:t>
+            </a:r>
+            <a:r>
+              <a:rPr lang="en-US" sz="1800" dirty="0">
+                <a:solidFill>
+                  <a:prstClr val="black"/>
+                </a:solidFill>
+                <a:latin typeface="Lucida Console" panose="020B0609040504020204" pitchFamily="49" charset="0"/>
+              </a:rPr>
+              <a:t>" . }}</a:t>
+            </a:r>
+          </a:p>
+          <a:p>
+            <a:r>
+              <a:rPr lang="en-US" sz="1800" dirty="0">
+                <a:solidFill>
+                  <a:prstClr val="black"/>
+                </a:solidFill>
+                <a:latin typeface="Lucida Console" panose="020B0609040504020204" pitchFamily="49" charset="0"/>
+              </a:rPr>
+              <a:t>  labels:</a:t>
+            </a:r>
+          </a:p>
+          <a:p>
+            <a:r>
+              <a:rPr lang="en-US" sz="1800" dirty="0">
+                <a:solidFill>
+                  <a:prstClr val="black"/>
+                </a:solidFill>
+                <a:latin typeface="Lucida Console" panose="020B0609040504020204" pitchFamily="49" charset="0"/>
+              </a:rPr>
+              <a:t>    {{- include "my-</a:t>
+            </a:r>
+            <a:r>
+              <a:rPr lang="en-US" sz="1800" dirty="0" err="1">
+                <a:solidFill>
+                  <a:prstClr val="black"/>
+                </a:solidFill>
+                <a:latin typeface="Lucida Console" panose="020B0609040504020204" pitchFamily="49" charset="0"/>
+              </a:rPr>
+              <a:t>chart.labels</a:t>
+            </a:r>
+            <a:r>
+              <a:rPr lang="en-US" sz="1800" dirty="0">
+                <a:solidFill>
+                  <a:prstClr val="black"/>
+                </a:solidFill>
+                <a:latin typeface="Lucida Console" panose="020B0609040504020204" pitchFamily="49" charset="0"/>
+              </a:rPr>
+              <a:t>" . | </a:t>
+            </a:r>
+            <a:r>
+              <a:rPr lang="en-US" sz="1800" dirty="0" err="1">
+                <a:solidFill>
+                  <a:prstClr val="black"/>
+                </a:solidFill>
+                <a:latin typeface="Lucida Console" panose="020B0609040504020204" pitchFamily="49" charset="0"/>
+              </a:rPr>
+              <a:t>nindent</a:t>
+            </a:r>
+            <a:r>
+              <a:rPr lang="en-US" sz="1800" dirty="0">
+                <a:solidFill>
+                  <a:prstClr val="black"/>
+                </a:solidFill>
+                <a:latin typeface="Lucida Console" panose="020B0609040504020204" pitchFamily="49" charset="0"/>
+              </a:rPr>
+              <a:t> 4 }}</a:t>
+            </a:r>
+          </a:p>
+          <a:p>
+            <a:r>
+              <a:rPr lang="en-US" sz="1800" dirty="0">
+                <a:solidFill>
+                  <a:prstClr val="black"/>
+                </a:solidFill>
+                <a:latin typeface="Lucida Console" panose="020B0609040504020204" pitchFamily="49" charset="0"/>
+              </a:rPr>
+              <a:t>spec:</a:t>
+            </a:r>
+          </a:p>
+          <a:p>
+            <a:r>
+              <a:rPr lang="en-US" sz="1800" dirty="0">
+                <a:solidFill>
+                  <a:prstClr val="black"/>
+                </a:solidFill>
+                <a:latin typeface="Lucida Console" panose="020B0609040504020204" pitchFamily="49" charset="0"/>
+              </a:rPr>
+              <a:t>  type: {{ .</a:t>
+            </a:r>
+            <a:r>
+              <a:rPr lang="en-US" sz="1800" dirty="0" err="1">
+                <a:solidFill>
+                  <a:prstClr val="black"/>
+                </a:solidFill>
+                <a:latin typeface="Lucida Console" panose="020B0609040504020204" pitchFamily="49" charset="0"/>
+              </a:rPr>
+              <a:t>Values.service.type</a:t>
+            </a:r>
+            <a:r>
+              <a:rPr lang="en-US" sz="1800" dirty="0">
+                <a:solidFill>
+                  <a:prstClr val="black"/>
+                </a:solidFill>
+                <a:latin typeface="Lucida Console" panose="020B0609040504020204" pitchFamily="49" charset="0"/>
+              </a:rPr>
+              <a:t> }}</a:t>
+            </a:r>
+          </a:p>
+          <a:p>
+            <a:r>
+              <a:rPr lang="en-US" sz="1800" dirty="0">
+                <a:solidFill>
+                  <a:prstClr val="black"/>
+                </a:solidFill>
+                <a:latin typeface="Lucida Console" panose="020B0609040504020204" pitchFamily="49" charset="0"/>
+              </a:rPr>
+              <a:t>  ports:</a:t>
+            </a:r>
+          </a:p>
+          <a:p>
+            <a:r>
+              <a:rPr lang="en-US" sz="1800" dirty="0">
+                <a:solidFill>
+                  <a:prstClr val="black"/>
+                </a:solidFill>
+                <a:latin typeface="Lucida Console" panose="020B0609040504020204" pitchFamily="49" charset="0"/>
+              </a:rPr>
+              <a:t>    - port: {{ .</a:t>
+            </a:r>
+            <a:r>
+              <a:rPr lang="en-US" sz="1800" dirty="0" err="1">
+                <a:solidFill>
+                  <a:prstClr val="black"/>
+                </a:solidFill>
+                <a:latin typeface="Lucida Console" panose="020B0609040504020204" pitchFamily="49" charset="0"/>
+              </a:rPr>
+              <a:t>Values.service.port</a:t>
+            </a:r>
+            <a:r>
+              <a:rPr lang="en-US" sz="1800" dirty="0">
+                <a:solidFill>
+                  <a:prstClr val="black"/>
+                </a:solidFill>
+                <a:latin typeface="Lucida Console" panose="020B0609040504020204" pitchFamily="49" charset="0"/>
+              </a:rPr>
+              <a:t> }}</a:t>
+            </a:r>
+          </a:p>
+          <a:p>
+            <a:r>
+              <a:rPr lang="en-US" sz="1800" dirty="0">
+                <a:solidFill>
+                  <a:prstClr val="black"/>
+                </a:solidFill>
+                <a:latin typeface="Lucida Console" panose="020B0609040504020204" pitchFamily="49" charset="0"/>
+              </a:rPr>
+              <a:t>      </a:t>
+            </a:r>
+            <a:r>
+              <a:rPr lang="en-US" sz="1800" dirty="0" err="1">
+                <a:solidFill>
+                  <a:prstClr val="black"/>
+                </a:solidFill>
+                <a:latin typeface="Lucida Console" panose="020B0609040504020204" pitchFamily="49" charset="0"/>
+              </a:rPr>
+              <a:t>targetPort</a:t>
+            </a:r>
+            <a:r>
+              <a:rPr lang="en-US" sz="1800" dirty="0">
+                <a:solidFill>
+                  <a:prstClr val="black"/>
+                </a:solidFill>
+                <a:latin typeface="Lucida Console" panose="020B0609040504020204" pitchFamily="49" charset="0"/>
+              </a:rPr>
+              <a:t>: http</a:t>
+            </a:r>
+          </a:p>
+          <a:p>
+            <a:r>
+              <a:rPr lang="en-US" sz="1800" dirty="0">
+                <a:solidFill>
+                  <a:prstClr val="black"/>
+                </a:solidFill>
+                <a:latin typeface="Lucida Console" panose="020B0609040504020204" pitchFamily="49" charset="0"/>
+              </a:rPr>
+              <a:t>      protocol: TCP</a:t>
+            </a:r>
+          </a:p>
+          <a:p>
+            <a:r>
+              <a:rPr lang="en-US" sz="1800" dirty="0">
+                <a:solidFill>
+                  <a:prstClr val="black"/>
+                </a:solidFill>
+                <a:latin typeface="Lucida Console" panose="020B0609040504020204" pitchFamily="49" charset="0"/>
+              </a:rPr>
+              <a:t>      name: http</a:t>
+            </a:r>
+          </a:p>
+          <a:p>
+            <a:r>
+              <a:rPr lang="en-US" sz="1800" dirty="0">
+                <a:solidFill>
+                  <a:prstClr val="black"/>
+                </a:solidFill>
+                <a:latin typeface="Lucida Console" panose="020B0609040504020204" pitchFamily="49" charset="0"/>
+              </a:rPr>
+              <a:t>  selector:</a:t>
+            </a:r>
+          </a:p>
+          <a:p>
+            <a:r>
+              <a:rPr lang="en-US" sz="1800" dirty="0">
+                <a:solidFill>
+                  <a:prstClr val="black"/>
+                </a:solidFill>
+                <a:latin typeface="Lucida Console" panose="020B0609040504020204" pitchFamily="49" charset="0"/>
+              </a:rPr>
+              <a:t>    {{- include "my-</a:t>
+            </a:r>
+            <a:r>
+              <a:rPr lang="en-US" sz="1800" dirty="0" err="1">
+                <a:solidFill>
+                  <a:prstClr val="black"/>
+                </a:solidFill>
+                <a:latin typeface="Lucida Console" panose="020B0609040504020204" pitchFamily="49" charset="0"/>
+              </a:rPr>
+              <a:t>chart.selectorLabels</a:t>
+            </a:r>
+            <a:r>
+              <a:rPr lang="en-US" sz="1800" dirty="0">
+                <a:solidFill>
+                  <a:prstClr val="black"/>
+                </a:solidFill>
+                <a:latin typeface="Lucida Console" panose="020B0609040504020204" pitchFamily="49" charset="0"/>
+              </a:rPr>
+              <a:t>" . | </a:t>
+            </a:r>
+            <a:r>
+              <a:rPr lang="en-US" sz="1800" dirty="0" err="1">
+                <a:solidFill>
+                  <a:prstClr val="black"/>
+                </a:solidFill>
+                <a:latin typeface="Lucida Console" panose="020B0609040504020204" pitchFamily="49" charset="0"/>
+              </a:rPr>
+              <a:t>nindent</a:t>
+            </a:r>
+            <a:r>
+              <a:rPr lang="en-US" sz="1800" dirty="0">
+                <a:solidFill>
+                  <a:prstClr val="black"/>
+                </a:solidFill>
+                <a:latin typeface="Lucida Console" panose="020B0609040504020204" pitchFamily="49" charset="0"/>
+              </a:rPr>
+              <a:t> 4 }}</a:t>
+            </a:r>
+            <a:endParaRPr lang="en-US" dirty="0"/>
+          </a:p>
+        </p:txBody>
+      </p:sp>
+      <p:sp>
+        <p:nvSpPr>
+          <p:cNvPr id="16" name="TextBox 15">
+            <a:extLst>
+              <a:ext uri="{FF2B5EF4-FFF2-40B4-BE49-F238E27FC236}">
+                <a16:creationId xmlns:a16="http://schemas.microsoft.com/office/drawing/2014/main" id="{52CACA74-E7BD-FD5A-7414-81381EBCD4FA}"/>
+              </a:ext>
+            </a:extLst>
+          </p:cNvPr>
+          <p:cNvSpPr txBox="1"/>
+          <p:nvPr/>
+        </p:nvSpPr>
+        <p:spPr>
+          <a:xfrm>
+            <a:off x="767299" y="3506278"/>
+            <a:ext cx="3788229" cy="584775"/>
+          </a:xfrm>
+          <a:prstGeom prst="rect">
+            <a:avLst/>
+          </a:prstGeom>
+          <a:noFill/>
+        </p:spPr>
+        <p:txBody>
+          <a:bodyPr wrap="square" rtlCol="0">
+            <a:spAutoFit/>
+          </a:bodyPr>
+          <a:lstStyle/>
+          <a:p>
+            <a:r>
+              <a:rPr lang="en-US" sz="3200" dirty="0"/>
+              <a:t>Template </a:t>
+            </a:r>
+            <a:r>
+              <a:rPr lang="en-US" sz="3200" dirty="0" err="1"/>
+              <a:t>service.yaml</a:t>
+            </a:r>
+            <a:endParaRPr lang="en-US" sz="3200" dirty="0"/>
+          </a:p>
+        </p:txBody>
+      </p:sp>
+      <p:cxnSp>
+        <p:nvCxnSpPr>
+          <p:cNvPr id="24" name="Straight Connector 23">
+            <a:extLst>
+              <a:ext uri="{FF2B5EF4-FFF2-40B4-BE49-F238E27FC236}">
+                <a16:creationId xmlns:a16="http://schemas.microsoft.com/office/drawing/2014/main" id="{2E29DF9C-E127-95CE-DE8E-922446BFF21D}"/>
+              </a:ext>
+            </a:extLst>
+          </p:cNvPr>
+          <p:cNvCxnSpPr>
+            <a:cxnSpLocks/>
+          </p:cNvCxnSpPr>
+          <p:nvPr/>
+        </p:nvCxnSpPr>
+        <p:spPr>
+          <a:xfrm>
+            <a:off x="10156371" y="3506278"/>
+            <a:ext cx="0" cy="6217086"/>
+          </a:xfrm>
+          <a:prstGeom prst="line">
+            <a:avLst/>
+          </a:prstGeom>
+          <a:ln w="57150"/>
+        </p:spPr>
+        <p:style>
+          <a:lnRef idx="1">
+            <a:schemeClr val="dk1"/>
+          </a:lnRef>
+          <a:fillRef idx="0">
+            <a:schemeClr val="dk1"/>
+          </a:fillRef>
+          <a:effectRef idx="0">
+            <a:schemeClr val="dk1"/>
+          </a:effectRef>
+          <a:fontRef idx="minor">
+            <a:schemeClr val="tx1"/>
+          </a:fontRef>
+        </p:style>
+      </p:cxnSp>
+      <p:sp>
+        <p:nvSpPr>
+          <p:cNvPr id="2" name="TextBox 1">
+            <a:extLst>
+              <a:ext uri="{FF2B5EF4-FFF2-40B4-BE49-F238E27FC236}">
+                <a16:creationId xmlns:a16="http://schemas.microsoft.com/office/drawing/2014/main" id="{F1CAB529-B53C-0CB0-3202-F4B25E7E61F1}"/>
+              </a:ext>
+            </a:extLst>
+          </p:cNvPr>
+          <p:cNvSpPr txBox="1"/>
+          <p:nvPr/>
+        </p:nvSpPr>
+        <p:spPr>
+          <a:xfrm>
+            <a:off x="17508906" y="9659383"/>
+            <a:ext cx="464024" cy="369332"/>
+          </a:xfrm>
+          <a:prstGeom prst="rect">
+            <a:avLst/>
+          </a:prstGeom>
+          <a:noFill/>
+        </p:spPr>
+        <p:txBody>
+          <a:bodyPr wrap="square" rtlCol="0">
+            <a:spAutoFit/>
+          </a:bodyPr>
+          <a:lstStyle/>
+          <a:p>
+            <a:r>
+              <a:rPr lang="en-US" dirty="0">
+                <a:solidFill>
+                  <a:schemeClr val="accent2">
+                    <a:lumMod val="50000"/>
+                  </a:schemeClr>
+                </a:solidFill>
+              </a:rPr>
+              <a:t>14</a:t>
+            </a:r>
+          </a:p>
+        </p:txBody>
+      </p:sp>
+    </p:spTree>
+    <p:extLst>
+      <p:ext uri="{BB962C8B-B14F-4D97-AF65-F5344CB8AC3E}">
+        <p14:creationId xmlns:p14="http://schemas.microsoft.com/office/powerpoint/2010/main" val="1685343756"/>
+      </p:ext>
+    </p:extLst>
+  </p:cSld>
+  <p:clrMapOvr>
+    <a:masterClrMapping/>
+  </p:clrMapOvr>
+</p:sld>
+</file>
+
+<file path=ppt/slides/slide15.xml><?xml version="1.0" encoding="utf-8"?>
+<p:sld xmlns:a="http://schemas.openxmlformats.org/drawingml/2006/main" xmlns:r="http://schemas.openxmlformats.org/officeDocument/2006/relationships" xmlns:p="http://schemas.openxmlformats.org/presentationml/2006/main">
+  <p:cSld>
+    <p:spTree>
+      <p:nvGrpSpPr>
+        <p:cNvPr id="1" name=""/>
+        <p:cNvGrpSpPr/>
+        <p:nvPr/>
+      </p:nvGrpSpPr>
+      <p:grpSpPr>
+        <a:xfrm>
+          <a:off x="0" y="0"/>
+          <a:ext cx="0" cy="0"/>
+          <a:chOff x="0" y="0"/>
+          <a:chExt cx="0" cy="0"/>
+        </a:xfrm>
+      </p:grpSpPr>
+      <p:sp>
+        <p:nvSpPr>
+          <p:cNvPr id="3" name="Title 2">
+            <a:extLst>
+              <a:ext uri="{FF2B5EF4-FFF2-40B4-BE49-F238E27FC236}">
+                <a16:creationId xmlns:a16="http://schemas.microsoft.com/office/drawing/2014/main" id="{706501E4-6246-A606-7483-C427CF30CD57}"/>
+              </a:ext>
+            </a:extLst>
+          </p:cNvPr>
+          <p:cNvSpPr>
+            <a:spLocks noGrp="1"/>
+          </p:cNvSpPr>
+          <p:nvPr>
+            <p:ph type="title"/>
+          </p:nvPr>
+        </p:nvSpPr>
+        <p:spPr/>
+        <p:txBody>
+          <a:bodyPr/>
+          <a:lstStyle/>
+          <a:p>
+            <a:r>
+              <a:rPr lang="en-US" dirty="0">
+                <a:solidFill>
+                  <a:schemeClr val="accent2">
+                    <a:lumMod val="50000"/>
+                  </a:schemeClr>
+                </a:solidFill>
+              </a:rPr>
+              <a:t>HELM Templating</a:t>
+            </a:r>
+            <a:endParaRPr lang="en-RU" dirty="0">
+              <a:solidFill>
+                <a:schemeClr val="accent2">
+                  <a:lumMod val="50000"/>
+                </a:schemeClr>
+              </a:solidFill>
+            </a:endParaRPr>
+          </a:p>
+        </p:txBody>
+      </p:sp>
+      <p:sp>
+        <p:nvSpPr>
+          <p:cNvPr id="4" name="TextBox 3">
+            <a:extLst>
+              <a:ext uri="{FF2B5EF4-FFF2-40B4-BE49-F238E27FC236}">
+                <a16:creationId xmlns:a16="http://schemas.microsoft.com/office/drawing/2014/main" id="{D21DE26C-3928-E33E-6CB7-43E196FC5E62}"/>
+              </a:ext>
+            </a:extLst>
+          </p:cNvPr>
+          <p:cNvSpPr txBox="1"/>
+          <p:nvPr/>
+        </p:nvSpPr>
+        <p:spPr>
+          <a:xfrm>
+            <a:off x="10654302" y="1111118"/>
+            <a:ext cx="3513762" cy="923330"/>
+          </a:xfrm>
+          <a:prstGeom prst="rect">
+            <a:avLst/>
+          </a:prstGeom>
+          <a:noFill/>
+        </p:spPr>
+        <p:txBody>
+          <a:bodyPr wrap="square" rtlCol="0">
+            <a:spAutoFit/>
+          </a:bodyPr>
+          <a:lstStyle/>
+          <a:p>
+            <a:r>
+              <a:rPr lang="en-US" dirty="0">
+                <a:solidFill>
+                  <a:schemeClr val="accent2">
+                    <a:lumMod val="50000"/>
+                  </a:schemeClr>
+                </a:solidFill>
+              </a:rPr>
+              <a:t>WHY do we need this?</a:t>
+            </a:r>
+          </a:p>
+          <a:p>
+            <a:r>
+              <a:rPr lang="en-US" dirty="0">
+                <a:solidFill>
+                  <a:schemeClr val="accent2">
+                    <a:lumMod val="50000"/>
+                  </a:schemeClr>
+                </a:solidFill>
+              </a:rPr>
+              <a:t>To ease and unify deployment configuration for different </a:t>
+            </a:r>
+            <a:r>
+              <a:rPr lang="en-US" dirty="0" err="1">
+                <a:solidFill>
+                  <a:schemeClr val="accent2">
+                    <a:lumMod val="50000"/>
+                  </a:schemeClr>
+                </a:solidFill>
+              </a:rPr>
+              <a:t>envs</a:t>
+            </a:r>
+            <a:r>
+              <a:rPr lang="en-US" dirty="0">
+                <a:solidFill>
+                  <a:schemeClr val="accent2">
+                    <a:lumMod val="50000"/>
+                  </a:schemeClr>
+                </a:solidFill>
+              </a:rPr>
+              <a:t>.</a:t>
+            </a:r>
+          </a:p>
+        </p:txBody>
+      </p:sp>
+      <p:sp>
+        <p:nvSpPr>
+          <p:cNvPr id="2" name="TextBox 1">
+            <a:extLst>
+              <a:ext uri="{FF2B5EF4-FFF2-40B4-BE49-F238E27FC236}">
+                <a16:creationId xmlns:a16="http://schemas.microsoft.com/office/drawing/2014/main" id="{4501449D-CF4E-4F07-128D-1591BBE138B2}"/>
+              </a:ext>
+            </a:extLst>
+          </p:cNvPr>
+          <p:cNvSpPr txBox="1"/>
+          <p:nvPr/>
+        </p:nvSpPr>
+        <p:spPr>
+          <a:xfrm>
+            <a:off x="3028878" y="5144294"/>
+            <a:ext cx="12230244" cy="707886"/>
+          </a:xfrm>
+          <a:prstGeom prst="rect">
+            <a:avLst/>
+          </a:prstGeom>
+          <a:noFill/>
+        </p:spPr>
+        <p:txBody>
+          <a:bodyPr wrap="square">
+            <a:spAutoFit/>
+          </a:bodyPr>
+          <a:lstStyle/>
+          <a:p>
+            <a:r>
+              <a:rPr lang="en-US" sz="4000" dirty="0">
+                <a:solidFill>
+                  <a:prstClr val="black"/>
+                </a:solidFill>
+                <a:latin typeface="Lucida Console" panose="020B0609040504020204" pitchFamily="49" charset="0"/>
+              </a:rPr>
+              <a:t>helm template my-release-name my-chart/</a:t>
+            </a:r>
+            <a:endParaRPr lang="en-US" sz="4000" dirty="0"/>
+          </a:p>
+        </p:txBody>
+      </p:sp>
+      <p:sp>
+        <p:nvSpPr>
+          <p:cNvPr id="5" name="TextBox 4">
+            <a:extLst>
+              <a:ext uri="{FF2B5EF4-FFF2-40B4-BE49-F238E27FC236}">
+                <a16:creationId xmlns:a16="http://schemas.microsoft.com/office/drawing/2014/main" id="{0BBEC86E-553F-D284-C183-BB529DB9D63A}"/>
+              </a:ext>
+            </a:extLst>
+          </p:cNvPr>
+          <p:cNvSpPr txBox="1"/>
+          <p:nvPr/>
+        </p:nvSpPr>
+        <p:spPr>
+          <a:xfrm>
+            <a:off x="17508906" y="9659383"/>
+            <a:ext cx="464024" cy="369332"/>
+          </a:xfrm>
+          <a:prstGeom prst="rect">
+            <a:avLst/>
+          </a:prstGeom>
+          <a:noFill/>
+        </p:spPr>
+        <p:txBody>
+          <a:bodyPr wrap="square" rtlCol="0">
+            <a:spAutoFit/>
+          </a:bodyPr>
+          <a:lstStyle/>
+          <a:p>
+            <a:r>
+              <a:rPr lang="en-US" dirty="0">
+                <a:solidFill>
+                  <a:schemeClr val="accent2">
+                    <a:lumMod val="50000"/>
+                  </a:schemeClr>
+                </a:solidFill>
+              </a:rPr>
+              <a:t>15</a:t>
+            </a:r>
+          </a:p>
+        </p:txBody>
+      </p:sp>
+    </p:spTree>
+    <p:extLst>
+      <p:ext uri="{BB962C8B-B14F-4D97-AF65-F5344CB8AC3E}">
+        <p14:creationId xmlns:p14="http://schemas.microsoft.com/office/powerpoint/2010/main" val="264978186"/>
+      </p:ext>
+    </p:extLst>
+  </p:cSld>
+  <p:clrMapOvr>
+    <a:masterClrMapping/>
+  </p:clrMapOvr>
+</p:sld>
+</file>
+
+<file path=ppt/slides/slide16.xml><?xml version="1.0" encoding="utf-8"?>
+<p:sld xmlns:a="http://schemas.openxmlformats.org/drawingml/2006/main" xmlns:r="http://schemas.openxmlformats.org/officeDocument/2006/relationships" xmlns:p="http://schemas.openxmlformats.org/presentationml/2006/main">
+  <p:cSld>
+    <p:spTree>
+      <p:nvGrpSpPr>
+        <p:cNvPr id="1" name=""/>
+        <p:cNvGrpSpPr/>
+        <p:nvPr/>
+      </p:nvGrpSpPr>
+      <p:grpSpPr>
+        <a:xfrm>
+          <a:off x="0" y="0"/>
+          <a:ext cx="0" cy="0"/>
+          <a:chOff x="0" y="0"/>
+          <a:chExt cx="0" cy="0"/>
+        </a:xfrm>
+      </p:grpSpPr>
+      <p:sp>
+        <p:nvSpPr>
+          <p:cNvPr id="3" name="Title 2">
+            <a:extLst>
+              <a:ext uri="{FF2B5EF4-FFF2-40B4-BE49-F238E27FC236}">
+                <a16:creationId xmlns:a16="http://schemas.microsoft.com/office/drawing/2014/main" id="{706501E4-6246-A606-7483-C427CF30CD57}"/>
+              </a:ext>
+            </a:extLst>
+          </p:cNvPr>
+          <p:cNvSpPr>
+            <a:spLocks noGrp="1"/>
+          </p:cNvSpPr>
+          <p:nvPr>
+            <p:ph type="title"/>
+          </p:nvPr>
+        </p:nvSpPr>
+        <p:spPr/>
+        <p:txBody>
+          <a:bodyPr/>
+          <a:lstStyle/>
+          <a:p>
+            <a:r>
+              <a:rPr lang="en-US" dirty="0">
+                <a:solidFill>
+                  <a:schemeClr val="accent2">
+                    <a:lumMod val="50000"/>
+                  </a:schemeClr>
+                </a:solidFill>
+              </a:rPr>
+              <a:t>HELM Templating</a:t>
+            </a:r>
+            <a:endParaRPr lang="en-RU" dirty="0">
+              <a:solidFill>
+                <a:schemeClr val="accent2">
+                  <a:lumMod val="50000"/>
+                </a:schemeClr>
+              </a:solidFill>
+            </a:endParaRPr>
+          </a:p>
+        </p:txBody>
+      </p:sp>
+      <p:sp>
+        <p:nvSpPr>
+          <p:cNvPr id="4" name="TextBox 3">
+            <a:extLst>
+              <a:ext uri="{FF2B5EF4-FFF2-40B4-BE49-F238E27FC236}">
+                <a16:creationId xmlns:a16="http://schemas.microsoft.com/office/drawing/2014/main" id="{D21DE26C-3928-E33E-6CB7-43E196FC5E62}"/>
+              </a:ext>
+            </a:extLst>
+          </p:cNvPr>
+          <p:cNvSpPr txBox="1"/>
+          <p:nvPr/>
+        </p:nvSpPr>
+        <p:spPr>
+          <a:xfrm>
+            <a:off x="10654302" y="1111118"/>
+            <a:ext cx="3513762" cy="923330"/>
+          </a:xfrm>
+          <a:prstGeom prst="rect">
+            <a:avLst/>
+          </a:prstGeom>
+          <a:noFill/>
+        </p:spPr>
+        <p:txBody>
+          <a:bodyPr wrap="square" rtlCol="0">
+            <a:spAutoFit/>
+          </a:bodyPr>
+          <a:lstStyle/>
+          <a:p>
+            <a:r>
+              <a:rPr lang="en-US" dirty="0">
+                <a:solidFill>
+                  <a:schemeClr val="accent2">
+                    <a:lumMod val="50000"/>
+                  </a:schemeClr>
+                </a:solidFill>
+              </a:rPr>
+              <a:t>WHY do we need this?</a:t>
+            </a:r>
+          </a:p>
+          <a:p>
+            <a:r>
+              <a:rPr lang="en-US" dirty="0">
+                <a:solidFill>
+                  <a:schemeClr val="accent2">
+                    <a:lumMod val="50000"/>
+                  </a:schemeClr>
+                </a:solidFill>
+              </a:rPr>
+              <a:t>To ease and unify deployment configuration for different </a:t>
+            </a:r>
+            <a:r>
+              <a:rPr lang="en-US" dirty="0" err="1">
+                <a:solidFill>
+                  <a:schemeClr val="accent2">
+                    <a:lumMod val="50000"/>
+                  </a:schemeClr>
+                </a:solidFill>
+              </a:rPr>
+              <a:t>envs</a:t>
+            </a:r>
+            <a:r>
+              <a:rPr lang="en-US" dirty="0">
+                <a:solidFill>
+                  <a:schemeClr val="accent2">
+                    <a:lumMod val="50000"/>
+                  </a:schemeClr>
+                </a:solidFill>
+              </a:rPr>
+              <a:t>.</a:t>
+            </a:r>
+          </a:p>
+        </p:txBody>
+      </p:sp>
+      <p:sp>
+        <p:nvSpPr>
+          <p:cNvPr id="5" name="TextBox 4">
+            <a:extLst>
+              <a:ext uri="{FF2B5EF4-FFF2-40B4-BE49-F238E27FC236}">
+                <a16:creationId xmlns:a16="http://schemas.microsoft.com/office/drawing/2014/main" id="{7EA37416-AC5E-3B52-844D-97F759B12D26}"/>
+              </a:ext>
+            </a:extLst>
+          </p:cNvPr>
+          <p:cNvSpPr txBox="1"/>
+          <p:nvPr/>
+        </p:nvSpPr>
+        <p:spPr>
+          <a:xfrm>
+            <a:off x="11250386" y="4091053"/>
+            <a:ext cx="7037614" cy="5632311"/>
+          </a:xfrm>
+          <a:prstGeom prst="rect">
+            <a:avLst/>
+          </a:prstGeom>
+          <a:noFill/>
+        </p:spPr>
+        <p:txBody>
+          <a:bodyPr wrap="square">
+            <a:spAutoFit/>
+          </a:bodyPr>
+          <a:lstStyle/>
+          <a:p>
+            <a:r>
+              <a:rPr lang="en-US" sz="1800" dirty="0" err="1">
+                <a:solidFill>
+                  <a:prstClr val="black"/>
+                </a:solidFill>
+                <a:latin typeface="Lucida Console" panose="020B0609040504020204" pitchFamily="49" charset="0"/>
+              </a:rPr>
+              <a:t>apiVersion</a:t>
+            </a:r>
+            <a:r>
+              <a:rPr lang="en-US" sz="1800" dirty="0">
+                <a:solidFill>
+                  <a:prstClr val="black"/>
+                </a:solidFill>
+                <a:latin typeface="Lucida Console" panose="020B0609040504020204" pitchFamily="49" charset="0"/>
+              </a:rPr>
+              <a:t>: v1</a:t>
+            </a:r>
+          </a:p>
+          <a:p>
+            <a:r>
+              <a:rPr lang="en-US" sz="1800" dirty="0">
+                <a:solidFill>
+                  <a:prstClr val="black"/>
+                </a:solidFill>
+                <a:latin typeface="Lucida Console" panose="020B0609040504020204" pitchFamily="49" charset="0"/>
+              </a:rPr>
+              <a:t>kind: Service</a:t>
+            </a:r>
+          </a:p>
+          <a:p>
+            <a:r>
+              <a:rPr lang="en-US" sz="1800" dirty="0">
+                <a:solidFill>
+                  <a:prstClr val="black"/>
+                </a:solidFill>
+                <a:latin typeface="Lucida Console" panose="020B0609040504020204" pitchFamily="49" charset="0"/>
+              </a:rPr>
+              <a:t>metadata:</a:t>
+            </a:r>
+          </a:p>
+          <a:p>
+            <a:r>
+              <a:rPr lang="en-US" sz="1800" dirty="0">
+                <a:solidFill>
+                  <a:prstClr val="black"/>
+                </a:solidFill>
+                <a:latin typeface="Lucida Console" panose="020B0609040504020204" pitchFamily="49" charset="0"/>
+              </a:rPr>
+              <a:t>  name: my-release-name-my-chart</a:t>
+            </a:r>
+          </a:p>
+          <a:p>
+            <a:r>
+              <a:rPr lang="en-US" sz="1800" dirty="0">
+                <a:solidFill>
+                  <a:prstClr val="black"/>
+                </a:solidFill>
+                <a:latin typeface="Lucida Console" panose="020B0609040504020204" pitchFamily="49" charset="0"/>
+              </a:rPr>
+              <a:t>  labels:</a:t>
+            </a:r>
+          </a:p>
+          <a:p>
+            <a:r>
+              <a:rPr lang="en-US" sz="1800" dirty="0">
+                <a:solidFill>
+                  <a:prstClr val="black"/>
+                </a:solidFill>
+                <a:latin typeface="Lucida Console" panose="020B0609040504020204" pitchFamily="49" charset="0"/>
+              </a:rPr>
+              <a:t>    helm.sh/chart: my-chart-0.1.0</a:t>
+            </a:r>
+          </a:p>
+          <a:p>
+            <a:r>
+              <a:rPr lang="en-US" sz="1800" dirty="0">
+                <a:solidFill>
+                  <a:prstClr val="black"/>
+                </a:solidFill>
+                <a:latin typeface="Lucida Console" panose="020B0609040504020204" pitchFamily="49" charset="0"/>
+              </a:rPr>
+              <a:t>    app.kubernetes.io/name: my-chart</a:t>
+            </a:r>
+          </a:p>
+          <a:p>
+            <a:r>
+              <a:rPr lang="en-US" sz="1800" dirty="0">
+                <a:solidFill>
+                  <a:prstClr val="black"/>
+                </a:solidFill>
+                <a:latin typeface="Lucida Console" panose="020B0609040504020204" pitchFamily="49" charset="0"/>
+              </a:rPr>
+              <a:t>    app.kubernetes.io/instance: my-release-name</a:t>
+            </a:r>
+          </a:p>
+          <a:p>
+            <a:r>
+              <a:rPr lang="de-DE" sz="1800" dirty="0">
+                <a:solidFill>
+                  <a:prstClr val="black"/>
+                </a:solidFill>
+                <a:latin typeface="Lucida Console" panose="020B0609040504020204" pitchFamily="49" charset="0"/>
+              </a:rPr>
+              <a:t>    app.kubernetes.io/</a:t>
+            </a:r>
+            <a:r>
+              <a:rPr lang="de-DE" sz="1800" dirty="0" err="1">
+                <a:solidFill>
+                  <a:prstClr val="black"/>
+                </a:solidFill>
+                <a:latin typeface="Lucida Console" panose="020B0609040504020204" pitchFamily="49" charset="0"/>
+              </a:rPr>
+              <a:t>version</a:t>
+            </a:r>
+            <a:r>
+              <a:rPr lang="de-DE" sz="1800" dirty="0">
+                <a:solidFill>
+                  <a:prstClr val="black"/>
+                </a:solidFill>
+                <a:latin typeface="Lucida Console" panose="020B0609040504020204" pitchFamily="49" charset="0"/>
+              </a:rPr>
+              <a:t>: "1.16.0"</a:t>
+            </a:r>
+          </a:p>
+          <a:p>
+            <a:r>
+              <a:rPr lang="en-US" sz="1800" dirty="0">
+                <a:solidFill>
+                  <a:prstClr val="black"/>
+                </a:solidFill>
+                <a:latin typeface="Lucida Console" panose="020B0609040504020204" pitchFamily="49" charset="0"/>
+              </a:rPr>
+              <a:t>    app.kubernetes.io/managed-by: Helm</a:t>
+            </a:r>
+          </a:p>
+          <a:p>
+            <a:r>
+              <a:rPr lang="en-US" sz="1800" dirty="0">
+                <a:solidFill>
+                  <a:prstClr val="black"/>
+                </a:solidFill>
+                <a:latin typeface="Lucida Console" panose="020B0609040504020204" pitchFamily="49" charset="0"/>
+              </a:rPr>
+              <a:t>spec:</a:t>
+            </a:r>
+          </a:p>
+          <a:p>
+            <a:r>
+              <a:rPr lang="en-US" sz="1800" dirty="0">
+                <a:solidFill>
+                  <a:prstClr val="black"/>
+                </a:solidFill>
+                <a:latin typeface="Lucida Console" panose="020B0609040504020204" pitchFamily="49" charset="0"/>
+              </a:rPr>
+              <a:t>  type: </a:t>
+            </a:r>
+            <a:r>
+              <a:rPr lang="en-US" sz="1800" dirty="0" err="1">
+                <a:solidFill>
+                  <a:prstClr val="black"/>
+                </a:solidFill>
+                <a:latin typeface="Lucida Console" panose="020B0609040504020204" pitchFamily="49" charset="0"/>
+              </a:rPr>
+              <a:t>ClusterIP</a:t>
+            </a:r>
+            <a:endParaRPr lang="en-US" sz="1800" dirty="0">
+              <a:solidFill>
+                <a:prstClr val="black"/>
+              </a:solidFill>
+              <a:latin typeface="Lucida Console" panose="020B0609040504020204" pitchFamily="49" charset="0"/>
+            </a:endParaRPr>
+          </a:p>
+          <a:p>
+            <a:r>
+              <a:rPr lang="en-US" sz="1800" dirty="0">
+                <a:solidFill>
+                  <a:prstClr val="black"/>
+                </a:solidFill>
+                <a:latin typeface="Lucida Console" panose="020B0609040504020204" pitchFamily="49" charset="0"/>
+              </a:rPr>
+              <a:t>  ports:</a:t>
+            </a:r>
+          </a:p>
+          <a:p>
+            <a:r>
+              <a:rPr lang="en-US" sz="1800" dirty="0">
+                <a:solidFill>
+                  <a:prstClr val="black"/>
+                </a:solidFill>
+                <a:latin typeface="Lucida Console" panose="020B0609040504020204" pitchFamily="49" charset="0"/>
+              </a:rPr>
+              <a:t>    - port: 80</a:t>
+            </a:r>
+          </a:p>
+          <a:p>
+            <a:r>
+              <a:rPr lang="en-US" sz="1800" dirty="0">
+                <a:solidFill>
+                  <a:prstClr val="black"/>
+                </a:solidFill>
+                <a:latin typeface="Lucida Console" panose="020B0609040504020204" pitchFamily="49" charset="0"/>
+              </a:rPr>
+              <a:t>      </a:t>
+            </a:r>
+            <a:r>
+              <a:rPr lang="en-US" sz="1800" dirty="0" err="1">
+                <a:solidFill>
+                  <a:prstClr val="black"/>
+                </a:solidFill>
+                <a:latin typeface="Lucida Console" panose="020B0609040504020204" pitchFamily="49" charset="0"/>
+              </a:rPr>
+              <a:t>targetPort</a:t>
+            </a:r>
+            <a:r>
+              <a:rPr lang="en-US" sz="1800" dirty="0">
+                <a:solidFill>
+                  <a:prstClr val="black"/>
+                </a:solidFill>
+                <a:latin typeface="Lucida Console" panose="020B0609040504020204" pitchFamily="49" charset="0"/>
+              </a:rPr>
+              <a:t>: http</a:t>
+            </a:r>
+          </a:p>
+          <a:p>
+            <a:r>
+              <a:rPr lang="en-US" sz="1800" dirty="0">
+                <a:solidFill>
+                  <a:prstClr val="black"/>
+                </a:solidFill>
+                <a:latin typeface="Lucida Console" panose="020B0609040504020204" pitchFamily="49" charset="0"/>
+              </a:rPr>
+              <a:t>      protocol: TCP</a:t>
+            </a:r>
+          </a:p>
+          <a:p>
+            <a:r>
+              <a:rPr lang="en-US" sz="1800" dirty="0">
+                <a:solidFill>
+                  <a:prstClr val="black"/>
+                </a:solidFill>
+                <a:latin typeface="Lucida Console" panose="020B0609040504020204" pitchFamily="49" charset="0"/>
+              </a:rPr>
+              <a:t>      name: http</a:t>
+            </a:r>
+          </a:p>
+          <a:p>
+            <a:r>
+              <a:rPr lang="en-US" sz="1800" dirty="0">
+                <a:solidFill>
+                  <a:prstClr val="black"/>
+                </a:solidFill>
+                <a:latin typeface="Lucida Console" panose="020B0609040504020204" pitchFamily="49" charset="0"/>
+              </a:rPr>
+              <a:t>  selector:</a:t>
+            </a:r>
+          </a:p>
+          <a:p>
+            <a:r>
+              <a:rPr lang="en-US" sz="1800" dirty="0">
+                <a:solidFill>
+                  <a:prstClr val="black"/>
+                </a:solidFill>
+                <a:latin typeface="Lucida Console" panose="020B0609040504020204" pitchFamily="49" charset="0"/>
+              </a:rPr>
+              <a:t>    app.kubernetes.io/name: my-chart</a:t>
+            </a:r>
+          </a:p>
+          <a:p>
+            <a:r>
+              <a:rPr lang="en-US" sz="1800" dirty="0">
+                <a:solidFill>
+                  <a:prstClr val="black"/>
+                </a:solidFill>
+                <a:latin typeface="Lucida Console" panose="020B0609040504020204" pitchFamily="49" charset="0"/>
+              </a:rPr>
+              <a:t>    app.kubernetes.io/instance: my-release-name</a:t>
+            </a:r>
+            <a:endParaRPr lang="en-US" dirty="0"/>
+          </a:p>
+        </p:txBody>
+      </p:sp>
+      <p:sp>
+        <p:nvSpPr>
+          <p:cNvPr id="6" name="TextBox 5">
+            <a:extLst>
+              <a:ext uri="{FF2B5EF4-FFF2-40B4-BE49-F238E27FC236}">
+                <a16:creationId xmlns:a16="http://schemas.microsoft.com/office/drawing/2014/main" id="{97D769F0-3632-91C7-2125-825A9A546F1A}"/>
+              </a:ext>
+            </a:extLst>
+          </p:cNvPr>
+          <p:cNvSpPr txBox="1"/>
+          <p:nvPr/>
+        </p:nvSpPr>
+        <p:spPr>
+          <a:xfrm>
+            <a:off x="11250386" y="3414601"/>
+            <a:ext cx="2915583" cy="584775"/>
+          </a:xfrm>
+          <a:prstGeom prst="rect">
+            <a:avLst/>
+          </a:prstGeom>
+          <a:noFill/>
+        </p:spPr>
+        <p:txBody>
+          <a:bodyPr wrap="square" rtlCol="0">
+            <a:spAutoFit/>
+          </a:bodyPr>
+          <a:lstStyle/>
+          <a:p>
+            <a:r>
+              <a:rPr lang="en-US" sz="3200" dirty="0" err="1"/>
+              <a:t>service.yaml</a:t>
+            </a:r>
+            <a:endParaRPr lang="en-US" sz="3200" dirty="0"/>
+          </a:p>
+        </p:txBody>
+      </p:sp>
+      <p:sp>
+        <p:nvSpPr>
+          <p:cNvPr id="8" name="TextBox 7">
+            <a:extLst>
+              <a:ext uri="{FF2B5EF4-FFF2-40B4-BE49-F238E27FC236}">
+                <a16:creationId xmlns:a16="http://schemas.microsoft.com/office/drawing/2014/main" id="{2563D290-A3E9-C55A-C285-EEC60AD31F5B}"/>
+              </a:ext>
+            </a:extLst>
+          </p:cNvPr>
+          <p:cNvSpPr txBox="1"/>
+          <p:nvPr/>
+        </p:nvSpPr>
+        <p:spPr>
+          <a:xfrm>
+            <a:off x="767299" y="4328492"/>
+            <a:ext cx="8376701" cy="4247317"/>
+          </a:xfrm>
+          <a:prstGeom prst="rect">
+            <a:avLst/>
+          </a:prstGeom>
+          <a:noFill/>
+        </p:spPr>
+        <p:txBody>
+          <a:bodyPr wrap="square">
+            <a:spAutoFit/>
+          </a:bodyPr>
+          <a:lstStyle/>
+          <a:p>
+            <a:r>
+              <a:rPr lang="en-US" sz="1800" dirty="0" err="1">
+                <a:solidFill>
+                  <a:prstClr val="black"/>
+                </a:solidFill>
+                <a:latin typeface="Lucida Console" panose="020B0609040504020204" pitchFamily="49" charset="0"/>
+              </a:rPr>
+              <a:t>apiVersion</a:t>
+            </a:r>
+            <a:r>
+              <a:rPr lang="en-US" sz="1800" dirty="0">
+                <a:solidFill>
+                  <a:prstClr val="black"/>
+                </a:solidFill>
+                <a:latin typeface="Lucida Console" panose="020B0609040504020204" pitchFamily="49" charset="0"/>
+              </a:rPr>
+              <a:t>: v1</a:t>
+            </a:r>
+          </a:p>
+          <a:p>
+            <a:r>
+              <a:rPr lang="en-US" sz="1800" dirty="0">
+                <a:solidFill>
+                  <a:prstClr val="black"/>
+                </a:solidFill>
+                <a:latin typeface="Lucida Console" panose="020B0609040504020204" pitchFamily="49" charset="0"/>
+              </a:rPr>
+              <a:t>kind: Service</a:t>
+            </a:r>
+          </a:p>
+          <a:p>
+            <a:r>
+              <a:rPr lang="en-US" sz="1800" dirty="0">
+                <a:solidFill>
+                  <a:prstClr val="black"/>
+                </a:solidFill>
+                <a:latin typeface="Lucida Console" panose="020B0609040504020204" pitchFamily="49" charset="0"/>
+              </a:rPr>
+              <a:t>metadata:</a:t>
+            </a:r>
+          </a:p>
+          <a:p>
+            <a:r>
+              <a:rPr lang="en-US" sz="1800" dirty="0">
+                <a:solidFill>
+                  <a:prstClr val="black"/>
+                </a:solidFill>
+                <a:latin typeface="Lucida Console" panose="020B0609040504020204" pitchFamily="49" charset="0"/>
+              </a:rPr>
+              <a:t>  name: {{ include "my-</a:t>
+            </a:r>
+            <a:r>
+              <a:rPr lang="en-US" sz="1800" dirty="0" err="1">
+                <a:solidFill>
+                  <a:prstClr val="black"/>
+                </a:solidFill>
+                <a:latin typeface="Lucida Console" panose="020B0609040504020204" pitchFamily="49" charset="0"/>
+              </a:rPr>
+              <a:t>chart.fullname</a:t>
+            </a:r>
+            <a:r>
+              <a:rPr lang="en-US" sz="1800" dirty="0">
+                <a:solidFill>
+                  <a:prstClr val="black"/>
+                </a:solidFill>
+                <a:latin typeface="Lucida Console" panose="020B0609040504020204" pitchFamily="49" charset="0"/>
+              </a:rPr>
+              <a:t>" . }}</a:t>
+            </a:r>
+          </a:p>
+          <a:p>
+            <a:r>
+              <a:rPr lang="en-US" sz="1800" dirty="0">
+                <a:solidFill>
+                  <a:prstClr val="black"/>
+                </a:solidFill>
+                <a:latin typeface="Lucida Console" panose="020B0609040504020204" pitchFamily="49" charset="0"/>
+              </a:rPr>
+              <a:t>  labels:</a:t>
+            </a:r>
+          </a:p>
+          <a:p>
+            <a:r>
+              <a:rPr lang="en-US" sz="1800" dirty="0">
+                <a:solidFill>
+                  <a:prstClr val="black"/>
+                </a:solidFill>
+                <a:latin typeface="Lucida Console" panose="020B0609040504020204" pitchFamily="49" charset="0"/>
+              </a:rPr>
+              <a:t>    {{- include "my-</a:t>
+            </a:r>
+            <a:r>
+              <a:rPr lang="en-US" sz="1800" dirty="0" err="1">
+                <a:solidFill>
+                  <a:prstClr val="black"/>
+                </a:solidFill>
+                <a:latin typeface="Lucida Console" panose="020B0609040504020204" pitchFamily="49" charset="0"/>
+              </a:rPr>
+              <a:t>chart.labels</a:t>
+            </a:r>
+            <a:r>
+              <a:rPr lang="en-US" sz="1800" dirty="0">
+                <a:solidFill>
+                  <a:prstClr val="black"/>
+                </a:solidFill>
+                <a:latin typeface="Lucida Console" panose="020B0609040504020204" pitchFamily="49" charset="0"/>
+              </a:rPr>
+              <a:t>" . | </a:t>
+            </a:r>
+            <a:r>
+              <a:rPr lang="en-US" sz="1800" dirty="0" err="1">
+                <a:solidFill>
+                  <a:prstClr val="black"/>
+                </a:solidFill>
+                <a:latin typeface="Lucida Console" panose="020B0609040504020204" pitchFamily="49" charset="0"/>
+              </a:rPr>
+              <a:t>nindent</a:t>
+            </a:r>
+            <a:r>
+              <a:rPr lang="en-US" sz="1800" dirty="0">
+                <a:solidFill>
+                  <a:prstClr val="black"/>
+                </a:solidFill>
+                <a:latin typeface="Lucida Console" panose="020B0609040504020204" pitchFamily="49" charset="0"/>
+              </a:rPr>
+              <a:t> 4 }}</a:t>
+            </a:r>
+          </a:p>
+          <a:p>
+            <a:r>
+              <a:rPr lang="en-US" sz="1800" dirty="0">
+                <a:solidFill>
+                  <a:prstClr val="black"/>
+                </a:solidFill>
+                <a:latin typeface="Lucida Console" panose="020B0609040504020204" pitchFamily="49" charset="0"/>
+              </a:rPr>
+              <a:t>spec:</a:t>
+            </a:r>
+          </a:p>
+          <a:p>
+            <a:r>
+              <a:rPr lang="en-US" sz="1800" dirty="0">
+                <a:solidFill>
+                  <a:prstClr val="black"/>
+                </a:solidFill>
+                <a:latin typeface="Lucida Console" panose="020B0609040504020204" pitchFamily="49" charset="0"/>
+              </a:rPr>
+              <a:t>  type: {{ .</a:t>
+            </a:r>
+            <a:r>
+              <a:rPr lang="en-US" sz="1800" dirty="0" err="1">
+                <a:solidFill>
+                  <a:prstClr val="black"/>
+                </a:solidFill>
+                <a:latin typeface="Lucida Console" panose="020B0609040504020204" pitchFamily="49" charset="0"/>
+              </a:rPr>
+              <a:t>Values.service.type</a:t>
+            </a:r>
+            <a:r>
+              <a:rPr lang="en-US" sz="1800" dirty="0">
+                <a:solidFill>
+                  <a:prstClr val="black"/>
+                </a:solidFill>
+                <a:latin typeface="Lucida Console" panose="020B0609040504020204" pitchFamily="49" charset="0"/>
+              </a:rPr>
+              <a:t> }}</a:t>
+            </a:r>
+          </a:p>
+          <a:p>
+            <a:r>
+              <a:rPr lang="en-US" sz="1800" dirty="0">
+                <a:solidFill>
+                  <a:prstClr val="black"/>
+                </a:solidFill>
+                <a:latin typeface="Lucida Console" panose="020B0609040504020204" pitchFamily="49" charset="0"/>
+              </a:rPr>
+              <a:t>  ports:</a:t>
+            </a:r>
+          </a:p>
+          <a:p>
+            <a:r>
+              <a:rPr lang="en-US" sz="1800" dirty="0">
+                <a:solidFill>
+                  <a:prstClr val="black"/>
+                </a:solidFill>
+                <a:latin typeface="Lucida Console" panose="020B0609040504020204" pitchFamily="49" charset="0"/>
+              </a:rPr>
+              <a:t>    - port: {{ .</a:t>
+            </a:r>
+            <a:r>
+              <a:rPr lang="en-US" sz="1800" dirty="0" err="1">
+                <a:solidFill>
+                  <a:prstClr val="black"/>
+                </a:solidFill>
+                <a:latin typeface="Lucida Console" panose="020B0609040504020204" pitchFamily="49" charset="0"/>
+              </a:rPr>
+              <a:t>Values.service.port</a:t>
+            </a:r>
+            <a:r>
+              <a:rPr lang="en-US" sz="1800" dirty="0">
+                <a:solidFill>
+                  <a:prstClr val="black"/>
+                </a:solidFill>
+                <a:latin typeface="Lucida Console" panose="020B0609040504020204" pitchFamily="49" charset="0"/>
+              </a:rPr>
+              <a:t> }}</a:t>
+            </a:r>
+          </a:p>
+          <a:p>
+            <a:r>
+              <a:rPr lang="en-US" sz="1800" dirty="0">
+                <a:solidFill>
+                  <a:prstClr val="black"/>
+                </a:solidFill>
+                <a:latin typeface="Lucida Console" panose="020B0609040504020204" pitchFamily="49" charset="0"/>
+              </a:rPr>
+              <a:t>      </a:t>
+            </a:r>
+            <a:r>
+              <a:rPr lang="en-US" sz="1800" dirty="0" err="1">
+                <a:solidFill>
+                  <a:prstClr val="black"/>
+                </a:solidFill>
+                <a:latin typeface="Lucida Console" panose="020B0609040504020204" pitchFamily="49" charset="0"/>
+              </a:rPr>
+              <a:t>targetPort</a:t>
+            </a:r>
+            <a:r>
+              <a:rPr lang="en-US" sz="1800" dirty="0">
+                <a:solidFill>
+                  <a:prstClr val="black"/>
+                </a:solidFill>
+                <a:latin typeface="Lucida Console" panose="020B0609040504020204" pitchFamily="49" charset="0"/>
+              </a:rPr>
+              <a:t>: http</a:t>
+            </a:r>
+          </a:p>
+          <a:p>
+            <a:r>
+              <a:rPr lang="en-US" sz="1800" dirty="0">
+                <a:solidFill>
+                  <a:prstClr val="black"/>
+                </a:solidFill>
+                <a:latin typeface="Lucida Console" panose="020B0609040504020204" pitchFamily="49" charset="0"/>
+              </a:rPr>
+              <a:t>      protocol: TCP</a:t>
+            </a:r>
+          </a:p>
+          <a:p>
+            <a:r>
+              <a:rPr lang="en-US" sz="1800" dirty="0">
+                <a:solidFill>
+                  <a:prstClr val="black"/>
+                </a:solidFill>
+                <a:latin typeface="Lucida Console" panose="020B0609040504020204" pitchFamily="49" charset="0"/>
+              </a:rPr>
+              <a:t>      name: http</a:t>
+            </a:r>
+          </a:p>
+          <a:p>
+            <a:r>
+              <a:rPr lang="en-US" sz="1800" dirty="0">
+                <a:solidFill>
+                  <a:prstClr val="black"/>
+                </a:solidFill>
+                <a:latin typeface="Lucida Console" panose="020B0609040504020204" pitchFamily="49" charset="0"/>
+              </a:rPr>
+              <a:t>  selector:</a:t>
+            </a:r>
+          </a:p>
+          <a:p>
+            <a:r>
+              <a:rPr lang="en-US" sz="1800" dirty="0">
+                <a:solidFill>
+                  <a:prstClr val="black"/>
+                </a:solidFill>
+                <a:latin typeface="Lucida Console" panose="020B0609040504020204" pitchFamily="49" charset="0"/>
+              </a:rPr>
+              <a:t>    {{- include "my-</a:t>
+            </a:r>
+            <a:r>
+              <a:rPr lang="en-US" sz="1800" dirty="0" err="1">
+                <a:solidFill>
+                  <a:prstClr val="black"/>
+                </a:solidFill>
+                <a:latin typeface="Lucida Console" panose="020B0609040504020204" pitchFamily="49" charset="0"/>
+              </a:rPr>
+              <a:t>chart.selectorLabels</a:t>
+            </a:r>
+            <a:r>
+              <a:rPr lang="en-US" sz="1800" dirty="0">
+                <a:solidFill>
+                  <a:prstClr val="black"/>
+                </a:solidFill>
+                <a:latin typeface="Lucida Console" panose="020B0609040504020204" pitchFamily="49" charset="0"/>
+              </a:rPr>
+              <a:t>" . | </a:t>
+            </a:r>
+            <a:r>
+              <a:rPr lang="en-US" sz="1800" dirty="0" err="1">
+                <a:solidFill>
+                  <a:prstClr val="black"/>
+                </a:solidFill>
+                <a:latin typeface="Lucida Console" panose="020B0609040504020204" pitchFamily="49" charset="0"/>
+              </a:rPr>
+              <a:t>nindent</a:t>
+            </a:r>
+            <a:r>
+              <a:rPr lang="en-US" sz="1800" dirty="0">
+                <a:solidFill>
+                  <a:prstClr val="black"/>
+                </a:solidFill>
+                <a:latin typeface="Lucida Console" panose="020B0609040504020204" pitchFamily="49" charset="0"/>
+              </a:rPr>
+              <a:t> 4 }}</a:t>
+            </a:r>
+            <a:endParaRPr lang="en-US" dirty="0"/>
+          </a:p>
+        </p:txBody>
+      </p:sp>
+      <p:sp>
+        <p:nvSpPr>
+          <p:cNvPr id="10" name="TextBox 9">
+            <a:extLst>
+              <a:ext uri="{FF2B5EF4-FFF2-40B4-BE49-F238E27FC236}">
+                <a16:creationId xmlns:a16="http://schemas.microsoft.com/office/drawing/2014/main" id="{4F015C98-AD67-5C63-1579-B40E9A61B21B}"/>
+              </a:ext>
+            </a:extLst>
+          </p:cNvPr>
+          <p:cNvSpPr txBox="1"/>
+          <p:nvPr/>
+        </p:nvSpPr>
+        <p:spPr>
+          <a:xfrm>
+            <a:off x="767299" y="3506278"/>
+            <a:ext cx="3788229" cy="584775"/>
+          </a:xfrm>
+          <a:prstGeom prst="rect">
+            <a:avLst/>
+          </a:prstGeom>
+          <a:noFill/>
+        </p:spPr>
+        <p:txBody>
+          <a:bodyPr wrap="square" rtlCol="0">
+            <a:spAutoFit/>
+          </a:bodyPr>
+          <a:lstStyle/>
+          <a:p>
+            <a:r>
+              <a:rPr lang="en-US" sz="3200" dirty="0"/>
+              <a:t>Template </a:t>
+            </a:r>
+            <a:r>
+              <a:rPr lang="en-US" sz="3200" dirty="0" err="1"/>
+              <a:t>service.yaml</a:t>
+            </a:r>
+            <a:endParaRPr lang="en-US" sz="3200" dirty="0"/>
+          </a:p>
+        </p:txBody>
+      </p:sp>
+      <p:cxnSp>
+        <p:nvCxnSpPr>
+          <p:cNvPr id="12" name="Straight Connector 11">
+            <a:extLst>
+              <a:ext uri="{FF2B5EF4-FFF2-40B4-BE49-F238E27FC236}">
+                <a16:creationId xmlns:a16="http://schemas.microsoft.com/office/drawing/2014/main" id="{DC99F207-CCA6-8718-B10E-E65F6282D2D8}"/>
+              </a:ext>
+            </a:extLst>
+          </p:cNvPr>
+          <p:cNvCxnSpPr>
+            <a:cxnSpLocks/>
+          </p:cNvCxnSpPr>
+          <p:nvPr/>
+        </p:nvCxnSpPr>
+        <p:spPr>
+          <a:xfrm>
+            <a:off x="10156371" y="3506278"/>
+            <a:ext cx="0" cy="6217086"/>
+          </a:xfrm>
+          <a:prstGeom prst="line">
+            <a:avLst/>
+          </a:prstGeom>
+          <a:ln w="57150"/>
+        </p:spPr>
+        <p:style>
+          <a:lnRef idx="1">
+            <a:schemeClr val="dk1"/>
+          </a:lnRef>
+          <a:fillRef idx="0">
+            <a:schemeClr val="dk1"/>
+          </a:fillRef>
+          <a:effectRef idx="0">
+            <a:schemeClr val="dk1"/>
+          </a:effectRef>
+          <a:fontRef idx="minor">
+            <a:schemeClr val="tx1"/>
+          </a:fontRef>
+        </p:style>
+      </p:cxnSp>
+      <p:sp>
+        <p:nvSpPr>
+          <p:cNvPr id="2" name="TextBox 1">
+            <a:extLst>
+              <a:ext uri="{FF2B5EF4-FFF2-40B4-BE49-F238E27FC236}">
+                <a16:creationId xmlns:a16="http://schemas.microsoft.com/office/drawing/2014/main" id="{26FF84DB-9E83-4FB8-6E8A-6F8FEF75DA9E}"/>
+              </a:ext>
+            </a:extLst>
+          </p:cNvPr>
+          <p:cNvSpPr txBox="1"/>
+          <p:nvPr/>
+        </p:nvSpPr>
+        <p:spPr>
+          <a:xfrm>
+            <a:off x="17508906" y="9659383"/>
+            <a:ext cx="464024" cy="369332"/>
+          </a:xfrm>
+          <a:prstGeom prst="rect">
+            <a:avLst/>
+          </a:prstGeom>
+          <a:noFill/>
+        </p:spPr>
+        <p:txBody>
+          <a:bodyPr wrap="square" rtlCol="0">
+            <a:spAutoFit/>
+          </a:bodyPr>
+          <a:lstStyle/>
+          <a:p>
+            <a:r>
+              <a:rPr lang="en-US" dirty="0">
+                <a:solidFill>
+                  <a:schemeClr val="accent2">
+                    <a:lumMod val="50000"/>
+                  </a:schemeClr>
+                </a:solidFill>
+              </a:rPr>
+              <a:t>16</a:t>
+            </a:r>
+          </a:p>
+        </p:txBody>
+      </p:sp>
+    </p:spTree>
+    <p:extLst>
+      <p:ext uri="{BB962C8B-B14F-4D97-AF65-F5344CB8AC3E}">
+        <p14:creationId xmlns:p14="http://schemas.microsoft.com/office/powerpoint/2010/main" val="2065251266"/>
+      </p:ext>
+    </p:extLst>
+  </p:cSld>
+  <p:clrMapOvr>
+    <a:masterClrMapping/>
+  </p:clrMapOvr>
+</p:sld>
+</file>
+
+<file path=ppt/slides/slide17.xml><?xml version="1.0" encoding="utf-8"?>
+<p:sld xmlns:a="http://schemas.openxmlformats.org/drawingml/2006/main" xmlns:r="http://schemas.openxmlformats.org/officeDocument/2006/relationships" xmlns:p="http://schemas.openxmlformats.org/presentationml/2006/main">
+  <p:cSld>
+    <p:spTree>
+      <p:nvGrpSpPr>
+        <p:cNvPr id="1" name=""/>
+        <p:cNvGrpSpPr/>
+        <p:nvPr/>
+      </p:nvGrpSpPr>
+      <p:grpSpPr>
+        <a:xfrm>
+          <a:off x="0" y="0"/>
+          <a:ext cx="0" cy="0"/>
+          <a:chOff x="0" y="0"/>
+          <a:chExt cx="0" cy="0"/>
+        </a:xfrm>
+      </p:grpSpPr>
+      <p:sp>
+        <p:nvSpPr>
+          <p:cNvPr id="3" name="Title 2">
+            <a:extLst>
+              <a:ext uri="{FF2B5EF4-FFF2-40B4-BE49-F238E27FC236}">
+                <a16:creationId xmlns:a16="http://schemas.microsoft.com/office/drawing/2014/main" id="{706501E4-6246-A606-7483-C427CF30CD57}"/>
+              </a:ext>
+            </a:extLst>
+          </p:cNvPr>
+          <p:cNvSpPr>
+            <a:spLocks noGrp="1"/>
+          </p:cNvSpPr>
+          <p:nvPr>
+            <p:ph type="title"/>
+          </p:nvPr>
+        </p:nvSpPr>
+        <p:spPr/>
+        <p:txBody>
+          <a:bodyPr/>
+          <a:lstStyle/>
+          <a:p>
+            <a:r>
+              <a:rPr lang="en-US" dirty="0">
+                <a:solidFill>
+                  <a:schemeClr val="accent1">
+                    <a:lumMod val="50000"/>
+                  </a:schemeClr>
+                </a:solidFill>
+              </a:rPr>
               <a:t>Q&amp;A: story</a:t>
             </a:r>
-            <a:endParaRPr lang="en-RU" dirty="0"/>
+            <a:endParaRPr lang="en-RU" dirty="0">
+              <a:solidFill>
+                <a:schemeClr val="accent1">
+                  <a:lumMod val="50000"/>
+                </a:schemeClr>
+              </a:solidFill>
+            </a:endParaRPr>
           </a:p>
         </p:txBody>
       </p:sp>
@@ -13845,21 +14956,45 @@
           <a:lstStyle/>
           <a:p>
             <a:r>
-              <a:rPr lang="en-US" dirty="0"/>
+              <a:rPr lang="en-US" dirty="0">
+                <a:solidFill>
+                  <a:schemeClr val="accent1">
+                    <a:lumMod val="50000"/>
+                  </a:schemeClr>
+                </a:solidFill>
+              </a:rPr>
               <a:t>WHY do we need this?</a:t>
             </a:r>
           </a:p>
           <a:p>
             <a:r>
-              <a:rPr lang="en-US" dirty="0"/>
+              <a:rPr lang="en-US" dirty="0">
+                <a:solidFill>
+                  <a:schemeClr val="accent1">
+                    <a:lumMod val="50000"/>
+                  </a:schemeClr>
+                </a:solidFill>
+              </a:rPr>
               <a:t>To see </a:t>
             </a:r>
             <a:r>
-              <a:rPr lang="en-US" dirty="0" err="1"/>
+              <a:rPr lang="en-US" dirty="0" err="1">
+                <a:solidFill>
+                  <a:schemeClr val="accent1">
+                    <a:lumMod val="50000"/>
+                  </a:schemeClr>
+                </a:solidFill>
+              </a:rPr>
               <a:t>usecases</a:t>
             </a:r>
             <a:r>
-              <a:rPr lang="en-US" dirty="0"/>
+              <a:rPr lang="en-US" dirty="0">
+                <a:solidFill>
+                  <a:schemeClr val="accent1">
+                    <a:lumMod val="50000"/>
+                  </a:schemeClr>
+                </a:solidFill>
+              </a:rPr>
               <a:t>.</a:t>
             </a:r>
           </a:p>
@@ -13894,8 +15029,14 @@
           <a:lstStyle/>
           <a:p>
             <a:r>
-              <a:rPr lang="en-US" dirty="0"/>
-              <a:t>14</a:t>
+              <a:rPr lang="en-US" dirty="0">
+                <a:solidFill>
+                  <a:schemeClr val="accent1">
+                    <a:lumMod val="50000"/>
+                  </a:schemeClr>
+                </a:solidFill>
+              </a:rPr>
+              <a:t>17</a:t>
             </a:r>
           </a:p>
         </p:txBody>
@@ -14020,7 +15161,13 @@
           <a:lstStyle/>
           <a:p>
             <a:r>
-              <a:rPr lang="en-US" dirty="0"/>
+              <a:rPr lang="en-US" dirty="0">
+                <a:solidFill>
+                  <a:schemeClr val="accent1">
+                    <a:lumMod val="50000"/>
+                  </a:schemeClr>
+                </a:solidFill>
+              </a:rPr>
               <a:t>Alice</a:t>
             </a:r>
           </a:p>
@@ -14094,7 +15241,13 @@
           <a:lstStyle/>
           <a:p>
             <a:r>
-              <a:rPr lang="en-US" dirty="0"/>
+              <a:rPr lang="en-US" dirty="0">
+                <a:solidFill>
+                  <a:schemeClr val="accent1">
+                    <a:lumMod val="50000"/>
+                  </a:schemeClr>
+                </a:solidFill>
+              </a:rPr>
               <a:t>Bob</a:t>
             </a:r>
           </a:p>
@@ -14156,6 +15309,683 @@
     <p:extLst>
       <p:ext uri="{BB962C8B-B14F-4D97-AF65-F5344CB8AC3E}">
         <p14:creationId xmlns:p14="http://schemas.microsoft.com/office/powerpoint/2010/main" val="387847561"/>
+      </p:ext>
+    </p:extLst>
+  </p:cSld>
+  <p:clrMapOvr>
+    <a:masterClrMapping/>
+  </p:clrMapOvr>
+</p:sld>
+</file>
+
+<file path=ppt/slides/slide18.xml><?xml version="1.0" encoding="utf-8"?>
+<p:sld xmlns:a="http://schemas.openxmlformats.org/drawingml/2006/main" xmlns:r="http://schemas.openxmlformats.org/officeDocument/2006/relationships" xmlns:p="http://schemas.openxmlformats.org/presentationml/2006/main">
+  <p:cSld>
+    <p:spTree>
+      <p:nvGrpSpPr>
+        <p:cNvPr id="1" name=""/>
+        <p:cNvGrpSpPr/>
+        <p:nvPr/>
+      </p:nvGrpSpPr>
+      <p:grpSpPr>
+        <a:xfrm>
+          <a:off x="0" y="0"/>
+          <a:ext cx="0" cy="0"/>
+          <a:chOff x="0" y="0"/>
+          <a:chExt cx="0" cy="0"/>
+        </a:xfrm>
+      </p:grpSpPr>
+      <p:sp>
+        <p:nvSpPr>
+          <p:cNvPr id="3" name="Title 2">
+            <a:extLst>
+              <a:ext uri="{FF2B5EF4-FFF2-40B4-BE49-F238E27FC236}">
+                <a16:creationId xmlns:a16="http://schemas.microsoft.com/office/drawing/2014/main" id="{706501E4-6246-A606-7483-C427CF30CD57}"/>
+              </a:ext>
+            </a:extLst>
+          </p:cNvPr>
+          <p:cNvSpPr>
+            <a:spLocks noGrp="1"/>
+          </p:cNvSpPr>
+          <p:nvPr>
+            <p:ph type="title"/>
+          </p:nvPr>
+        </p:nvSpPr>
+        <p:spPr/>
+        <p:txBody>
+          <a:bodyPr/>
+          <a:lstStyle/>
+          <a:p>
+            <a:r>
+              <a:rPr lang="en-US" dirty="0">
+                <a:solidFill>
+                  <a:schemeClr val="accent5">
+                    <a:lumMod val="50000"/>
+                  </a:schemeClr>
+                </a:solidFill>
+              </a:rPr>
+              <a:t>Task</a:t>
+            </a:r>
+            <a:endParaRPr lang="en-RU" dirty="0">
+              <a:solidFill>
+                <a:schemeClr val="accent5">
+                  <a:lumMod val="50000"/>
+                </a:schemeClr>
+              </a:solidFill>
+            </a:endParaRPr>
+          </a:p>
+        </p:txBody>
+      </p:sp>
+      <p:sp>
+        <p:nvSpPr>
+          <p:cNvPr id="2" name="TextBox 1">
+            <a:extLst>
+              <a:ext uri="{FF2B5EF4-FFF2-40B4-BE49-F238E27FC236}">
+                <a16:creationId xmlns:a16="http://schemas.microsoft.com/office/drawing/2014/main" id="{AA4ACA97-5B52-34DD-BDB2-C2C151A36505}"/>
+              </a:ext>
+            </a:extLst>
+          </p:cNvPr>
+          <p:cNvSpPr txBox="1"/>
+          <p:nvPr/>
+        </p:nvSpPr>
+        <p:spPr>
+          <a:xfrm>
+            <a:off x="10654302" y="1111118"/>
+            <a:ext cx="3513762" cy="646331"/>
+          </a:xfrm>
+          <a:prstGeom prst="rect">
+            <a:avLst/>
+          </a:prstGeom>
+          <a:noFill/>
+        </p:spPr>
+        <p:txBody>
+          <a:bodyPr wrap="square" rtlCol="0">
+            <a:spAutoFit/>
+          </a:bodyPr>
+          <a:lstStyle/>
+          <a:p>
+            <a:r>
+              <a:rPr lang="en-US" dirty="0">
+                <a:solidFill>
+                  <a:schemeClr val="accent5">
+                    <a:lumMod val="50000"/>
+                  </a:schemeClr>
+                </a:solidFill>
+              </a:rPr>
+              <a:t>WHY do we need this?</a:t>
+            </a:r>
+          </a:p>
+          <a:p>
+            <a:r>
+              <a:rPr lang="en-US" dirty="0">
+                <a:solidFill>
+                  <a:schemeClr val="accent5">
+                    <a:lumMod val="50000"/>
+                  </a:schemeClr>
+                </a:solidFill>
+              </a:rPr>
+              <a:t>To practice (</a:t>
+            </a:r>
+            <a:r>
+              <a:rPr lang="ru-RU" dirty="0">
+                <a:solidFill>
+                  <a:schemeClr val="accent5">
+                    <a:lumMod val="50000"/>
+                  </a:schemeClr>
+                </a:solidFill>
+              </a:rPr>
+              <a:t>:</a:t>
+            </a:r>
+            <a:endParaRPr lang="en-US" dirty="0">
+              <a:solidFill>
+                <a:schemeClr val="accent5">
+                  <a:lumMod val="50000"/>
+                </a:schemeClr>
+              </a:solidFill>
+            </a:endParaRPr>
+          </a:p>
+        </p:txBody>
+      </p:sp>
+      <p:sp>
+        <p:nvSpPr>
+          <p:cNvPr id="4" name="TextBox 3">
+            <a:extLst>
+              <a:ext uri="{FF2B5EF4-FFF2-40B4-BE49-F238E27FC236}">
+                <a16:creationId xmlns:a16="http://schemas.microsoft.com/office/drawing/2014/main" id="{95BAC16E-7ACC-94DF-5B4C-368367FB7A4D}"/>
+              </a:ext>
+            </a:extLst>
+          </p:cNvPr>
+          <p:cNvSpPr txBox="1"/>
+          <p:nvPr/>
+        </p:nvSpPr>
+        <p:spPr>
+          <a:xfrm>
+            <a:off x="17508906" y="9659383"/>
+            <a:ext cx="464024" cy="369332"/>
+          </a:xfrm>
+          <a:prstGeom prst="rect">
+            <a:avLst/>
+          </a:prstGeom>
+          <a:noFill/>
+        </p:spPr>
+        <p:txBody>
+          <a:bodyPr wrap="square" rtlCol="0">
+            <a:spAutoFit/>
+          </a:bodyPr>
+          <a:lstStyle/>
+          <a:p>
+            <a:r>
+              <a:rPr lang="en-US" dirty="0">
+                <a:solidFill>
+                  <a:schemeClr val="accent5">
+                    <a:lumMod val="50000"/>
+                  </a:schemeClr>
+                </a:solidFill>
+              </a:rPr>
+              <a:t>18</a:t>
+            </a:r>
+          </a:p>
+        </p:txBody>
+      </p:sp>
+      <p:sp>
+        <p:nvSpPr>
+          <p:cNvPr id="5" name="Sun 4">
+            <a:extLst>
+              <a:ext uri="{FF2B5EF4-FFF2-40B4-BE49-F238E27FC236}">
+                <a16:creationId xmlns:a16="http://schemas.microsoft.com/office/drawing/2014/main" id="{A5A39E55-B16C-11B1-A82F-60B6F8216AA4}"/>
+              </a:ext>
+            </a:extLst>
+          </p:cNvPr>
+          <p:cNvSpPr/>
+          <p:nvPr/>
+        </p:nvSpPr>
+        <p:spPr>
+          <a:xfrm>
+            <a:off x="3901475" y="1997747"/>
+            <a:ext cx="10485049" cy="7790347"/>
+          </a:xfrm>
+          <a:prstGeom prst="sun">
+            <a:avLst/>
+          </a:prstGeom>
+        </p:spPr>
+        <p:style>
+          <a:lnRef idx="2">
+            <a:schemeClr val="accent5">
+              <a:shade val="50000"/>
+            </a:schemeClr>
+          </a:lnRef>
+          <a:fillRef idx="1">
+            <a:schemeClr val="accent5"/>
+          </a:fillRef>
+          <a:effectRef idx="0">
+            <a:schemeClr val="accent5"/>
+          </a:effectRef>
+          <a:fontRef idx="minor">
+            <a:schemeClr val="lt1"/>
+          </a:fontRef>
+        </p:style>
+        <p:txBody>
+          <a:bodyPr rtlCol="0" anchor="ctr"/>
+          <a:lstStyle/>
+          <a:p>
+            <a:pPr algn="ctr"/>
+            <a:r>
+              <a:rPr lang="en-US" dirty="0"/>
+              <a:t>Turn your application into helm-chart. Make mountpoint, ingress path, NAME, PASSWORD and USER configurable. Try setting another values with –set flag.</a:t>
+            </a:r>
+          </a:p>
+        </p:txBody>
+      </p:sp>
+    </p:spTree>
+    <p:extLst>
+      <p:ext uri="{BB962C8B-B14F-4D97-AF65-F5344CB8AC3E}">
+        <p14:creationId xmlns:p14="http://schemas.microsoft.com/office/powerpoint/2010/main" val="1330805269"/>
+      </p:ext>
+    </p:extLst>
+  </p:cSld>
+  <p:clrMapOvr>
+    <a:masterClrMapping/>
+  </p:clrMapOvr>
+</p:sld>
+</file>
+
+<file path=ppt/slides/slide19.xml><?xml version="1.0" encoding="utf-8"?>
+<p:sld xmlns:a="http://schemas.openxmlformats.org/drawingml/2006/main" xmlns:r="http://schemas.openxmlformats.org/officeDocument/2006/relationships" xmlns:p="http://schemas.openxmlformats.org/presentationml/2006/main">
+  <p:cSld>
+    <p:spTree>
+      <p:nvGrpSpPr>
+        <p:cNvPr id="1" name=""/>
+        <p:cNvGrpSpPr/>
+        <p:nvPr/>
+      </p:nvGrpSpPr>
+      <p:grpSpPr>
+        <a:xfrm>
+          <a:off x="0" y="0"/>
+          <a:ext cx="0" cy="0"/>
+          <a:chOff x="0" y="0"/>
+          <a:chExt cx="0" cy="0"/>
+        </a:xfrm>
+      </p:grpSpPr>
+      <p:sp>
+        <p:nvSpPr>
+          <p:cNvPr id="3" name="Title 2">
+            <a:extLst>
+              <a:ext uri="{FF2B5EF4-FFF2-40B4-BE49-F238E27FC236}">
+                <a16:creationId xmlns:a16="http://schemas.microsoft.com/office/drawing/2014/main" id="{706501E4-6246-A606-7483-C427CF30CD57}"/>
+              </a:ext>
+            </a:extLst>
+          </p:cNvPr>
+          <p:cNvSpPr>
+            <a:spLocks noGrp="1"/>
+          </p:cNvSpPr>
+          <p:nvPr>
+            <p:ph type="title"/>
+          </p:nvPr>
+        </p:nvSpPr>
+        <p:spPr/>
+        <p:txBody>
+          <a:bodyPr/>
+          <a:lstStyle/>
+          <a:p>
+            <a:r>
+              <a:rPr lang="en-US" dirty="0"/>
+              <a:t>Reference</a:t>
+            </a:r>
+            <a:endParaRPr lang="en-RU" dirty="0"/>
+          </a:p>
+        </p:txBody>
+      </p:sp>
+      <p:sp>
+        <p:nvSpPr>
+          <p:cNvPr id="2" name="TextBox 1">
+            <a:extLst>
+              <a:ext uri="{FF2B5EF4-FFF2-40B4-BE49-F238E27FC236}">
+                <a16:creationId xmlns:a16="http://schemas.microsoft.com/office/drawing/2014/main" id="{AA4ACA97-5B52-34DD-BDB2-C2C151A36505}"/>
+              </a:ext>
+            </a:extLst>
+          </p:cNvPr>
+          <p:cNvSpPr txBox="1"/>
+          <p:nvPr/>
+        </p:nvSpPr>
+        <p:spPr>
+          <a:xfrm>
+            <a:off x="10654302" y="1111118"/>
+            <a:ext cx="3513762" cy="646331"/>
+          </a:xfrm>
+          <a:prstGeom prst="rect">
+            <a:avLst/>
+          </a:prstGeom>
+          <a:noFill/>
+        </p:spPr>
+        <p:txBody>
+          <a:bodyPr wrap="square" rtlCol="0">
+            <a:spAutoFit/>
+          </a:bodyPr>
+          <a:lstStyle/>
+          <a:p>
+            <a:r>
+              <a:rPr lang="en-US" dirty="0"/>
+              <a:t>WHY do we need this?</a:t>
+            </a:r>
+          </a:p>
+          <a:p>
+            <a:r>
+              <a:rPr lang="en-US" dirty="0"/>
+              <a:t>To broaden knowledge.</a:t>
+            </a:r>
+          </a:p>
+        </p:txBody>
+      </p:sp>
+      <p:sp>
+        <p:nvSpPr>
+          <p:cNvPr id="4" name="TextBox 3">
+            <a:extLst>
+              <a:ext uri="{FF2B5EF4-FFF2-40B4-BE49-F238E27FC236}">
+                <a16:creationId xmlns:a16="http://schemas.microsoft.com/office/drawing/2014/main" id="{95BAC16E-7ACC-94DF-5B4C-368367FB7A4D}"/>
+              </a:ext>
+            </a:extLst>
+          </p:cNvPr>
+          <p:cNvSpPr txBox="1"/>
+          <p:nvPr/>
+        </p:nvSpPr>
+        <p:spPr>
+          <a:xfrm>
+            <a:off x="17508906" y="9659383"/>
+            <a:ext cx="464024" cy="369332"/>
+          </a:xfrm>
+          <a:prstGeom prst="rect">
+            <a:avLst/>
+          </a:prstGeom>
+          <a:noFill/>
+        </p:spPr>
+        <p:txBody>
+          <a:bodyPr wrap="square" rtlCol="0">
+            <a:spAutoFit/>
+          </a:bodyPr>
+          <a:lstStyle/>
+          <a:p>
+            <a:r>
+              <a:rPr lang="en-US" dirty="0"/>
+              <a:t>19</a:t>
+            </a:r>
+          </a:p>
+        </p:txBody>
+      </p:sp>
+      <p:graphicFrame>
+        <p:nvGraphicFramePr>
+          <p:cNvPr id="9" name="Table 9">
+            <a:extLst>
+              <a:ext uri="{FF2B5EF4-FFF2-40B4-BE49-F238E27FC236}">
+                <a16:creationId xmlns:a16="http://schemas.microsoft.com/office/drawing/2014/main" id="{03C539BE-A399-5139-CEA3-332D56ACF37B}"/>
+              </a:ext>
+            </a:extLst>
+          </p:cNvPr>
+          <p:cNvGraphicFramePr>
+            <a:graphicFrameLocks noGrp="1"/>
+          </p:cNvGraphicFramePr>
+          <p:nvPr>
+            <p:ph idx="1"/>
+            <p:extLst>
+              <p:ext uri="{D42A27DB-BD31-4B8C-83A1-F6EECF244321}">
+                <p14:modId xmlns:p14="http://schemas.microsoft.com/office/powerpoint/2010/main" val="1472148381"/>
+              </p:ext>
+            </p:extLst>
+          </p:nvPr>
+        </p:nvGraphicFramePr>
+        <p:xfrm>
+          <a:off x="1476375" y="3344863"/>
+          <a:ext cx="15335250" cy="3932936"/>
+        </p:xfrm>
+        <a:graphic>
+          <a:graphicData uri="http://schemas.openxmlformats.org/drawingml/2006/table">
+            <a:tbl>
+              <a:tblPr firstRow="1" bandRow="1">
+                <a:tableStyleId>{5C22544A-7EE6-4342-B048-85BDC9FD1C3A}</a:tableStyleId>
+              </a:tblPr>
+              <a:tblGrid>
+                <a:gridCol w="2617953">
+                  <a:extLst>
+                    <a:ext uri="{9D8B030D-6E8A-4147-A177-3AD203B41FA5}">
+                      <a16:colId xmlns:a16="http://schemas.microsoft.com/office/drawing/2014/main" val="4004018695"/>
+                    </a:ext>
+                  </a:extLst>
+                </a:gridCol>
+                <a:gridCol w="12717297">
+                  <a:extLst>
+                    <a:ext uri="{9D8B030D-6E8A-4147-A177-3AD203B41FA5}">
+                      <a16:colId xmlns:a16="http://schemas.microsoft.com/office/drawing/2014/main" val="3195669779"/>
+                    </a:ext>
+                  </a:extLst>
+                </a:gridCol>
+              </a:tblGrid>
+              <a:tr h="370840">
+                <a:tc>
+                  <a:txBody>
+                    <a:bodyPr/>
+                    <a:lstStyle/>
+                    <a:p>
+                      <a:r>
+                        <a:rPr lang="en-US" dirty="0"/>
+                        <a:t>Name</a:t>
+                      </a:r>
+                    </a:p>
+                  </a:txBody>
+                  <a:tcPr/>
+                </a:tc>
+                <a:tc>
+                  <a:txBody>
+                    <a:bodyPr/>
+                    <a:lstStyle/>
+                    <a:p>
+                      <a:r>
+                        <a:rPr lang="en-US" dirty="0"/>
+                        <a:t>Link</a:t>
+                      </a:r>
+                    </a:p>
+                  </a:txBody>
+                  <a:tcPr/>
+                </a:tc>
+                <a:extLst>
+                  <a:ext uri="{0D108BD9-81ED-4DB2-BD59-A6C34878D82A}">
+                    <a16:rowId xmlns:a16="http://schemas.microsoft.com/office/drawing/2014/main" val="787482062"/>
+                  </a:ext>
+                </a:extLst>
+              </a:tr>
+              <a:tr h="370840">
+                <a:tc>
+                  <a:txBody>
+                    <a:bodyPr/>
+                    <a:lstStyle/>
+                    <a:p>
+                      <a:r>
+                        <a:rPr lang="en-US" dirty="0"/>
+                        <a:t>Secrets</a:t>
+                      </a:r>
+                    </a:p>
+                  </a:txBody>
+                  <a:tcPr/>
+                </a:tc>
+                <a:tc>
+                  <a:txBody>
+                    <a:bodyPr/>
+                    <a:lstStyle/>
+                    <a:p>
+                      <a:r>
+                        <a:rPr lang="en-US" dirty="0">
+                          <a:hlinkClick r:id="rId2"/>
+                        </a:rPr>
+                        <a:t>https://kubernetes.io/docs/concepts/configuration/secret/</a:t>
+                      </a:r>
+                      <a:endParaRPr lang="en-US" dirty="0"/>
+                    </a:p>
+                  </a:txBody>
+                  <a:tcPr/>
+                </a:tc>
+                <a:extLst>
+                  <a:ext uri="{0D108BD9-81ED-4DB2-BD59-A6C34878D82A}">
+                    <a16:rowId xmlns:a16="http://schemas.microsoft.com/office/drawing/2014/main" val="2427679463"/>
+                  </a:ext>
+                </a:extLst>
+              </a:tr>
+              <a:tr h="370840">
+                <a:tc>
+                  <a:txBody>
+                    <a:bodyPr/>
+                    <a:lstStyle/>
+                    <a:p>
+                      <a:r>
+                        <a:rPr lang="en-US" dirty="0" err="1"/>
+                        <a:t>Configmaps</a:t>
+                      </a:r>
+                      <a:endParaRPr lang="en-US" dirty="0"/>
+                    </a:p>
+                  </a:txBody>
+                  <a:tcPr/>
+                </a:tc>
+                <a:tc>
+                  <a:txBody>
+                    <a:bodyPr/>
+                    <a:lstStyle/>
+                    <a:p>
+                      <a:r>
+                        <a:rPr lang="en-US" dirty="0">
+                          <a:hlinkClick r:id="rId3"/>
+                        </a:rPr>
+                        <a:t>https://kubernetes.io/docs/concepts/configuration/configmap/</a:t>
+                      </a:r>
+                      <a:endParaRPr lang="en-US" dirty="0"/>
+                    </a:p>
+                  </a:txBody>
+                  <a:tcPr/>
+                </a:tc>
+                <a:extLst>
+                  <a:ext uri="{0D108BD9-81ED-4DB2-BD59-A6C34878D82A}">
+                    <a16:rowId xmlns:a16="http://schemas.microsoft.com/office/drawing/2014/main" val="3358975719"/>
+                  </a:ext>
+                </a:extLst>
+              </a:tr>
+              <a:tr h="370840">
+                <a:tc>
+                  <a:txBody>
+                    <a:bodyPr/>
+                    <a:lstStyle/>
+                    <a:p>
+                      <a:r>
+                        <a:rPr lang="en-US" dirty="0"/>
+                        <a:t>PV/PVC</a:t>
+                      </a:r>
+                    </a:p>
+                  </a:txBody>
+                  <a:tcPr/>
+                </a:tc>
+                <a:tc>
+                  <a:txBody>
+                    <a:bodyPr/>
+                    <a:lstStyle/>
+                    <a:p>
+                      <a:r>
+                        <a:rPr lang="en-US" dirty="0">
+                          <a:hlinkClick r:id="rId4"/>
+                        </a:rPr>
+                        <a:t>https://kubernetes.io/docs/concepts/storage/persistent-volumes/</a:t>
+                      </a:r>
+                      <a:endParaRPr lang="en-US" dirty="0"/>
+                    </a:p>
+                  </a:txBody>
+                  <a:tcPr/>
+                </a:tc>
+                <a:extLst>
+                  <a:ext uri="{0D108BD9-81ED-4DB2-BD59-A6C34878D82A}">
+                    <a16:rowId xmlns:a16="http://schemas.microsoft.com/office/drawing/2014/main" val="696254682"/>
+                  </a:ext>
+                </a:extLst>
+              </a:tr>
+              <a:tr h="370840">
+                <a:tc>
+                  <a:txBody>
+                    <a:bodyPr/>
+                    <a:lstStyle/>
+                    <a:p>
+                      <a:r>
+                        <a:rPr lang="en-US" dirty="0" err="1"/>
+                        <a:t>Stetefulset</a:t>
+                      </a:r>
+                      <a:endParaRPr lang="en-US" dirty="0"/>
+                    </a:p>
+                  </a:txBody>
+                  <a:tcPr/>
+                </a:tc>
+                <a:tc>
+                  <a:txBody>
+                    <a:bodyPr/>
+                    <a:lstStyle/>
+                    <a:p>
+                      <a:r>
+                        <a:rPr lang="en-US" dirty="0">
+                          <a:hlinkClick r:id="rId5"/>
+                        </a:rPr>
+                        <a:t>https://kubernetes.io/docs/concepts/workloads/controllers/statefulset/</a:t>
+                      </a:r>
+                      <a:endParaRPr lang="en-US" dirty="0"/>
+                    </a:p>
+                  </a:txBody>
+                  <a:tcPr/>
+                </a:tc>
+                <a:extLst>
+                  <a:ext uri="{0D108BD9-81ED-4DB2-BD59-A6C34878D82A}">
+                    <a16:rowId xmlns:a16="http://schemas.microsoft.com/office/drawing/2014/main" val="2522316559"/>
+                  </a:ext>
+                </a:extLst>
+              </a:tr>
+              <a:tr h="370840">
+                <a:tc>
+                  <a:txBody>
+                    <a:bodyPr/>
+                    <a:lstStyle/>
+                    <a:p>
+                      <a:r>
+                        <a:rPr lang="en-US" dirty="0"/>
+                        <a:t>Headless Service</a:t>
+                      </a:r>
+                    </a:p>
+                  </a:txBody>
+                  <a:tcPr/>
+                </a:tc>
+                <a:tc>
+                  <a:txBody>
+                    <a:bodyPr/>
+                    <a:lstStyle/>
+                    <a:p>
+                      <a:r>
+                        <a:rPr lang="en-US" dirty="0">
+                          <a:hlinkClick r:id="rId6"/>
+                        </a:rPr>
+                        <a:t>https://itnext.io/exposing-statefulsets-in-kubernetes-698730fb92a1</a:t>
+                      </a:r>
+                      <a:endParaRPr lang="en-US" dirty="0"/>
+                    </a:p>
+                    <a:p>
+                      <a:r>
+                        <a:rPr lang="en-US" dirty="0">
+                          <a:hlinkClick r:id="rId7"/>
+                        </a:rPr>
+                        <a:t>https://kubernetes.io/docs/concepts/services-networking/service/#headless-services</a:t>
+                      </a:r>
+                      <a:endParaRPr lang="en-US" dirty="0"/>
+                    </a:p>
+                  </a:txBody>
+                  <a:tcPr/>
+                </a:tc>
+                <a:extLst>
+                  <a:ext uri="{0D108BD9-81ED-4DB2-BD59-A6C34878D82A}">
+                    <a16:rowId xmlns:a16="http://schemas.microsoft.com/office/drawing/2014/main" val="745215671"/>
+                  </a:ext>
+                </a:extLst>
+              </a:tr>
+              <a:tr h="370840">
+                <a:tc>
+                  <a:txBody>
+                    <a:bodyPr/>
+                    <a:lstStyle/>
+                    <a:p>
+                      <a:r>
+                        <a:rPr lang="en-US" dirty="0"/>
+                        <a:t>Helm</a:t>
+                      </a:r>
+                    </a:p>
+                  </a:txBody>
+                  <a:tcPr/>
+                </a:tc>
+                <a:tc>
+                  <a:txBody>
+                    <a:bodyPr/>
+                    <a:lstStyle/>
+                    <a:p>
+                      <a:r>
+                        <a:rPr lang="en-US" dirty="0">
+                          <a:hlinkClick r:id="rId8"/>
+                        </a:rPr>
+                        <a:t>https://helm.sh/docs/howto/charts_tips_and_tricks/</a:t>
+                      </a:r>
+                      <a:endParaRPr lang="en-US" dirty="0"/>
+                    </a:p>
+                  </a:txBody>
+                  <a:tcPr/>
+                </a:tc>
+                <a:extLst>
+                  <a:ext uri="{0D108BD9-81ED-4DB2-BD59-A6C34878D82A}">
+                    <a16:rowId xmlns:a16="http://schemas.microsoft.com/office/drawing/2014/main" val="3588509633"/>
+                  </a:ext>
+                </a:extLst>
+              </a:tr>
+            </a:tbl>
+          </a:graphicData>
+        </a:graphic>
+      </p:graphicFrame>
+    </p:spTree>
+    <p:extLst>
+      <p:ext uri="{BB962C8B-B14F-4D97-AF65-F5344CB8AC3E}">
+        <p14:creationId xmlns:p14="http://schemas.microsoft.com/office/powerpoint/2010/main" val="1607709534"/>
       </p:ext>
     </p:extLst>
   </p:cSld>
@@ -14184,6 +16014,1032 @@
       </p:grpSpPr>
       <p:sp>
         <p:nvSpPr>
+          <p:cNvPr id="6" name="Freeform: Shape 5">
+            <a:extLst>
+              <a:ext uri="{FF2B5EF4-FFF2-40B4-BE49-F238E27FC236}">
+                <a16:creationId xmlns:a16="http://schemas.microsoft.com/office/drawing/2014/main" id="{9264EB62-AD76-4A81-67DA-717D97763CC0}"/>
+              </a:ext>
+            </a:extLst>
+          </p:cNvPr>
+          <p:cNvSpPr/>
+          <p:nvPr/>
+        </p:nvSpPr>
+        <p:spPr>
+          <a:xfrm>
+            <a:off x="1228299" y="3345064"/>
+            <a:ext cx="6455391" cy="940333"/>
+          </a:xfrm>
+          <a:custGeom>
+            <a:avLst/>
+            <a:gdLst>
+              <a:gd name="connsiteX0" fmla="*/ 0 w 6455391"/>
+              <a:gd name="connsiteY0" fmla="*/ 68239 h 996287"/>
+              <a:gd name="connsiteX1" fmla="*/ 0 w 6455391"/>
+              <a:gd name="connsiteY1" fmla="*/ 68239 h 996287"/>
+              <a:gd name="connsiteX2" fmla="*/ 13647 w 6455391"/>
+              <a:gd name="connsiteY2" fmla="*/ 286603 h 996287"/>
+              <a:gd name="connsiteX3" fmla="*/ 27295 w 6455391"/>
+              <a:gd name="connsiteY3" fmla="*/ 368490 h 996287"/>
+              <a:gd name="connsiteX4" fmla="*/ 54591 w 6455391"/>
+              <a:gd name="connsiteY4" fmla="*/ 655093 h 996287"/>
+              <a:gd name="connsiteX5" fmla="*/ 68238 w 6455391"/>
+              <a:gd name="connsiteY5" fmla="*/ 709684 h 996287"/>
+              <a:gd name="connsiteX6" fmla="*/ 81886 w 6455391"/>
+              <a:gd name="connsiteY6" fmla="*/ 805218 h 996287"/>
+              <a:gd name="connsiteX7" fmla="*/ 122829 w 6455391"/>
+              <a:gd name="connsiteY7" fmla="*/ 846162 h 996287"/>
+              <a:gd name="connsiteX8" fmla="*/ 218364 w 6455391"/>
+              <a:gd name="connsiteY8" fmla="*/ 832514 h 996287"/>
+              <a:gd name="connsiteX9" fmla="*/ 272955 w 6455391"/>
+              <a:gd name="connsiteY9" fmla="*/ 764275 h 996287"/>
+              <a:gd name="connsiteX10" fmla="*/ 327546 w 6455391"/>
+              <a:gd name="connsiteY10" fmla="*/ 709684 h 996287"/>
+              <a:gd name="connsiteX11" fmla="*/ 682388 w 6455391"/>
+              <a:gd name="connsiteY11" fmla="*/ 832514 h 996287"/>
+              <a:gd name="connsiteX12" fmla="*/ 818865 w 6455391"/>
+              <a:gd name="connsiteY12" fmla="*/ 900753 h 996287"/>
+              <a:gd name="connsiteX13" fmla="*/ 1310185 w 6455391"/>
+              <a:gd name="connsiteY13" fmla="*/ 668741 h 996287"/>
+              <a:gd name="connsiteX14" fmla="*/ 1351128 w 6455391"/>
+              <a:gd name="connsiteY14" fmla="*/ 682389 h 996287"/>
+              <a:gd name="connsiteX15" fmla="*/ 1460310 w 6455391"/>
+              <a:gd name="connsiteY15" fmla="*/ 627797 h 996287"/>
+              <a:gd name="connsiteX16" fmla="*/ 1869743 w 6455391"/>
+              <a:gd name="connsiteY16" fmla="*/ 614150 h 996287"/>
+              <a:gd name="connsiteX17" fmla="*/ 2292823 w 6455391"/>
+              <a:gd name="connsiteY17" fmla="*/ 696036 h 996287"/>
+              <a:gd name="connsiteX18" fmla="*/ 2674961 w 6455391"/>
+              <a:gd name="connsiteY18" fmla="*/ 941696 h 996287"/>
+              <a:gd name="connsiteX19" fmla="*/ 2838734 w 6455391"/>
+              <a:gd name="connsiteY19" fmla="*/ 996287 h 996287"/>
+              <a:gd name="connsiteX20" fmla="*/ 3016155 w 6455391"/>
+              <a:gd name="connsiteY20" fmla="*/ 846162 h 996287"/>
+              <a:gd name="connsiteX21" fmla="*/ 3316405 w 6455391"/>
+              <a:gd name="connsiteY21" fmla="*/ 696036 h 996287"/>
+              <a:gd name="connsiteX22" fmla="*/ 3439235 w 6455391"/>
+              <a:gd name="connsiteY22" fmla="*/ 777923 h 996287"/>
+              <a:gd name="connsiteX23" fmla="*/ 3957850 w 6455391"/>
+              <a:gd name="connsiteY23" fmla="*/ 818866 h 996287"/>
+              <a:gd name="connsiteX24" fmla="*/ 4176214 w 6455391"/>
+              <a:gd name="connsiteY24" fmla="*/ 777923 h 996287"/>
+              <a:gd name="connsiteX25" fmla="*/ 4230805 w 6455391"/>
+              <a:gd name="connsiteY25" fmla="*/ 764275 h 996287"/>
+              <a:gd name="connsiteX26" fmla="*/ 4517408 w 6455391"/>
+              <a:gd name="connsiteY26" fmla="*/ 736980 h 996287"/>
+              <a:gd name="connsiteX27" fmla="*/ 4790364 w 6455391"/>
+              <a:gd name="connsiteY27" fmla="*/ 614150 h 996287"/>
+              <a:gd name="connsiteX28" fmla="*/ 4831307 w 6455391"/>
+              <a:gd name="connsiteY28" fmla="*/ 600502 h 996287"/>
+              <a:gd name="connsiteX29" fmla="*/ 4872250 w 6455391"/>
+              <a:gd name="connsiteY29" fmla="*/ 641445 h 996287"/>
+              <a:gd name="connsiteX30" fmla="*/ 5036023 w 6455391"/>
+              <a:gd name="connsiteY30" fmla="*/ 709684 h 996287"/>
+              <a:gd name="connsiteX31" fmla="*/ 5336274 w 6455391"/>
+              <a:gd name="connsiteY31" fmla="*/ 696036 h 996287"/>
+              <a:gd name="connsiteX32" fmla="*/ 5418161 w 6455391"/>
+              <a:gd name="connsiteY32" fmla="*/ 682389 h 996287"/>
+              <a:gd name="connsiteX33" fmla="*/ 5745707 w 6455391"/>
+              <a:gd name="connsiteY33" fmla="*/ 914400 h 996287"/>
+              <a:gd name="connsiteX34" fmla="*/ 5923128 w 6455391"/>
+              <a:gd name="connsiteY34" fmla="*/ 846162 h 996287"/>
+              <a:gd name="connsiteX35" fmla="*/ 5950423 w 6455391"/>
+              <a:gd name="connsiteY35" fmla="*/ 805218 h 996287"/>
+              <a:gd name="connsiteX36" fmla="*/ 5977719 w 6455391"/>
+              <a:gd name="connsiteY36" fmla="*/ 846162 h 996287"/>
+              <a:gd name="connsiteX37" fmla="*/ 6018662 w 6455391"/>
+              <a:gd name="connsiteY37" fmla="*/ 764275 h 996287"/>
+              <a:gd name="connsiteX38" fmla="*/ 6196083 w 6455391"/>
+              <a:gd name="connsiteY38" fmla="*/ 682389 h 996287"/>
+              <a:gd name="connsiteX39" fmla="*/ 6387152 w 6455391"/>
+              <a:gd name="connsiteY39" fmla="*/ 723332 h 996287"/>
+              <a:gd name="connsiteX40" fmla="*/ 6414447 w 6455391"/>
+              <a:gd name="connsiteY40" fmla="*/ 682389 h 996287"/>
+              <a:gd name="connsiteX41" fmla="*/ 6441743 w 6455391"/>
+              <a:gd name="connsiteY41" fmla="*/ 395786 h 996287"/>
+              <a:gd name="connsiteX42" fmla="*/ 6455391 w 6455391"/>
+              <a:gd name="connsiteY42" fmla="*/ 327547 h 996287"/>
+              <a:gd name="connsiteX43" fmla="*/ 6428095 w 6455391"/>
+              <a:gd name="connsiteY43" fmla="*/ 122830 h 996287"/>
+              <a:gd name="connsiteX44" fmla="*/ 6359856 w 6455391"/>
+              <a:gd name="connsiteY44" fmla="*/ 109183 h 996287"/>
+              <a:gd name="connsiteX45" fmla="*/ 6155140 w 6455391"/>
+              <a:gd name="connsiteY45" fmla="*/ 68239 h 996287"/>
+              <a:gd name="connsiteX46" fmla="*/ 6018662 w 6455391"/>
+              <a:gd name="connsiteY46" fmla="*/ 40944 h 996287"/>
+              <a:gd name="connsiteX47" fmla="*/ 5909480 w 6455391"/>
+              <a:gd name="connsiteY47" fmla="*/ 27296 h 996287"/>
+              <a:gd name="connsiteX48" fmla="*/ 5773002 w 6455391"/>
+              <a:gd name="connsiteY48" fmla="*/ 13648 h 996287"/>
+              <a:gd name="connsiteX49" fmla="*/ 5677468 w 6455391"/>
+              <a:gd name="connsiteY49" fmla="*/ 0 h 996287"/>
+              <a:gd name="connsiteX50" fmla="*/ 5472752 w 6455391"/>
+              <a:gd name="connsiteY50" fmla="*/ 13648 h 996287"/>
+              <a:gd name="connsiteX51" fmla="*/ 5363570 w 6455391"/>
+              <a:gd name="connsiteY51" fmla="*/ 40944 h 996287"/>
+              <a:gd name="connsiteX52" fmla="*/ 5227092 w 6455391"/>
+              <a:gd name="connsiteY52" fmla="*/ 54591 h 996287"/>
+              <a:gd name="connsiteX53" fmla="*/ 4640238 w 6455391"/>
+              <a:gd name="connsiteY53" fmla="*/ 54591 h 996287"/>
+              <a:gd name="connsiteX54" fmla="*/ 4394579 w 6455391"/>
+              <a:gd name="connsiteY54" fmla="*/ 68239 h 996287"/>
+              <a:gd name="connsiteX55" fmla="*/ 3916907 w 6455391"/>
+              <a:gd name="connsiteY55" fmla="*/ 54591 h 996287"/>
+              <a:gd name="connsiteX56" fmla="*/ 3384644 w 6455391"/>
+              <a:gd name="connsiteY56" fmla="*/ 95535 h 996287"/>
+              <a:gd name="connsiteX57" fmla="*/ 3138985 w 6455391"/>
+              <a:gd name="connsiteY57" fmla="*/ 109183 h 996287"/>
+              <a:gd name="connsiteX58" fmla="*/ 2784143 w 6455391"/>
+              <a:gd name="connsiteY58" fmla="*/ 95535 h 996287"/>
+              <a:gd name="connsiteX59" fmla="*/ 2688608 w 6455391"/>
+              <a:gd name="connsiteY59" fmla="*/ 81887 h 996287"/>
+              <a:gd name="connsiteX60" fmla="*/ 2497540 w 6455391"/>
+              <a:gd name="connsiteY60" fmla="*/ 68239 h 996287"/>
+              <a:gd name="connsiteX61" fmla="*/ 2347414 w 6455391"/>
+              <a:gd name="connsiteY61" fmla="*/ 54591 h 996287"/>
+              <a:gd name="connsiteX62" fmla="*/ 2019868 w 6455391"/>
+              <a:gd name="connsiteY62" fmla="*/ 68239 h 996287"/>
+              <a:gd name="connsiteX63" fmla="*/ 1665026 w 6455391"/>
+              <a:gd name="connsiteY63" fmla="*/ 95535 h 996287"/>
+              <a:gd name="connsiteX64" fmla="*/ 1091820 w 6455391"/>
+              <a:gd name="connsiteY64" fmla="*/ 81887 h 996287"/>
+              <a:gd name="connsiteX65" fmla="*/ 887104 w 6455391"/>
+              <a:gd name="connsiteY65" fmla="*/ 68239 h 996287"/>
+              <a:gd name="connsiteX66" fmla="*/ 832513 w 6455391"/>
+              <a:gd name="connsiteY66" fmla="*/ 54591 h 996287"/>
+              <a:gd name="connsiteX67" fmla="*/ 709683 w 6455391"/>
+              <a:gd name="connsiteY67" fmla="*/ 40944 h 996287"/>
+              <a:gd name="connsiteX68" fmla="*/ 600501 w 6455391"/>
+              <a:gd name="connsiteY68" fmla="*/ 27296 h 996287"/>
+              <a:gd name="connsiteX69" fmla="*/ 423080 w 6455391"/>
+              <a:gd name="connsiteY69" fmla="*/ 40944 h 996287"/>
+              <a:gd name="connsiteX70" fmla="*/ 327546 w 6455391"/>
+              <a:gd name="connsiteY70" fmla="*/ 68239 h 996287"/>
+              <a:gd name="connsiteX71" fmla="*/ 0 w 6455391"/>
+              <a:gd name="connsiteY71" fmla="*/ 68239 h 996287"/>
+            </a:gdLst>
+            <a:ahLst/>
+            <a:cxnLst>
+              <a:cxn ang="0">
+                <a:pos x="connsiteX0" y="connsiteY0"/>
+              </a:cxn>
+              <a:cxn ang="0">
+                <a:pos x="connsiteX1" y="connsiteY1"/>
+              </a:cxn>
+              <a:cxn ang="0">
+                <a:pos x="connsiteX2" y="connsiteY2"/>
+              </a:cxn>
+              <a:cxn ang="0">
+                <a:pos x="connsiteX3" y="connsiteY3"/>
+              </a:cxn>
+              <a:cxn ang="0">
+                <a:pos x="connsiteX4" y="connsiteY4"/>
+              </a:cxn>
+              <a:cxn ang="0">
+                <a:pos x="connsiteX5" y="connsiteY5"/>
+              </a:cxn>
+              <a:cxn ang="0">
+                <a:pos x="connsiteX6" y="connsiteY6"/>
+              </a:cxn>
+              <a:cxn ang="0">
+                <a:pos x="connsiteX7" y="connsiteY7"/>
+              </a:cxn>
+              <a:cxn ang="0">
+                <a:pos x="connsiteX8" y="connsiteY8"/>
+              </a:cxn>
+              <a:cxn ang="0">
+                <a:pos x="connsiteX9" y="connsiteY9"/>
+              </a:cxn>
+              <a:cxn ang="0">
+                <a:pos x="connsiteX10" y="connsiteY10"/>
+              </a:cxn>
+              <a:cxn ang="0">
+                <a:pos x="connsiteX11" y="connsiteY11"/>
+              </a:cxn>
+              <a:cxn ang="0">
+                <a:pos x="connsiteX12" y="connsiteY12"/>
+              </a:cxn>
+              <a:cxn ang="0">
+                <a:pos x="connsiteX13" y="connsiteY13"/>
+              </a:cxn>
+              <a:cxn ang="0">
+                <a:pos x="connsiteX14" y="connsiteY14"/>
+              </a:cxn>
+              <a:cxn ang="0">
+                <a:pos x="connsiteX15" y="connsiteY15"/>
+              </a:cxn>
+              <a:cxn ang="0">
+                <a:pos x="connsiteX16" y="connsiteY16"/>
+              </a:cxn>
+              <a:cxn ang="0">
+                <a:pos x="connsiteX17" y="connsiteY17"/>
+              </a:cxn>
+              <a:cxn ang="0">
+                <a:pos x="connsiteX18" y="connsiteY18"/>
+              </a:cxn>
+              <a:cxn ang="0">
+                <a:pos x="connsiteX19" y="connsiteY19"/>
+              </a:cxn>
+              <a:cxn ang="0">
+                <a:pos x="connsiteX20" y="connsiteY20"/>
+              </a:cxn>
+              <a:cxn ang="0">
+                <a:pos x="connsiteX21" y="connsiteY21"/>
+              </a:cxn>
+              <a:cxn ang="0">
+                <a:pos x="connsiteX22" y="connsiteY22"/>
+              </a:cxn>
+              <a:cxn ang="0">
+                <a:pos x="connsiteX23" y="connsiteY23"/>
+              </a:cxn>
+              <a:cxn ang="0">
+                <a:pos x="connsiteX24" y="connsiteY24"/>
+              </a:cxn>
+              <a:cxn ang="0">
+                <a:pos x="connsiteX25" y="connsiteY25"/>
+              </a:cxn>
+              <a:cxn ang="0">
+                <a:pos x="connsiteX26" y="connsiteY26"/>
+              </a:cxn>
+              <a:cxn ang="0">
+                <a:pos x="connsiteX27" y="connsiteY27"/>
+              </a:cxn>
+              <a:cxn ang="0">
+                <a:pos x="connsiteX28" y="connsiteY28"/>
+              </a:cxn>
+              <a:cxn ang="0">
+                <a:pos x="connsiteX29" y="connsiteY29"/>
+              </a:cxn>
+              <a:cxn ang="0">
+                <a:pos x="connsiteX30" y="connsiteY30"/>
+              </a:cxn>
+              <a:cxn ang="0">
+                <a:pos x="connsiteX31" y="connsiteY31"/>
+              </a:cxn>
+              <a:cxn ang="0">
+                <a:pos x="connsiteX32" y="connsiteY32"/>
+              </a:cxn>
+              <a:cxn ang="0">
+                <a:pos x="connsiteX33" y="connsiteY33"/>
+              </a:cxn>
+              <a:cxn ang="0">
+                <a:pos x="connsiteX34" y="connsiteY34"/>
+              </a:cxn>
+              <a:cxn ang="0">
+                <a:pos x="connsiteX35" y="connsiteY35"/>
+              </a:cxn>
+              <a:cxn ang="0">
+                <a:pos x="connsiteX36" y="connsiteY36"/>
+              </a:cxn>
+              <a:cxn ang="0">
+                <a:pos x="connsiteX37" y="connsiteY37"/>
+              </a:cxn>
+              <a:cxn ang="0">
+                <a:pos x="connsiteX38" y="connsiteY38"/>
+              </a:cxn>
+              <a:cxn ang="0">
+                <a:pos x="connsiteX39" y="connsiteY39"/>
+              </a:cxn>
+              <a:cxn ang="0">
+                <a:pos x="connsiteX40" y="connsiteY40"/>
+              </a:cxn>
+              <a:cxn ang="0">
+                <a:pos x="connsiteX41" y="connsiteY41"/>
+              </a:cxn>
+              <a:cxn ang="0">
+                <a:pos x="connsiteX42" y="connsiteY42"/>
+              </a:cxn>
+              <a:cxn ang="0">
+                <a:pos x="connsiteX43" y="connsiteY43"/>
+              </a:cxn>
+              <a:cxn ang="0">
+                <a:pos x="connsiteX44" y="connsiteY44"/>
+              </a:cxn>
+              <a:cxn ang="0">
+                <a:pos x="connsiteX45" y="connsiteY45"/>
+              </a:cxn>
+              <a:cxn ang="0">
+                <a:pos x="connsiteX46" y="connsiteY46"/>
+              </a:cxn>
+              <a:cxn ang="0">
+                <a:pos x="connsiteX47" y="connsiteY47"/>
+              </a:cxn>
+              <a:cxn ang="0">
+                <a:pos x="connsiteX48" y="connsiteY48"/>
+              </a:cxn>
+              <a:cxn ang="0">
+                <a:pos x="connsiteX49" y="connsiteY49"/>
+              </a:cxn>
+              <a:cxn ang="0">
+                <a:pos x="connsiteX50" y="connsiteY50"/>
+              </a:cxn>
+              <a:cxn ang="0">
+                <a:pos x="connsiteX51" y="connsiteY51"/>
+              </a:cxn>
+              <a:cxn ang="0">
+                <a:pos x="connsiteX52" y="connsiteY52"/>
+              </a:cxn>
+              <a:cxn ang="0">
+                <a:pos x="connsiteX53" y="connsiteY53"/>
+              </a:cxn>
+              <a:cxn ang="0">
+                <a:pos x="connsiteX54" y="connsiteY54"/>
+              </a:cxn>
+              <a:cxn ang="0">
+                <a:pos x="connsiteX55" y="connsiteY55"/>
+              </a:cxn>
+              <a:cxn ang="0">
+                <a:pos x="connsiteX56" y="connsiteY56"/>
+              </a:cxn>
+              <a:cxn ang="0">
+                <a:pos x="connsiteX57" y="connsiteY57"/>
+              </a:cxn>
+              <a:cxn ang="0">
+                <a:pos x="connsiteX58" y="connsiteY58"/>
+              </a:cxn>
+              <a:cxn ang="0">
+                <a:pos x="connsiteX59" y="connsiteY59"/>
+              </a:cxn>
+              <a:cxn ang="0">
+                <a:pos x="connsiteX60" y="connsiteY60"/>
+              </a:cxn>
+              <a:cxn ang="0">
+                <a:pos x="connsiteX61" y="connsiteY61"/>
+              </a:cxn>
+              <a:cxn ang="0">
+                <a:pos x="connsiteX62" y="connsiteY62"/>
+              </a:cxn>
+              <a:cxn ang="0">
+                <a:pos x="connsiteX63" y="connsiteY63"/>
+              </a:cxn>
+              <a:cxn ang="0">
+                <a:pos x="connsiteX64" y="connsiteY64"/>
+              </a:cxn>
+              <a:cxn ang="0">
+                <a:pos x="connsiteX65" y="connsiteY65"/>
+              </a:cxn>
+              <a:cxn ang="0">
+                <a:pos x="connsiteX66" y="connsiteY66"/>
+              </a:cxn>
+              <a:cxn ang="0">
+                <a:pos x="connsiteX67" y="connsiteY67"/>
+              </a:cxn>
+              <a:cxn ang="0">
+                <a:pos x="connsiteX68" y="connsiteY68"/>
+              </a:cxn>
+              <a:cxn ang="0">
+                <a:pos x="connsiteX69" y="connsiteY69"/>
+              </a:cxn>
+              <a:cxn ang="0">
+                <a:pos x="connsiteX70" y="connsiteY70"/>
+              </a:cxn>
+              <a:cxn ang="0">
+                <a:pos x="connsiteX71" y="connsiteY71"/>
+              </a:cxn>
+            </a:cxnLst>
+            <a:rect l="l" t="t" r="r" b="b"/>
+            <a:pathLst>
+              <a:path w="6455391" h="996287">
+                <a:moveTo>
+                  <a:pt x="0" y="68239"/>
+                </a:moveTo>
+                <a:lnTo>
+                  <a:pt x="0" y="68239"/>
+                </a:lnTo>
+                <a:cubicBezTo>
+                  <a:pt x="4549" y="141027"/>
+                  <a:pt x="7044" y="213972"/>
+                  <a:pt x="13647" y="286603"/>
+                </a:cubicBezTo>
+                <a:cubicBezTo>
+                  <a:pt x="16152" y="314162"/>
+                  <a:pt x="24239" y="340987"/>
+                  <a:pt x="27295" y="368490"/>
+                </a:cubicBezTo>
+                <a:cubicBezTo>
+                  <a:pt x="37893" y="463870"/>
+                  <a:pt x="31317" y="561991"/>
+                  <a:pt x="54591" y="655093"/>
+                </a:cubicBezTo>
+                <a:cubicBezTo>
+                  <a:pt x="59140" y="673290"/>
+                  <a:pt x="64883" y="691230"/>
+                  <a:pt x="68238" y="709684"/>
+                </a:cubicBezTo>
+                <a:cubicBezTo>
+                  <a:pt x="73992" y="741333"/>
+                  <a:pt x="69939" y="775351"/>
+                  <a:pt x="81886" y="805218"/>
+                </a:cubicBezTo>
+                <a:cubicBezTo>
+                  <a:pt x="89054" y="823138"/>
+                  <a:pt x="109181" y="832514"/>
+                  <a:pt x="122829" y="846162"/>
+                </a:cubicBezTo>
+                <a:cubicBezTo>
+                  <a:pt x="154674" y="841613"/>
+                  <a:pt x="190124" y="847918"/>
+                  <a:pt x="218364" y="832514"/>
+                </a:cubicBezTo>
+                <a:cubicBezTo>
+                  <a:pt x="243937" y="818565"/>
+                  <a:pt x="253602" y="786047"/>
+                  <a:pt x="272955" y="764275"/>
+                </a:cubicBezTo>
+                <a:cubicBezTo>
+                  <a:pt x="290052" y="745041"/>
+                  <a:pt x="309349" y="727881"/>
+                  <a:pt x="327546" y="709684"/>
+                </a:cubicBezTo>
+                <a:cubicBezTo>
+                  <a:pt x="398364" y="497224"/>
+                  <a:pt x="317873" y="650255"/>
+                  <a:pt x="682388" y="832514"/>
+                </a:cubicBezTo>
+                <a:lnTo>
+                  <a:pt x="818865" y="900753"/>
+                </a:lnTo>
+                <a:cubicBezTo>
+                  <a:pt x="1024194" y="527429"/>
+                  <a:pt x="865892" y="615425"/>
+                  <a:pt x="1310185" y="668741"/>
+                </a:cubicBezTo>
+                <a:cubicBezTo>
+                  <a:pt x="1323833" y="673290"/>
+                  <a:pt x="1336938" y="684754"/>
+                  <a:pt x="1351128" y="682389"/>
+                </a:cubicBezTo>
+                <a:cubicBezTo>
+                  <a:pt x="1574270" y="645198"/>
+                  <a:pt x="1135157" y="655667"/>
+                  <a:pt x="1460310" y="627797"/>
+                </a:cubicBezTo>
+                <a:cubicBezTo>
+                  <a:pt x="1596365" y="616135"/>
+                  <a:pt x="1733265" y="618699"/>
+                  <a:pt x="1869743" y="614150"/>
+                </a:cubicBezTo>
+                <a:cubicBezTo>
+                  <a:pt x="2067012" y="641050"/>
+                  <a:pt x="2136438" y="631642"/>
+                  <a:pt x="2292823" y="696036"/>
+                </a:cubicBezTo>
+                <a:cubicBezTo>
+                  <a:pt x="2481644" y="773786"/>
+                  <a:pt x="2422434" y="799649"/>
+                  <a:pt x="2674961" y="941696"/>
+                </a:cubicBezTo>
+                <a:cubicBezTo>
+                  <a:pt x="2725115" y="969908"/>
+                  <a:pt x="2784143" y="978090"/>
+                  <a:pt x="2838734" y="996287"/>
+                </a:cubicBezTo>
+                <a:cubicBezTo>
+                  <a:pt x="2897874" y="946245"/>
+                  <a:pt x="2952799" y="890746"/>
+                  <a:pt x="3016155" y="846162"/>
+                </a:cubicBezTo>
+                <a:cubicBezTo>
+                  <a:pt x="3150501" y="751622"/>
+                  <a:pt x="3186477" y="744760"/>
+                  <a:pt x="3316405" y="696036"/>
+                </a:cubicBezTo>
+                <a:cubicBezTo>
+                  <a:pt x="3357348" y="723332"/>
+                  <a:pt x="3394807" y="756767"/>
+                  <a:pt x="3439235" y="777923"/>
+                </a:cubicBezTo>
+                <a:cubicBezTo>
+                  <a:pt x="3638671" y="872893"/>
+                  <a:pt x="3703137" y="828663"/>
+                  <a:pt x="3957850" y="818866"/>
+                </a:cubicBezTo>
+                <a:lnTo>
+                  <a:pt x="4176214" y="777923"/>
+                </a:lnTo>
+                <a:cubicBezTo>
+                  <a:pt x="4194607" y="774244"/>
+                  <a:pt x="4212182" y="766510"/>
+                  <a:pt x="4230805" y="764275"/>
+                </a:cubicBezTo>
+                <a:cubicBezTo>
+                  <a:pt x="4326088" y="752841"/>
+                  <a:pt x="4421874" y="746078"/>
+                  <a:pt x="4517408" y="736980"/>
+                </a:cubicBezTo>
+                <a:lnTo>
+                  <a:pt x="4790364" y="614150"/>
+                </a:lnTo>
+                <a:cubicBezTo>
+                  <a:pt x="4803557" y="608414"/>
+                  <a:pt x="4817659" y="595953"/>
+                  <a:pt x="4831307" y="600502"/>
+                </a:cubicBezTo>
+                <a:cubicBezTo>
+                  <a:pt x="4849617" y="606605"/>
+                  <a:pt x="4855220" y="632362"/>
+                  <a:pt x="4872250" y="641445"/>
+                </a:cubicBezTo>
+                <a:cubicBezTo>
+                  <a:pt x="4924433" y="669276"/>
+                  <a:pt x="4981432" y="686938"/>
+                  <a:pt x="5036023" y="709684"/>
+                </a:cubicBezTo>
+                <a:cubicBezTo>
+                  <a:pt x="5136107" y="705135"/>
+                  <a:pt x="5236801" y="707973"/>
+                  <a:pt x="5336274" y="696036"/>
+                </a:cubicBezTo>
+                <a:cubicBezTo>
+                  <a:pt x="5452993" y="682030"/>
+                  <a:pt x="5305693" y="644900"/>
+                  <a:pt x="5418161" y="682389"/>
+                </a:cubicBezTo>
+                <a:cubicBezTo>
+                  <a:pt x="5511149" y="806374"/>
+                  <a:pt x="5547562" y="888833"/>
+                  <a:pt x="5745707" y="914400"/>
+                </a:cubicBezTo>
+                <a:cubicBezTo>
+                  <a:pt x="5808550" y="922509"/>
+                  <a:pt x="5863988" y="868908"/>
+                  <a:pt x="5923128" y="846162"/>
+                </a:cubicBezTo>
+                <a:cubicBezTo>
+                  <a:pt x="5932226" y="832514"/>
+                  <a:pt x="5934020" y="805218"/>
+                  <a:pt x="5950423" y="805218"/>
+                </a:cubicBezTo>
+                <a:cubicBezTo>
+                  <a:pt x="5966826" y="805218"/>
+                  <a:pt x="5963654" y="854601"/>
+                  <a:pt x="5977719" y="846162"/>
+                </a:cubicBezTo>
+                <a:cubicBezTo>
+                  <a:pt x="6003888" y="830461"/>
+                  <a:pt x="5999337" y="787894"/>
+                  <a:pt x="6018662" y="764275"/>
+                </a:cubicBezTo>
+                <a:cubicBezTo>
+                  <a:pt x="6086854" y="680929"/>
+                  <a:pt x="6100147" y="696093"/>
+                  <a:pt x="6196083" y="682389"/>
+                </a:cubicBezTo>
+                <a:cubicBezTo>
+                  <a:pt x="6259773" y="696037"/>
+                  <a:pt x="6322017" y="723332"/>
+                  <a:pt x="6387152" y="723332"/>
+                </a:cubicBezTo>
+                <a:cubicBezTo>
+                  <a:pt x="6403554" y="723332"/>
+                  <a:pt x="6411750" y="698568"/>
+                  <a:pt x="6414447" y="682389"/>
+                </a:cubicBezTo>
+                <a:cubicBezTo>
+                  <a:pt x="6430224" y="587728"/>
+                  <a:pt x="6430743" y="491120"/>
+                  <a:pt x="6441743" y="395786"/>
+                </a:cubicBezTo>
+                <a:cubicBezTo>
+                  <a:pt x="6444402" y="372742"/>
+                  <a:pt x="6450842" y="350293"/>
+                  <a:pt x="6455391" y="327547"/>
+                </a:cubicBezTo>
+                <a:cubicBezTo>
+                  <a:pt x="6446292" y="259308"/>
+                  <a:pt x="6455689" y="185901"/>
+                  <a:pt x="6428095" y="122830"/>
+                </a:cubicBezTo>
+                <a:cubicBezTo>
+                  <a:pt x="6418797" y="101578"/>
+                  <a:pt x="6381862" y="116518"/>
+                  <a:pt x="6359856" y="109183"/>
+                </a:cubicBezTo>
+                <a:cubicBezTo>
+                  <a:pt x="6191886" y="53194"/>
+                  <a:pt x="6494549" y="99095"/>
+                  <a:pt x="6155140" y="68239"/>
+                </a:cubicBezTo>
+                <a:cubicBezTo>
+                  <a:pt x="6109647" y="59141"/>
+                  <a:pt x="6064697" y="46699"/>
+                  <a:pt x="6018662" y="40944"/>
+                </a:cubicBezTo>
+                <a:lnTo>
+                  <a:pt x="5909480" y="27296"/>
+                </a:lnTo>
+                <a:cubicBezTo>
+                  <a:pt x="5864040" y="22247"/>
+                  <a:pt x="5818408" y="18990"/>
+                  <a:pt x="5773002" y="13648"/>
+                </a:cubicBezTo>
+                <a:cubicBezTo>
+                  <a:pt x="5741054" y="9889"/>
+                  <a:pt x="5709313" y="4549"/>
+                  <a:pt x="5677468" y="0"/>
+                </a:cubicBezTo>
+                <a:cubicBezTo>
+                  <a:pt x="5609229" y="4549"/>
+                  <a:pt x="5540568" y="4802"/>
+                  <a:pt x="5472752" y="13648"/>
+                </a:cubicBezTo>
+                <a:cubicBezTo>
+                  <a:pt x="5435553" y="18500"/>
+                  <a:pt x="5400574" y="34777"/>
+                  <a:pt x="5363570" y="40944"/>
+                </a:cubicBezTo>
+                <a:cubicBezTo>
+                  <a:pt x="5318473" y="48460"/>
+                  <a:pt x="5272585" y="50042"/>
+                  <a:pt x="5227092" y="54591"/>
+                </a:cubicBezTo>
+                <a:cubicBezTo>
+                  <a:pt x="4979717" y="104067"/>
+                  <a:pt x="5253332" y="54591"/>
+                  <a:pt x="4640238" y="54591"/>
+                </a:cubicBezTo>
+                <a:cubicBezTo>
+                  <a:pt x="4558225" y="54591"/>
+                  <a:pt x="4476465" y="63690"/>
+                  <a:pt x="4394579" y="68239"/>
+                </a:cubicBezTo>
+                <a:cubicBezTo>
+                  <a:pt x="4235355" y="63690"/>
+                  <a:pt x="4076196" y="54591"/>
+                  <a:pt x="3916907" y="54591"/>
+                </a:cubicBezTo>
+                <a:cubicBezTo>
+                  <a:pt x="3626968" y="54591"/>
+                  <a:pt x="3657341" y="72810"/>
+                  <a:pt x="3384644" y="95535"/>
+                </a:cubicBezTo>
+                <a:cubicBezTo>
+                  <a:pt x="3302915" y="102346"/>
+                  <a:pt x="3220871" y="104634"/>
+                  <a:pt x="3138985" y="109183"/>
+                </a:cubicBezTo>
+                <a:cubicBezTo>
+                  <a:pt x="3020704" y="104634"/>
+                  <a:pt x="2902294" y="102696"/>
+                  <a:pt x="2784143" y="95535"/>
+                </a:cubicBezTo>
+                <a:cubicBezTo>
+                  <a:pt x="2752034" y="93589"/>
+                  <a:pt x="2720631" y="84937"/>
+                  <a:pt x="2688608" y="81887"/>
+                </a:cubicBezTo>
+                <a:cubicBezTo>
+                  <a:pt x="2625044" y="75833"/>
+                  <a:pt x="2561188" y="73331"/>
+                  <a:pt x="2497540" y="68239"/>
+                </a:cubicBezTo>
+                <a:cubicBezTo>
+                  <a:pt x="2447452" y="64232"/>
+                  <a:pt x="2397456" y="59140"/>
+                  <a:pt x="2347414" y="54591"/>
+                </a:cubicBezTo>
+                <a:lnTo>
+                  <a:pt x="2019868" y="68239"/>
+                </a:lnTo>
+                <a:cubicBezTo>
+                  <a:pt x="1901451" y="75344"/>
+                  <a:pt x="1783643" y="93791"/>
+                  <a:pt x="1665026" y="95535"/>
+                </a:cubicBezTo>
+                <a:lnTo>
+                  <a:pt x="1091820" y="81887"/>
+                </a:lnTo>
+                <a:cubicBezTo>
+                  <a:pt x="1023581" y="77338"/>
+                  <a:pt x="955118" y="75399"/>
+                  <a:pt x="887104" y="68239"/>
+                </a:cubicBezTo>
+                <a:cubicBezTo>
+                  <a:pt x="868450" y="66275"/>
+                  <a:pt x="851052" y="57443"/>
+                  <a:pt x="832513" y="54591"/>
+                </a:cubicBezTo>
+                <a:cubicBezTo>
+                  <a:pt x="791797" y="48327"/>
+                  <a:pt x="750596" y="45757"/>
+                  <a:pt x="709683" y="40944"/>
+                </a:cubicBezTo>
+                <a:lnTo>
+                  <a:pt x="600501" y="27296"/>
+                </a:lnTo>
+                <a:cubicBezTo>
+                  <a:pt x="541361" y="31845"/>
+                  <a:pt x="481739" y="32145"/>
+                  <a:pt x="423080" y="40944"/>
+                </a:cubicBezTo>
+                <a:cubicBezTo>
+                  <a:pt x="390327" y="45857"/>
+                  <a:pt x="360592" y="66036"/>
+                  <a:pt x="327546" y="68239"/>
+                </a:cubicBezTo>
+                <a:cubicBezTo>
+                  <a:pt x="223145" y="75199"/>
+                  <a:pt x="54591" y="68239"/>
+                  <a:pt x="0" y="68239"/>
+                </a:cubicBezTo>
+                <a:close/>
+              </a:path>
+            </a:pathLst>
+          </a:custGeom>
+        </p:spPr>
+        <p:style>
+          <a:lnRef idx="2">
+            <a:schemeClr val="accent1">
+              <a:shade val="50000"/>
+            </a:schemeClr>
+          </a:lnRef>
+          <a:fillRef idx="1">
+            <a:schemeClr val="accent1"/>
+          </a:fillRef>
+          <a:effectRef idx="0">
+            <a:schemeClr val="accent1"/>
+          </a:effectRef>
+          <a:fontRef idx="minor">
+            <a:schemeClr val="lt1"/>
+          </a:fontRef>
+        </p:style>
+        <p:txBody>
+          <a:bodyPr rtlCol="0" anchor="ctr"/>
+          <a:lstStyle/>
+          <a:p>
+            <a:pPr algn="ctr"/>
+            <a:endParaRPr lang="en-US"/>
+          </a:p>
+        </p:txBody>
+      </p:sp>
+      <p:sp>
+        <p:nvSpPr>
+          <p:cNvPr id="7" name="Content Placeholder 13">
+            <a:extLst>
+              <a:ext uri="{FF2B5EF4-FFF2-40B4-BE49-F238E27FC236}">
+                <a16:creationId xmlns:a16="http://schemas.microsoft.com/office/drawing/2014/main" id="{8010DD25-8936-C6C3-4703-EF16A0B02668}"/>
+              </a:ext>
+            </a:extLst>
+          </p:cNvPr>
+          <p:cNvSpPr txBox="1">
+            <a:spLocks/>
+          </p:cNvSpPr>
+          <p:nvPr/>
+        </p:nvSpPr>
+        <p:spPr>
+          <a:xfrm>
+            <a:off x="1463200" y="3345064"/>
+            <a:ext cx="6225487" cy="3635285"/>
+          </a:xfrm>
+          <a:prstGeom prst="rect">
+            <a:avLst/>
+          </a:prstGeom>
+        </p:spPr>
+        <p:txBody>
+          <a:bodyPr vert="horz" lIns="0" tIns="0" rIns="0" bIns="0" rtlCol="0">
+            <a:noAutofit/>
+          </a:bodyPr>
+          <a:lstStyle>
+            <a:lvl1pPr marL="0" indent="0" algn="l" defTabSz="1371874" rtl="0" eaLnBrk="1" latinLnBrk="0" hangingPunct="1">
+              <a:lnSpc>
+                <a:spcPct val="120000"/>
+              </a:lnSpc>
+              <a:spcBef>
+                <a:spcPts val="1800"/>
+              </a:spcBef>
+              <a:buClr>
+                <a:srgbClr val="FFB133"/>
+              </a:buClr>
+              <a:buFont typeface="+mj-lt"/>
+              <a:buNone/>
+              <a:defRPr sz="2400" b="0" i="0" kern="1200">
+                <a:solidFill>
+                  <a:schemeClr val="tx1"/>
+                </a:solidFill>
+                <a:latin typeface="DA_FuturaPT Book" panose="020B0502020204020303" pitchFamily="34" charset="0"/>
+                <a:ea typeface="DA_FuturaPT Book" panose="020B0502020204020303" pitchFamily="34" charset="0"/>
+                <a:cs typeface="+mn-cs"/>
+              </a:defRPr>
+            </a:lvl1pPr>
+            <a:lvl2pPr marL="457291" indent="0" algn="l" defTabSz="1371874" rtl="0" eaLnBrk="1" latinLnBrk="0" hangingPunct="1">
+              <a:lnSpc>
+                <a:spcPct val="120000"/>
+              </a:lnSpc>
+              <a:spcBef>
+                <a:spcPts val="1800"/>
+              </a:spcBef>
+              <a:buClr>
+                <a:srgbClr val="FFB133"/>
+              </a:buClr>
+              <a:buFont typeface="+mj-lt"/>
+              <a:buNone/>
+              <a:defRPr sz="2801" b="0" i="0" kern="1200">
+                <a:solidFill>
+                  <a:schemeClr val="tx1"/>
+                </a:solidFill>
+                <a:latin typeface="DA_FuturaPT Book" panose="020B0502020204020303" pitchFamily="34" charset="0"/>
+                <a:ea typeface="DA_FuturaPT Book" panose="020B0502020204020303" pitchFamily="34" charset="0"/>
+                <a:cs typeface="+mn-cs"/>
+              </a:defRPr>
+            </a:lvl2pPr>
+            <a:lvl3pPr marL="914583" indent="0" algn="l" defTabSz="1371874" rtl="0" eaLnBrk="1" latinLnBrk="0" hangingPunct="1">
+              <a:lnSpc>
+                <a:spcPct val="120000"/>
+              </a:lnSpc>
+              <a:spcBef>
+                <a:spcPts val="1800"/>
+              </a:spcBef>
+              <a:buClr>
+                <a:srgbClr val="FFB133"/>
+              </a:buClr>
+              <a:buFont typeface="+mj-lt"/>
+              <a:buNone/>
+              <a:defRPr sz="2400" b="0" i="0" kern="1200">
+                <a:solidFill>
+                  <a:schemeClr val="tx1"/>
+                </a:solidFill>
+                <a:latin typeface="DA_FuturaPT Book" panose="020B0502020204020303" pitchFamily="34" charset="0"/>
+                <a:ea typeface="DA_FuturaPT Book" panose="020B0502020204020303" pitchFamily="34" charset="0"/>
+                <a:cs typeface="+mn-cs"/>
+              </a:defRPr>
+            </a:lvl3pPr>
+            <a:lvl4pPr marL="1371875" indent="0" algn="l" defTabSz="1371874" rtl="0" eaLnBrk="1" latinLnBrk="0" hangingPunct="1">
+              <a:lnSpc>
+                <a:spcPct val="120000"/>
+              </a:lnSpc>
+              <a:spcBef>
+                <a:spcPts val="1800"/>
+              </a:spcBef>
+              <a:buClr>
+                <a:srgbClr val="FFB133"/>
+              </a:buClr>
+              <a:buFont typeface="+mj-lt"/>
+              <a:buNone/>
+              <a:defRPr sz="2200" b="0" i="0" kern="1200">
+                <a:solidFill>
+                  <a:schemeClr val="tx1"/>
+                </a:solidFill>
+                <a:latin typeface="DA_FuturaPT Book" panose="020B0502020204020303" pitchFamily="34" charset="0"/>
+                <a:ea typeface="DA_FuturaPT Book" panose="020B0502020204020303" pitchFamily="34" charset="0"/>
+                <a:cs typeface="+mn-cs"/>
+              </a:defRPr>
+            </a:lvl4pPr>
+            <a:lvl5pPr marL="1829166" indent="0" algn="l" defTabSz="1371874" rtl="0" eaLnBrk="1" latinLnBrk="0" hangingPunct="1">
+              <a:lnSpc>
+                <a:spcPct val="120000"/>
+              </a:lnSpc>
+              <a:spcBef>
+                <a:spcPts val="1800"/>
+              </a:spcBef>
+              <a:buClr>
+                <a:srgbClr val="FFB133"/>
+              </a:buClr>
+              <a:buFont typeface="+mj-lt"/>
+              <a:buNone/>
+              <a:tabLst>
+                <a:tab pos="9490386" algn="l"/>
+              </a:tabLst>
+              <a:defRPr sz="2000" b="0" i="0" kern="1200">
+                <a:solidFill>
+                  <a:schemeClr val="tx1"/>
+                </a:solidFill>
+                <a:latin typeface="DA_FuturaPT Book" panose="020B0502020204020303" pitchFamily="34" charset="0"/>
+                <a:ea typeface="DA_FuturaPT Book" panose="020B0502020204020303" pitchFamily="34" charset="0"/>
+                <a:cs typeface="+mn-cs"/>
+              </a:defRPr>
+            </a:lvl5pPr>
+            <a:lvl6pPr marL="3772654" indent="-342969" algn="l" defTabSz="1371874" rtl="0" eaLnBrk="1" latinLnBrk="0" hangingPunct="1">
+              <a:lnSpc>
+                <a:spcPct val="90000"/>
+              </a:lnSpc>
+              <a:spcBef>
+                <a:spcPts val="750"/>
+              </a:spcBef>
+              <a:buFont typeface="Arial" panose="020B0604020202020204" pitchFamily="34" charset="0"/>
+              <a:buChar char="•"/>
+              <a:defRPr sz="2701" kern="1200">
+                <a:solidFill>
+                  <a:schemeClr val="tx1"/>
+                </a:solidFill>
+                <a:latin typeface="+mn-lt"/>
+                <a:ea typeface="+mn-ea"/>
+                <a:cs typeface="+mn-cs"/>
+              </a:defRPr>
+            </a:lvl6pPr>
+            <a:lvl7pPr marL="4458592" indent="-342969" algn="l" defTabSz="1371874" rtl="0" eaLnBrk="1" latinLnBrk="0" hangingPunct="1">
+              <a:lnSpc>
+                <a:spcPct val="90000"/>
+              </a:lnSpc>
+              <a:spcBef>
+                <a:spcPts val="750"/>
+              </a:spcBef>
+              <a:buFont typeface="Arial" panose="020B0604020202020204" pitchFamily="34" charset="0"/>
+              <a:buChar char="•"/>
+              <a:defRPr sz="2701" kern="1200">
+                <a:solidFill>
+                  <a:schemeClr val="tx1"/>
+                </a:solidFill>
+                <a:latin typeface="+mn-lt"/>
+                <a:ea typeface="+mn-ea"/>
+                <a:cs typeface="+mn-cs"/>
+              </a:defRPr>
+            </a:lvl7pPr>
+            <a:lvl8pPr marL="5144529" indent="-342969" algn="l" defTabSz="1371874" rtl="0" eaLnBrk="1" latinLnBrk="0" hangingPunct="1">
+              <a:lnSpc>
+                <a:spcPct val="90000"/>
+              </a:lnSpc>
+              <a:spcBef>
+                <a:spcPts val="750"/>
+              </a:spcBef>
+              <a:buFont typeface="Arial" panose="020B0604020202020204" pitchFamily="34" charset="0"/>
+              <a:buChar char="•"/>
+              <a:defRPr sz="2701" kern="1200">
+                <a:solidFill>
+                  <a:schemeClr val="tx1"/>
+                </a:solidFill>
+                <a:latin typeface="+mn-lt"/>
+                <a:ea typeface="+mn-ea"/>
+                <a:cs typeface="+mn-cs"/>
+              </a:defRPr>
+            </a:lvl8pPr>
+            <a:lvl9pPr marL="5830466" indent="-342969" algn="l" defTabSz="1371874" rtl="0" eaLnBrk="1" latinLnBrk="0" hangingPunct="1">
+              <a:lnSpc>
+                <a:spcPct val="90000"/>
+              </a:lnSpc>
+              <a:spcBef>
+                <a:spcPts val="750"/>
+              </a:spcBef>
+              <a:buFont typeface="Arial" panose="020B0604020202020204" pitchFamily="34" charset="0"/>
+              <a:buChar char="•"/>
+              <a:defRPr sz="2701" kern="1200">
+                <a:solidFill>
+                  <a:schemeClr val="tx1"/>
+                </a:solidFill>
+                <a:latin typeface="+mn-lt"/>
+                <a:ea typeface="+mn-ea"/>
+                <a:cs typeface="+mn-cs"/>
+              </a:defRPr>
+            </a:lvl9pPr>
+          </a:lstStyle>
+          <a:p>
+            <a:r>
+              <a:rPr lang="en-US" dirty="0">
+                <a:solidFill>
+                  <a:schemeClr val="bg2"/>
+                </a:solidFill>
+              </a:rPr>
+              <a:t>DAY 1</a:t>
+            </a:r>
+          </a:p>
+        </p:txBody>
+      </p:sp>
+      <p:sp>
+        <p:nvSpPr>
+          <p:cNvPr id="19" name="Rectangle: Folded Corner 18">
+            <a:extLst>
+              <a:ext uri="{FF2B5EF4-FFF2-40B4-BE49-F238E27FC236}">
+                <a16:creationId xmlns:a16="http://schemas.microsoft.com/office/drawing/2014/main" id="{C7457320-98B8-6360-29CF-FFBB111E9A53}"/>
+              </a:ext>
+            </a:extLst>
+          </p:cNvPr>
+          <p:cNvSpPr/>
+          <p:nvPr/>
+        </p:nvSpPr>
+        <p:spPr>
+          <a:xfrm>
+            <a:off x="1223493" y="3348507"/>
+            <a:ext cx="6465194" cy="3206839"/>
+          </a:xfrm>
+          <a:prstGeom prst="foldedCorner">
+            <a:avLst/>
+          </a:prstGeom>
+        </p:spPr>
+        <p:style>
+          <a:lnRef idx="2">
+            <a:schemeClr val="accent1">
+              <a:shade val="50000"/>
+            </a:schemeClr>
+          </a:lnRef>
+          <a:fillRef idx="1">
+            <a:schemeClr val="accent1"/>
+          </a:fillRef>
+          <a:effectRef idx="0">
+            <a:schemeClr val="accent1"/>
+          </a:effectRef>
+          <a:fontRef idx="minor">
+            <a:schemeClr val="lt1"/>
+          </a:fontRef>
+        </p:style>
+        <p:txBody>
+          <a:bodyPr rtlCol="0" anchor="ctr"/>
+          <a:lstStyle/>
+          <a:p>
+            <a:pPr algn="ctr"/>
+            <a:endParaRPr lang="en-US"/>
+          </a:p>
+        </p:txBody>
+      </p:sp>
+      <p:sp>
+        <p:nvSpPr>
           <p:cNvPr id="3" name="Title 2">
             <a:extLst>
               <a:ext uri="{FF2B5EF4-FFF2-40B4-BE49-F238E27FC236}">
@@ -14204,14 +17060,1027 @@
           <a:lstStyle/>
           <a:p>
             <a:r>
-              <a:rPr lang="en-US" dirty="0" err="1"/>
+              <a:rPr lang="en-US" dirty="0"/>
+              <a:t>Agenda</a:t>
+            </a:r>
+            <a:endParaRPr lang="en-RU" dirty="0"/>
+          </a:p>
+        </p:txBody>
+      </p:sp>
+      <p:sp>
+        <p:nvSpPr>
+          <p:cNvPr id="14" name="Content Placeholder 13">
+            <a:extLst>
+              <a:ext uri="{FF2B5EF4-FFF2-40B4-BE49-F238E27FC236}">
+                <a16:creationId xmlns:a16="http://schemas.microsoft.com/office/drawing/2014/main" id="{92D8B030-CC28-1BC2-FF68-880E46DF8AF4}"/>
+              </a:ext>
+            </a:extLst>
+          </p:cNvPr>
+          <p:cNvSpPr>
+            <a:spLocks noGrp="1"/>
+          </p:cNvSpPr>
+          <p:nvPr>
+            <p:ph idx="1"/>
+          </p:nvPr>
+        </p:nvSpPr>
+        <p:spPr>
+          <a:xfrm>
+            <a:off x="1476079" y="3345064"/>
+            <a:ext cx="6225487" cy="3635285"/>
+          </a:xfrm>
+        </p:spPr>
+        <p:txBody>
+          <a:bodyPr/>
+          <a:lstStyle/>
+          <a:p>
+            <a:r>
+              <a:rPr lang="en-US" dirty="0">
+                <a:solidFill>
+                  <a:schemeClr val="bg2"/>
+                </a:solidFill>
+              </a:rPr>
+              <a:t>DAY 1</a:t>
+            </a:r>
+          </a:p>
+          <a:p>
+            <a:pPr marL="342900" indent="-342900">
+              <a:buFont typeface="Arial" panose="020B0604020202020204" pitchFamily="34" charset="0"/>
+              <a:buChar char="•"/>
+            </a:pPr>
+            <a:r>
+              <a:rPr lang="en-US" dirty="0">
+                <a:solidFill>
+                  <a:schemeClr val="bg2"/>
+                </a:solidFill>
+              </a:rPr>
+              <a:t>Learn about docker containers.</a:t>
+            </a:r>
+          </a:p>
+          <a:p>
+            <a:pPr marL="342900" indent="-342900">
+              <a:buFont typeface="Arial" panose="020B0604020202020204" pitchFamily="34" charset="0"/>
+              <a:buChar char="•"/>
+            </a:pPr>
+            <a:r>
+              <a:rPr lang="en-US" dirty="0">
+                <a:solidFill>
+                  <a:schemeClr val="bg2"/>
+                </a:solidFill>
+              </a:rPr>
+              <a:t>Get acquainted with Kubernetes basic concepts.</a:t>
+            </a:r>
+          </a:p>
+          <a:p>
+            <a:pPr marL="342900" indent="-342900">
+              <a:buFont typeface="Arial" panose="020B0604020202020204" pitchFamily="34" charset="0"/>
+              <a:buChar char="•"/>
+            </a:pPr>
+            <a:r>
+              <a:rPr lang="en-US" dirty="0">
+                <a:solidFill>
+                  <a:schemeClr val="bg2"/>
+                </a:solidFill>
+              </a:rPr>
+              <a:t>Try launching your minimal stateless application.</a:t>
+            </a:r>
+          </a:p>
+          <a:p>
+            <a:pPr marL="342900" indent="-342900">
+              <a:buFont typeface="Arial" panose="020B0604020202020204" pitchFamily="34" charset="0"/>
+              <a:buChar char="•"/>
+            </a:pPr>
+            <a:r>
+              <a:rPr lang="en-US" dirty="0">
+                <a:solidFill>
+                  <a:schemeClr val="bg2"/>
+                </a:solidFill>
+              </a:rPr>
+              <a:t>Explore Kubernetes networking.</a:t>
+            </a:r>
+          </a:p>
+          <a:p>
+            <a:endParaRPr lang="en-US" dirty="0"/>
+          </a:p>
+        </p:txBody>
+      </p:sp>
+      <p:sp>
+        <p:nvSpPr>
+          <p:cNvPr id="2" name="TextBox 1">
+            <a:extLst>
+              <a:ext uri="{FF2B5EF4-FFF2-40B4-BE49-F238E27FC236}">
+                <a16:creationId xmlns:a16="http://schemas.microsoft.com/office/drawing/2014/main" id="{AA4ACA97-5B52-34DD-BDB2-C2C151A36505}"/>
+              </a:ext>
+            </a:extLst>
+          </p:cNvPr>
+          <p:cNvSpPr txBox="1"/>
+          <p:nvPr/>
+        </p:nvSpPr>
+        <p:spPr>
+          <a:xfrm>
+            <a:off x="10654302" y="1111118"/>
+            <a:ext cx="3513762" cy="646331"/>
+          </a:xfrm>
+          <a:prstGeom prst="rect">
+            <a:avLst/>
+          </a:prstGeom>
+          <a:noFill/>
+        </p:spPr>
+        <p:txBody>
+          <a:bodyPr wrap="square" rtlCol="0">
+            <a:spAutoFit/>
+          </a:bodyPr>
+          <a:lstStyle/>
+          <a:p>
+            <a:r>
+              <a:rPr lang="en-US" dirty="0"/>
+              <a:t>WHY do we need this?</a:t>
+            </a:r>
+          </a:p>
+          <a:p>
+            <a:r>
+              <a:rPr lang="en-US" dirty="0"/>
+              <a:t>To understand what is waiting ahead.</a:t>
+            </a:r>
+          </a:p>
+        </p:txBody>
+      </p:sp>
+      <p:sp>
+        <p:nvSpPr>
+          <p:cNvPr id="4" name="TextBox 3">
+            <a:extLst>
+              <a:ext uri="{FF2B5EF4-FFF2-40B4-BE49-F238E27FC236}">
+                <a16:creationId xmlns:a16="http://schemas.microsoft.com/office/drawing/2014/main" id="{95BAC16E-7ACC-94DF-5B4C-368367FB7A4D}"/>
+              </a:ext>
+            </a:extLst>
+          </p:cNvPr>
+          <p:cNvSpPr txBox="1"/>
+          <p:nvPr/>
+        </p:nvSpPr>
+        <p:spPr>
+          <a:xfrm>
+            <a:off x="17508906" y="9659383"/>
+            <a:ext cx="464024" cy="369332"/>
+          </a:xfrm>
+          <a:prstGeom prst="rect">
+            <a:avLst/>
+          </a:prstGeom>
+          <a:noFill/>
+        </p:spPr>
+        <p:txBody>
+          <a:bodyPr wrap="square" rtlCol="0">
+            <a:spAutoFit/>
+          </a:bodyPr>
+          <a:lstStyle/>
+          <a:p>
+            <a:r>
+              <a:rPr lang="en-US" dirty="0"/>
+              <a:t>2</a:t>
+            </a:r>
+          </a:p>
+        </p:txBody>
+      </p:sp>
+      <p:sp>
+        <p:nvSpPr>
+          <p:cNvPr id="20" name="Rectangle: Folded Corner 19">
+            <a:extLst>
+              <a:ext uri="{FF2B5EF4-FFF2-40B4-BE49-F238E27FC236}">
+                <a16:creationId xmlns:a16="http://schemas.microsoft.com/office/drawing/2014/main" id="{1F345D1F-5DD5-14ED-C4BD-409845003A76}"/>
+              </a:ext>
+            </a:extLst>
+          </p:cNvPr>
+          <p:cNvSpPr/>
+          <p:nvPr/>
+        </p:nvSpPr>
+        <p:spPr>
+          <a:xfrm>
+            <a:off x="9824434" y="3348507"/>
+            <a:ext cx="6465194" cy="3206839"/>
+          </a:xfrm>
+          <a:prstGeom prst="foldedCorner">
+            <a:avLst/>
+          </a:prstGeom>
+        </p:spPr>
+        <p:style>
+          <a:lnRef idx="2">
+            <a:schemeClr val="accent1">
+              <a:shade val="50000"/>
+            </a:schemeClr>
+          </a:lnRef>
+          <a:fillRef idx="1">
+            <a:schemeClr val="accent1"/>
+          </a:fillRef>
+          <a:effectRef idx="0">
+            <a:schemeClr val="accent1"/>
+          </a:effectRef>
+          <a:fontRef idx="minor">
+            <a:schemeClr val="lt1"/>
+          </a:fontRef>
+        </p:style>
+        <p:txBody>
+          <a:bodyPr rtlCol="0" anchor="ctr"/>
+          <a:lstStyle/>
+          <a:p>
+            <a:pPr algn="ctr"/>
+            <a:endParaRPr lang="en-US"/>
+          </a:p>
+        </p:txBody>
+      </p:sp>
+      <p:sp>
+        <p:nvSpPr>
+          <p:cNvPr id="21" name="Content Placeholder 13">
+            <a:extLst>
+              <a:ext uri="{FF2B5EF4-FFF2-40B4-BE49-F238E27FC236}">
+                <a16:creationId xmlns:a16="http://schemas.microsoft.com/office/drawing/2014/main" id="{71CD2A91-94E6-A608-FE4E-BF352D42FCFF}"/>
+              </a:ext>
+            </a:extLst>
+          </p:cNvPr>
+          <p:cNvSpPr txBox="1">
+            <a:spLocks/>
+          </p:cNvSpPr>
+          <p:nvPr/>
+        </p:nvSpPr>
+        <p:spPr>
+          <a:xfrm>
+            <a:off x="10077020" y="3345064"/>
+            <a:ext cx="6225487" cy="3635285"/>
+          </a:xfrm>
+          <a:prstGeom prst="rect">
+            <a:avLst/>
+          </a:prstGeom>
+        </p:spPr>
+        <p:txBody>
+          <a:bodyPr vert="horz" lIns="0" tIns="0" rIns="0" bIns="0" rtlCol="0">
+            <a:noAutofit/>
+          </a:bodyPr>
+          <a:lstStyle>
+            <a:lvl1pPr marL="0" indent="0" algn="l" defTabSz="1371874" rtl="0" eaLnBrk="1" latinLnBrk="0" hangingPunct="1">
+              <a:lnSpc>
+                <a:spcPct val="120000"/>
+              </a:lnSpc>
+              <a:spcBef>
+                <a:spcPts val="1800"/>
+              </a:spcBef>
+              <a:buClr>
+                <a:srgbClr val="FFB133"/>
+              </a:buClr>
+              <a:buFont typeface="+mj-lt"/>
+              <a:buNone/>
+              <a:defRPr sz="2400" b="0" i="0" kern="1200">
+                <a:solidFill>
+                  <a:schemeClr val="tx1"/>
+                </a:solidFill>
+                <a:latin typeface="DA_FuturaPT Book" panose="020B0502020204020303" pitchFamily="34" charset="0"/>
+                <a:ea typeface="DA_FuturaPT Book" panose="020B0502020204020303" pitchFamily="34" charset="0"/>
+                <a:cs typeface="+mn-cs"/>
+              </a:defRPr>
+            </a:lvl1pPr>
+            <a:lvl2pPr marL="457291" indent="0" algn="l" defTabSz="1371874" rtl="0" eaLnBrk="1" latinLnBrk="0" hangingPunct="1">
+              <a:lnSpc>
+                <a:spcPct val="120000"/>
+              </a:lnSpc>
+              <a:spcBef>
+                <a:spcPts val="1800"/>
+              </a:spcBef>
+              <a:buClr>
+                <a:srgbClr val="FFB133"/>
+              </a:buClr>
+              <a:buFont typeface="+mj-lt"/>
+              <a:buNone/>
+              <a:defRPr sz="2801" b="0" i="0" kern="1200">
+                <a:solidFill>
+                  <a:schemeClr val="tx1"/>
+                </a:solidFill>
+                <a:latin typeface="DA_FuturaPT Book" panose="020B0502020204020303" pitchFamily="34" charset="0"/>
+                <a:ea typeface="DA_FuturaPT Book" panose="020B0502020204020303" pitchFamily="34" charset="0"/>
+                <a:cs typeface="+mn-cs"/>
+              </a:defRPr>
+            </a:lvl2pPr>
+            <a:lvl3pPr marL="914583" indent="0" algn="l" defTabSz="1371874" rtl="0" eaLnBrk="1" latinLnBrk="0" hangingPunct="1">
+              <a:lnSpc>
+                <a:spcPct val="120000"/>
+              </a:lnSpc>
+              <a:spcBef>
+                <a:spcPts val="1800"/>
+              </a:spcBef>
+              <a:buClr>
+                <a:srgbClr val="FFB133"/>
+              </a:buClr>
+              <a:buFont typeface="+mj-lt"/>
+              <a:buNone/>
+              <a:defRPr sz="2400" b="0" i="0" kern="1200">
+                <a:solidFill>
+                  <a:schemeClr val="tx1"/>
+                </a:solidFill>
+                <a:latin typeface="DA_FuturaPT Book" panose="020B0502020204020303" pitchFamily="34" charset="0"/>
+                <a:ea typeface="DA_FuturaPT Book" panose="020B0502020204020303" pitchFamily="34" charset="0"/>
+                <a:cs typeface="+mn-cs"/>
+              </a:defRPr>
+            </a:lvl3pPr>
+            <a:lvl4pPr marL="1371875" indent="0" algn="l" defTabSz="1371874" rtl="0" eaLnBrk="1" latinLnBrk="0" hangingPunct="1">
+              <a:lnSpc>
+                <a:spcPct val="120000"/>
+              </a:lnSpc>
+              <a:spcBef>
+                <a:spcPts val="1800"/>
+              </a:spcBef>
+              <a:buClr>
+                <a:srgbClr val="FFB133"/>
+              </a:buClr>
+              <a:buFont typeface="+mj-lt"/>
+              <a:buNone/>
+              <a:defRPr sz="2200" b="0" i="0" kern="1200">
+                <a:solidFill>
+                  <a:schemeClr val="tx1"/>
+                </a:solidFill>
+                <a:latin typeface="DA_FuturaPT Book" panose="020B0502020204020303" pitchFamily="34" charset="0"/>
+                <a:ea typeface="DA_FuturaPT Book" panose="020B0502020204020303" pitchFamily="34" charset="0"/>
+                <a:cs typeface="+mn-cs"/>
+              </a:defRPr>
+            </a:lvl4pPr>
+            <a:lvl5pPr marL="1829166" indent="0" algn="l" defTabSz="1371874" rtl="0" eaLnBrk="1" latinLnBrk="0" hangingPunct="1">
+              <a:lnSpc>
+                <a:spcPct val="120000"/>
+              </a:lnSpc>
+              <a:spcBef>
+                <a:spcPts val="1800"/>
+              </a:spcBef>
+              <a:buClr>
+                <a:srgbClr val="FFB133"/>
+              </a:buClr>
+              <a:buFont typeface="+mj-lt"/>
+              <a:buNone/>
+              <a:tabLst>
+                <a:tab pos="9490386" algn="l"/>
+              </a:tabLst>
+              <a:defRPr sz="2000" b="0" i="0" kern="1200">
+                <a:solidFill>
+                  <a:schemeClr val="tx1"/>
+                </a:solidFill>
+                <a:latin typeface="DA_FuturaPT Book" panose="020B0502020204020303" pitchFamily="34" charset="0"/>
+                <a:ea typeface="DA_FuturaPT Book" panose="020B0502020204020303" pitchFamily="34" charset="0"/>
+                <a:cs typeface="+mn-cs"/>
+              </a:defRPr>
+            </a:lvl5pPr>
+            <a:lvl6pPr marL="3772654" indent="-342969" algn="l" defTabSz="1371874" rtl="0" eaLnBrk="1" latinLnBrk="0" hangingPunct="1">
+              <a:lnSpc>
+                <a:spcPct val="90000"/>
+              </a:lnSpc>
+              <a:spcBef>
+                <a:spcPts val="750"/>
+              </a:spcBef>
+              <a:buFont typeface="Arial" panose="020B0604020202020204" pitchFamily="34" charset="0"/>
+              <a:buChar char="•"/>
+              <a:defRPr sz="2701" kern="1200">
+                <a:solidFill>
+                  <a:schemeClr val="tx1"/>
+                </a:solidFill>
+                <a:latin typeface="+mn-lt"/>
+                <a:ea typeface="+mn-ea"/>
+                <a:cs typeface="+mn-cs"/>
+              </a:defRPr>
+            </a:lvl6pPr>
+            <a:lvl7pPr marL="4458592" indent="-342969" algn="l" defTabSz="1371874" rtl="0" eaLnBrk="1" latinLnBrk="0" hangingPunct="1">
+              <a:lnSpc>
+                <a:spcPct val="90000"/>
+              </a:lnSpc>
+              <a:spcBef>
+                <a:spcPts val="750"/>
+              </a:spcBef>
+              <a:buFont typeface="Arial" panose="020B0604020202020204" pitchFamily="34" charset="0"/>
+              <a:buChar char="•"/>
+              <a:defRPr sz="2701" kern="1200">
+                <a:solidFill>
+                  <a:schemeClr val="tx1"/>
+                </a:solidFill>
+                <a:latin typeface="+mn-lt"/>
+                <a:ea typeface="+mn-ea"/>
+                <a:cs typeface="+mn-cs"/>
+              </a:defRPr>
+            </a:lvl7pPr>
+            <a:lvl8pPr marL="5144529" indent="-342969" algn="l" defTabSz="1371874" rtl="0" eaLnBrk="1" latinLnBrk="0" hangingPunct="1">
+              <a:lnSpc>
+                <a:spcPct val="90000"/>
+              </a:lnSpc>
+              <a:spcBef>
+                <a:spcPts val="750"/>
+              </a:spcBef>
+              <a:buFont typeface="Arial" panose="020B0604020202020204" pitchFamily="34" charset="0"/>
+              <a:buChar char="•"/>
+              <a:defRPr sz="2701" kern="1200">
+                <a:solidFill>
+                  <a:schemeClr val="tx1"/>
+                </a:solidFill>
+                <a:latin typeface="+mn-lt"/>
+                <a:ea typeface="+mn-ea"/>
+                <a:cs typeface="+mn-cs"/>
+              </a:defRPr>
+            </a:lvl8pPr>
+            <a:lvl9pPr marL="5830466" indent="-342969" algn="l" defTabSz="1371874" rtl="0" eaLnBrk="1" latinLnBrk="0" hangingPunct="1">
+              <a:lnSpc>
+                <a:spcPct val="90000"/>
+              </a:lnSpc>
+              <a:spcBef>
+                <a:spcPts val="750"/>
+              </a:spcBef>
+              <a:buFont typeface="Arial" panose="020B0604020202020204" pitchFamily="34" charset="0"/>
+              <a:buChar char="•"/>
+              <a:defRPr sz="2701" kern="1200">
+                <a:solidFill>
+                  <a:schemeClr val="tx1"/>
+                </a:solidFill>
+                <a:latin typeface="+mn-lt"/>
+                <a:ea typeface="+mn-ea"/>
+                <a:cs typeface="+mn-cs"/>
+              </a:defRPr>
+            </a:lvl9pPr>
+          </a:lstStyle>
+          <a:p>
+            <a:r>
+              <a:rPr lang="en-US" dirty="0">
+                <a:solidFill>
+                  <a:schemeClr val="bg2"/>
+                </a:solidFill>
+              </a:rPr>
+              <a:t>DAY 2</a:t>
+            </a:r>
+          </a:p>
+          <a:p>
+            <a:pPr marL="342900" indent="-342900">
+              <a:buFont typeface="Arial" panose="020B0604020202020204" pitchFamily="34" charset="0"/>
+              <a:buChar char="•"/>
+            </a:pPr>
+            <a:r>
+              <a:rPr lang="en-US" dirty="0">
+                <a:solidFill>
+                  <a:schemeClr val="bg2"/>
+                </a:solidFill>
+              </a:rPr>
+              <a:t>Learn how to configure your app on-the-go.</a:t>
+            </a:r>
+          </a:p>
+          <a:p>
+            <a:pPr marL="342900" indent="-342900">
+              <a:buFont typeface="Arial" panose="020B0604020202020204" pitchFamily="34" charset="0"/>
+              <a:buChar char="•"/>
+            </a:pPr>
+            <a:r>
+              <a:rPr lang="en-US" dirty="0">
+                <a:solidFill>
+                  <a:schemeClr val="bg2"/>
+                </a:solidFill>
+              </a:rPr>
+              <a:t>Go stateful.</a:t>
+            </a:r>
+          </a:p>
+          <a:p>
+            <a:pPr marL="342900" indent="-342900">
+              <a:buFont typeface="Arial" panose="020B0604020202020204" pitchFamily="34" charset="0"/>
+              <a:buChar char="•"/>
+            </a:pPr>
+            <a:r>
+              <a:rPr lang="en-US" dirty="0">
+                <a:solidFill>
+                  <a:schemeClr val="bg2"/>
+                </a:solidFill>
+              </a:rPr>
+              <a:t>Learn about templating.</a:t>
+            </a:r>
+          </a:p>
+          <a:p>
+            <a:endParaRPr lang="en-US" dirty="0"/>
+          </a:p>
+        </p:txBody>
+      </p:sp>
+      <p:sp>
+        <p:nvSpPr>
+          <p:cNvPr id="22" name="Rectangle: Folded Corner 21">
+            <a:extLst>
+              <a:ext uri="{FF2B5EF4-FFF2-40B4-BE49-F238E27FC236}">
+                <a16:creationId xmlns:a16="http://schemas.microsoft.com/office/drawing/2014/main" id="{9F0A797F-4A80-A40F-BA73-1017D0C54CC6}"/>
+              </a:ext>
+            </a:extLst>
+          </p:cNvPr>
+          <p:cNvSpPr/>
+          <p:nvPr/>
+        </p:nvSpPr>
+        <p:spPr>
+          <a:xfrm>
+            <a:off x="5397671" y="6753764"/>
+            <a:ext cx="6465194" cy="3206839"/>
+          </a:xfrm>
+          <a:prstGeom prst="foldedCorner">
+            <a:avLst/>
+          </a:prstGeom>
+        </p:spPr>
+        <p:style>
+          <a:lnRef idx="2">
+            <a:schemeClr val="accent1">
+              <a:shade val="50000"/>
+            </a:schemeClr>
+          </a:lnRef>
+          <a:fillRef idx="1">
+            <a:schemeClr val="accent1"/>
+          </a:fillRef>
+          <a:effectRef idx="0">
+            <a:schemeClr val="accent1"/>
+          </a:effectRef>
+          <a:fontRef idx="minor">
+            <a:schemeClr val="lt1"/>
+          </a:fontRef>
+        </p:style>
+        <p:txBody>
+          <a:bodyPr rtlCol="0" anchor="ctr"/>
+          <a:lstStyle/>
+          <a:p>
+            <a:pPr algn="ctr"/>
+            <a:endParaRPr lang="en-US"/>
+          </a:p>
+        </p:txBody>
+      </p:sp>
+      <p:sp>
+        <p:nvSpPr>
+          <p:cNvPr id="23" name="Content Placeholder 13">
+            <a:extLst>
+              <a:ext uri="{FF2B5EF4-FFF2-40B4-BE49-F238E27FC236}">
+                <a16:creationId xmlns:a16="http://schemas.microsoft.com/office/drawing/2014/main" id="{2E745004-6DFE-D191-FE24-FF4DE5B5F785}"/>
+              </a:ext>
+            </a:extLst>
+          </p:cNvPr>
+          <p:cNvSpPr txBox="1">
+            <a:spLocks/>
+          </p:cNvSpPr>
+          <p:nvPr/>
+        </p:nvSpPr>
+        <p:spPr>
+          <a:xfrm>
+            <a:off x="5650257" y="6750321"/>
+            <a:ext cx="6225487" cy="3635285"/>
+          </a:xfrm>
+          <a:prstGeom prst="rect">
+            <a:avLst/>
+          </a:prstGeom>
+        </p:spPr>
+        <p:txBody>
+          <a:bodyPr vert="horz" lIns="0" tIns="0" rIns="0" bIns="0" rtlCol="0">
+            <a:noAutofit/>
+          </a:bodyPr>
+          <a:lstStyle>
+            <a:lvl1pPr marL="0" indent="0" algn="l" defTabSz="1371874" rtl="0" eaLnBrk="1" latinLnBrk="0" hangingPunct="1">
+              <a:lnSpc>
+                <a:spcPct val="120000"/>
+              </a:lnSpc>
+              <a:spcBef>
+                <a:spcPts val="1800"/>
+              </a:spcBef>
+              <a:buClr>
+                <a:srgbClr val="FFB133"/>
+              </a:buClr>
+              <a:buFont typeface="+mj-lt"/>
+              <a:buNone/>
+              <a:defRPr sz="2400" b="0" i="0" kern="1200">
+                <a:solidFill>
+                  <a:schemeClr val="tx1"/>
+                </a:solidFill>
+                <a:latin typeface="DA_FuturaPT Book" panose="020B0502020204020303" pitchFamily="34" charset="0"/>
+                <a:ea typeface="DA_FuturaPT Book" panose="020B0502020204020303" pitchFamily="34" charset="0"/>
+                <a:cs typeface="+mn-cs"/>
+              </a:defRPr>
+            </a:lvl1pPr>
+            <a:lvl2pPr marL="457291" indent="0" algn="l" defTabSz="1371874" rtl="0" eaLnBrk="1" latinLnBrk="0" hangingPunct="1">
+              <a:lnSpc>
+                <a:spcPct val="120000"/>
+              </a:lnSpc>
+              <a:spcBef>
+                <a:spcPts val="1800"/>
+              </a:spcBef>
+              <a:buClr>
+                <a:srgbClr val="FFB133"/>
+              </a:buClr>
+              <a:buFont typeface="+mj-lt"/>
+              <a:buNone/>
+              <a:defRPr sz="2801" b="0" i="0" kern="1200">
+                <a:solidFill>
+                  <a:schemeClr val="tx1"/>
+                </a:solidFill>
+                <a:latin typeface="DA_FuturaPT Book" panose="020B0502020204020303" pitchFamily="34" charset="0"/>
+                <a:ea typeface="DA_FuturaPT Book" panose="020B0502020204020303" pitchFamily="34" charset="0"/>
+                <a:cs typeface="+mn-cs"/>
+              </a:defRPr>
+            </a:lvl2pPr>
+            <a:lvl3pPr marL="914583" indent="0" algn="l" defTabSz="1371874" rtl="0" eaLnBrk="1" latinLnBrk="0" hangingPunct="1">
+              <a:lnSpc>
+                <a:spcPct val="120000"/>
+              </a:lnSpc>
+              <a:spcBef>
+                <a:spcPts val="1800"/>
+              </a:spcBef>
+              <a:buClr>
+                <a:srgbClr val="FFB133"/>
+              </a:buClr>
+              <a:buFont typeface="+mj-lt"/>
+              <a:buNone/>
+              <a:defRPr sz="2400" b="0" i="0" kern="1200">
+                <a:solidFill>
+                  <a:schemeClr val="tx1"/>
+                </a:solidFill>
+                <a:latin typeface="DA_FuturaPT Book" panose="020B0502020204020303" pitchFamily="34" charset="0"/>
+                <a:ea typeface="DA_FuturaPT Book" panose="020B0502020204020303" pitchFamily="34" charset="0"/>
+                <a:cs typeface="+mn-cs"/>
+              </a:defRPr>
+            </a:lvl3pPr>
+            <a:lvl4pPr marL="1371875" indent="0" algn="l" defTabSz="1371874" rtl="0" eaLnBrk="1" latinLnBrk="0" hangingPunct="1">
+              <a:lnSpc>
+                <a:spcPct val="120000"/>
+              </a:lnSpc>
+              <a:spcBef>
+                <a:spcPts val="1800"/>
+              </a:spcBef>
+              <a:buClr>
+                <a:srgbClr val="FFB133"/>
+              </a:buClr>
+              <a:buFont typeface="+mj-lt"/>
+              <a:buNone/>
+              <a:defRPr sz="2200" b="0" i="0" kern="1200">
+                <a:solidFill>
+                  <a:schemeClr val="tx1"/>
+                </a:solidFill>
+                <a:latin typeface="DA_FuturaPT Book" panose="020B0502020204020303" pitchFamily="34" charset="0"/>
+                <a:ea typeface="DA_FuturaPT Book" panose="020B0502020204020303" pitchFamily="34" charset="0"/>
+                <a:cs typeface="+mn-cs"/>
+              </a:defRPr>
+            </a:lvl4pPr>
+            <a:lvl5pPr marL="1829166" indent="0" algn="l" defTabSz="1371874" rtl="0" eaLnBrk="1" latinLnBrk="0" hangingPunct="1">
+              <a:lnSpc>
+                <a:spcPct val="120000"/>
+              </a:lnSpc>
+              <a:spcBef>
+                <a:spcPts val="1800"/>
+              </a:spcBef>
+              <a:buClr>
+                <a:srgbClr val="FFB133"/>
+              </a:buClr>
+              <a:buFont typeface="+mj-lt"/>
+              <a:buNone/>
+              <a:tabLst>
+                <a:tab pos="9490386" algn="l"/>
+              </a:tabLst>
+              <a:defRPr sz="2000" b="0" i="0" kern="1200">
+                <a:solidFill>
+                  <a:schemeClr val="tx1"/>
+                </a:solidFill>
+                <a:latin typeface="DA_FuturaPT Book" panose="020B0502020204020303" pitchFamily="34" charset="0"/>
+                <a:ea typeface="DA_FuturaPT Book" panose="020B0502020204020303" pitchFamily="34" charset="0"/>
+                <a:cs typeface="+mn-cs"/>
+              </a:defRPr>
+            </a:lvl5pPr>
+            <a:lvl6pPr marL="3772654" indent="-342969" algn="l" defTabSz="1371874" rtl="0" eaLnBrk="1" latinLnBrk="0" hangingPunct="1">
+              <a:lnSpc>
+                <a:spcPct val="90000"/>
+              </a:lnSpc>
+              <a:spcBef>
+                <a:spcPts val="750"/>
+              </a:spcBef>
+              <a:buFont typeface="Arial" panose="020B0604020202020204" pitchFamily="34" charset="0"/>
+              <a:buChar char="•"/>
+              <a:defRPr sz="2701" kern="1200">
+                <a:solidFill>
+                  <a:schemeClr val="tx1"/>
+                </a:solidFill>
+                <a:latin typeface="+mn-lt"/>
+                <a:ea typeface="+mn-ea"/>
+                <a:cs typeface="+mn-cs"/>
+              </a:defRPr>
+            </a:lvl6pPr>
+            <a:lvl7pPr marL="4458592" indent="-342969" algn="l" defTabSz="1371874" rtl="0" eaLnBrk="1" latinLnBrk="0" hangingPunct="1">
+              <a:lnSpc>
+                <a:spcPct val="90000"/>
+              </a:lnSpc>
+              <a:spcBef>
+                <a:spcPts val="750"/>
+              </a:spcBef>
+              <a:buFont typeface="Arial" panose="020B0604020202020204" pitchFamily="34" charset="0"/>
+              <a:buChar char="•"/>
+              <a:defRPr sz="2701" kern="1200">
+                <a:solidFill>
+                  <a:schemeClr val="tx1"/>
+                </a:solidFill>
+                <a:latin typeface="+mn-lt"/>
+                <a:ea typeface="+mn-ea"/>
+                <a:cs typeface="+mn-cs"/>
+              </a:defRPr>
+            </a:lvl7pPr>
+            <a:lvl8pPr marL="5144529" indent="-342969" algn="l" defTabSz="1371874" rtl="0" eaLnBrk="1" latinLnBrk="0" hangingPunct="1">
+              <a:lnSpc>
+                <a:spcPct val="90000"/>
+              </a:lnSpc>
+              <a:spcBef>
+                <a:spcPts val="750"/>
+              </a:spcBef>
+              <a:buFont typeface="Arial" panose="020B0604020202020204" pitchFamily="34" charset="0"/>
+              <a:buChar char="•"/>
+              <a:defRPr sz="2701" kern="1200">
+                <a:solidFill>
+                  <a:schemeClr val="tx1"/>
+                </a:solidFill>
+                <a:latin typeface="+mn-lt"/>
+                <a:ea typeface="+mn-ea"/>
+                <a:cs typeface="+mn-cs"/>
+              </a:defRPr>
+            </a:lvl8pPr>
+            <a:lvl9pPr marL="5830466" indent="-342969" algn="l" defTabSz="1371874" rtl="0" eaLnBrk="1" latinLnBrk="0" hangingPunct="1">
+              <a:lnSpc>
+                <a:spcPct val="90000"/>
+              </a:lnSpc>
+              <a:spcBef>
+                <a:spcPts val="750"/>
+              </a:spcBef>
+              <a:buFont typeface="Arial" panose="020B0604020202020204" pitchFamily="34" charset="0"/>
+              <a:buChar char="•"/>
+              <a:defRPr sz="2701" kern="1200">
+                <a:solidFill>
+                  <a:schemeClr val="tx1"/>
+                </a:solidFill>
+                <a:latin typeface="+mn-lt"/>
+                <a:ea typeface="+mn-ea"/>
+                <a:cs typeface="+mn-cs"/>
+              </a:defRPr>
+            </a:lvl9pPr>
+          </a:lstStyle>
+          <a:p>
+            <a:r>
+              <a:rPr lang="en-US" dirty="0">
+                <a:solidFill>
+                  <a:schemeClr val="bg2"/>
+                </a:solidFill>
+              </a:rPr>
+              <a:t>DAY 3</a:t>
+            </a:r>
+          </a:p>
+          <a:p>
+            <a:pPr marL="342900" indent="-342900">
+              <a:buFont typeface="Arial" panose="020B0604020202020204" pitchFamily="34" charset="0"/>
+              <a:buChar char="•"/>
+            </a:pPr>
+            <a:r>
+              <a:rPr lang="en-US" dirty="0">
+                <a:solidFill>
+                  <a:schemeClr val="bg2"/>
+                </a:solidFill>
+              </a:rPr>
+              <a:t>Give your knowledge a challenge in DevOps practical task.</a:t>
+            </a:r>
+          </a:p>
+          <a:p>
+            <a:endParaRPr lang="en-US" dirty="0"/>
+          </a:p>
+        </p:txBody>
+      </p:sp>
+    </p:spTree>
+    <p:extLst>
+      <p:ext uri="{BB962C8B-B14F-4D97-AF65-F5344CB8AC3E}">
+        <p14:creationId xmlns:p14="http://schemas.microsoft.com/office/powerpoint/2010/main" val="3157115327"/>
+      </p:ext>
+    </p:extLst>
+  </p:cSld>
+  <p:clrMapOvr>
+    <a:masterClrMapping/>
+  </p:clrMapOvr>
+  <p:timing>
+    <p:tnLst>
+      <p:par>
+        <p:cTn id="1" dur="indefinite" restart="never" nodeType="tmRoot">
+          <p:childTnLst>
+            <p:seq concurrent="1" nextAc="seek">
+              <p:cTn id="2" dur="indefinite" nodeType="mainSeq">
+                <p:childTnLst>
+                  <p:par>
+                    <p:cTn id="3" fill="hold">
+                      <p:stCondLst>
+                        <p:cond delay="indefinite"/>
+                      </p:stCondLst>
+                      <p:childTnLst>
+                        <p:par>
+                          <p:cTn id="4" fill="hold">
+                            <p:stCondLst>
+                              <p:cond delay="0"/>
+                            </p:stCondLst>
+                            <p:childTnLst>
+                              <p:par>
+                                <p:cTn id="5" presetID="12" presetClass="exit" presetSubtype="4" fill="hold" grpId="0" nodeType="clickEffect">
+                                  <p:stCondLst>
+                                    <p:cond delay="0"/>
+                                  </p:stCondLst>
+                                  <p:childTnLst>
+                                    <p:anim calcmode="lin" valueType="num">
+                                      <p:cBhvr additive="base">
+                                        <p:cTn id="6" dur="500"/>
+                                        <p:tgtEl>
+                                          <p:spTgt spid="14"/>
+                                        </p:tgtEl>
+                                        <p:attrNameLst>
+                                          <p:attrName>ppt_y</p:attrName>
+                                        </p:attrNameLst>
+                                      </p:cBhvr>
+                                      <p:tavLst>
+                                        <p:tav tm="0">
+                                          <p:val>
+                                            <p:strVal val="#ppt_y"/>
+                                          </p:val>
+                                        </p:tav>
+                                        <p:tav tm="100000">
+                                          <p:val>
+                                            <p:strVal val="#ppt_y+#ppt_h*1.125000"/>
+                                          </p:val>
+                                        </p:tav>
+                                      </p:tavLst>
+                                    </p:anim>
+                                    <p:animEffect transition="out" filter="wipe(down)">
+                                      <p:cBhvr>
+                                        <p:cTn id="7" dur="500"/>
+                                        <p:tgtEl>
+                                          <p:spTgt spid="14"/>
+                                        </p:tgtEl>
+                                      </p:cBhvr>
+                                    </p:animEffect>
+                                    <p:set>
+                                      <p:cBhvr>
+                                        <p:cTn id="8" dur="1" fill="hold">
+                                          <p:stCondLst>
+                                            <p:cond delay="499"/>
+                                          </p:stCondLst>
+                                        </p:cTn>
+                                        <p:tgtEl>
+                                          <p:spTgt spid="14"/>
+                                        </p:tgtEl>
+                                        <p:attrNameLst>
+                                          <p:attrName>style.visibility</p:attrName>
+                                        </p:attrNameLst>
+                                      </p:cBhvr>
+                                      <p:to>
+                                        <p:strVal val="hidden"/>
+                                      </p:to>
+                                    </p:set>
+                                  </p:childTnLst>
+                                </p:cTn>
+                              </p:par>
+                              <p:par>
+                                <p:cTn id="9" presetID="12" presetClass="exit" presetSubtype="4" fill="hold" grpId="0" nodeType="withEffect">
+                                  <p:stCondLst>
+                                    <p:cond delay="0"/>
+                                  </p:stCondLst>
+                                  <p:childTnLst>
+                                    <p:anim calcmode="lin" valueType="num">
+                                      <p:cBhvr additive="base">
+                                        <p:cTn id="10" dur="500"/>
+                                        <p:tgtEl>
+                                          <p:spTgt spid="19"/>
+                                        </p:tgtEl>
+                                        <p:attrNameLst>
+                                          <p:attrName>ppt_y</p:attrName>
+                                        </p:attrNameLst>
+                                      </p:cBhvr>
+                                      <p:tavLst>
+                                        <p:tav tm="0">
+                                          <p:val>
+                                            <p:strVal val="#ppt_y"/>
+                                          </p:val>
+                                        </p:tav>
+                                        <p:tav tm="100000">
+                                          <p:val>
+                                            <p:strVal val="#ppt_y+#ppt_h*1.125000"/>
+                                          </p:val>
+                                        </p:tav>
+                                      </p:tavLst>
+                                    </p:anim>
+                                    <p:animEffect transition="out" filter="wipe(down)">
+                                      <p:cBhvr>
+                                        <p:cTn id="11" dur="500"/>
+                                        <p:tgtEl>
+                                          <p:spTgt spid="19"/>
+                                        </p:tgtEl>
+                                      </p:cBhvr>
+                                    </p:animEffect>
+                                    <p:set>
+                                      <p:cBhvr>
+                                        <p:cTn id="12" dur="1" fill="hold">
+                                          <p:stCondLst>
+                                            <p:cond delay="499"/>
+                                          </p:stCondLst>
+                                        </p:cTn>
+                                        <p:tgtEl>
+                                          <p:spTgt spid="19"/>
+                                        </p:tgtEl>
+                                        <p:attrNameLst>
+                                          <p:attrName>style.visibility</p:attrName>
+                                        </p:attrNameLst>
+                                      </p:cBhvr>
+                                      <p:to>
+                                        <p:strVal val="hidden"/>
+                                      </p:to>
+                                    </p:set>
+                                  </p:childTnLst>
+                                </p:cTn>
+                              </p:par>
+                            </p:childTnLst>
+                          </p:cTn>
+                        </p:par>
+                      </p:childTnLst>
+                    </p:cTn>
+                  </p:par>
+                </p:childTnLst>
+              </p:cTn>
+              <p:prevCondLst>
+                <p:cond evt="onPrev" delay="0">
+                  <p:tgtEl>
+                    <p:sldTgt/>
+                  </p:tgtEl>
+                </p:cond>
+              </p:prevCondLst>
+              <p:nextCondLst>
+                <p:cond evt="onNext" delay="0">
+                  <p:tgtEl>
+                    <p:sldTgt/>
+                  </p:tgtEl>
+                </p:cond>
+              </p:nextCondLst>
+            </p:seq>
+          </p:childTnLst>
+        </p:cTn>
+      </p:par>
+    </p:tnLst>
+    <p:bldLst>
+      <p:bldP spid="19" grpId="0" animBg="1"/>
+      <p:bldP spid="14" grpId="0" uiExpand="1"/>
+    </p:bldLst>
+  </p:timing>
+</p:sld>
+</file>
+
+<file path=ppt/slides/slide3.xml><?xml version="1.0" encoding="utf-8"?>
+<p:sld xmlns:a="http://schemas.openxmlformats.org/drawingml/2006/main" xmlns:r="http://schemas.openxmlformats.org/officeDocument/2006/relationships" xmlns:p="http://schemas.openxmlformats.org/presentationml/2006/main">
+  <p:cSld>
+    <p:spTree>
+      <p:nvGrpSpPr>
+        <p:cNvPr id="1" name=""/>
+        <p:cNvGrpSpPr/>
+        <p:nvPr/>
+      </p:nvGrpSpPr>
+      <p:grpSpPr>
+        <a:xfrm>
+          <a:off x="0" y="0"/>
+          <a:ext cx="0" cy="0"/>
+          <a:chOff x="0" y="0"/>
+          <a:chExt cx="0" cy="0"/>
+        </a:xfrm>
+      </p:grpSpPr>
+      <p:sp>
+        <p:nvSpPr>
+          <p:cNvPr id="3" name="Title 2">
+            <a:extLst>
+              <a:ext uri="{FF2B5EF4-FFF2-40B4-BE49-F238E27FC236}">
+                <a16:creationId xmlns:a16="http://schemas.microsoft.com/office/drawing/2014/main" id="{706501E4-6246-A606-7483-C427CF30CD57}"/>
+              </a:ext>
+            </a:extLst>
+          </p:cNvPr>
+          <p:cNvSpPr>
+            <a:spLocks noGrp="1"/>
+          </p:cNvSpPr>
+          <p:nvPr>
+            <p:ph type="title"/>
+          </p:nvPr>
+        </p:nvSpPr>
+        <p:spPr/>
+        <p:txBody>
+          <a:bodyPr/>
+          <a:lstStyle/>
+          <a:p>
+            <a:r>
+              <a:rPr lang="en-US" dirty="0" err="1">
+                <a:solidFill>
+                  <a:schemeClr val="accent2">
+                    <a:lumMod val="50000"/>
+                  </a:schemeClr>
+                </a:solidFill>
+              </a:rPr>
               <a:t>Configmaps</a:t>
             </a:r>
             <a:r>
-              <a:rPr lang="en-US" dirty="0"/>
+              <a:rPr lang="en-US" dirty="0">
+                <a:solidFill>
+                  <a:schemeClr val="accent2">
+                    <a:lumMod val="50000"/>
+                  </a:schemeClr>
+                </a:solidFill>
+              </a:rPr>
               <a:t> &amp; Secrets</a:t>
             </a:r>
-            <a:endParaRPr lang="en-RU" dirty="0"/>
+            <a:endParaRPr lang="en-RU" dirty="0">
+              <a:solidFill>
+                <a:schemeClr val="accent2">
+                  <a:lumMod val="50000"/>
+                </a:schemeClr>
+              </a:solidFill>
+            </a:endParaRPr>
           </a:p>
         </p:txBody>
       </p:sp>
@@ -14280,13 +18149,25 @@
           <a:lstStyle/>
           <a:p>
             <a:r>
-              <a:rPr lang="en-US" dirty="0"/>
+              <a:rPr lang="en-US" dirty="0">
+                <a:solidFill>
+                  <a:schemeClr val="accent2">
+                    <a:lumMod val="50000"/>
+                  </a:schemeClr>
+                </a:solidFill>
+              </a:rPr>
               <a:t>WHY do we need this?</a:t>
             </a:r>
           </a:p>
           <a:p>
             <a:r>
-              <a:rPr lang="en-US" dirty="0"/>
+              <a:rPr lang="en-US" dirty="0">
+                <a:solidFill>
+                  <a:schemeClr val="accent2">
+                    <a:lumMod val="50000"/>
+                  </a:schemeClr>
+                </a:solidFill>
+              </a:rPr>
               <a:t>To ease configuration process.</a:t>
             </a:r>
           </a:p>
@@ -14321,8 +18202,14 @@
           <a:lstStyle/>
           <a:p>
             <a:r>
-              <a:rPr lang="en-US" dirty="0"/>
-              <a:t>2</a:t>
+              <a:rPr lang="en-US" dirty="0">
+                <a:solidFill>
+                  <a:schemeClr val="accent2">
+                    <a:lumMod val="50000"/>
+                  </a:schemeClr>
+                </a:solidFill>
+              </a:rPr>
+              <a:t>3</a:t>
             </a:r>
           </a:p>
         </p:txBody>
@@ -14340,7 +18227,7 @@
 </p:sld>
 </file>
 
-<file path=ppt/slides/slide3.xml><?xml version="1.0" encoding="utf-8"?>
+<file path=ppt/slides/slide4.xml><?xml version="1.0" encoding="utf-8"?>
 <p:sld xmlns:a="http://schemas.openxmlformats.org/drawingml/2006/main" xmlns:r="http://schemas.openxmlformats.org/officeDocument/2006/relationships" xmlns:p="http://schemas.openxmlformats.org/presentationml/2006/main">
   <p:cSld>
     <p:spTree>
@@ -14379,10 +18266,22 @@
           <a:lstStyle/>
           <a:p>
             <a:r>
-              <a:rPr lang="en-US" dirty="0"/>
+              <a:rPr lang="en-US" dirty="0">
+                <a:solidFill>
+                  <a:schemeClr val="accent2">
+                    <a:lumMod val="50000"/>
+                  </a:schemeClr>
+                </a:solidFill>
+              </a:rPr>
               <a:t>Secret types</a:t>
             </a:r>
-            <a:endParaRPr lang="en-RU" dirty="0"/>
+            <a:endParaRPr lang="en-RU" dirty="0">
+              <a:solidFill>
+                <a:schemeClr val="accent2">
+                  <a:lumMod val="50000"/>
+                </a:schemeClr>
+              </a:solidFill>
+            </a:endParaRPr>
           </a:p>
         </p:txBody>
       </p:sp>
@@ -14847,13 +18746,25 @@
           <a:lstStyle/>
           <a:p>
             <a:r>
-              <a:rPr lang="en-US" dirty="0"/>
+              <a:rPr lang="en-US" dirty="0">
+                <a:solidFill>
+                  <a:schemeClr val="accent2">
+                    <a:lumMod val="50000"/>
+                  </a:schemeClr>
+                </a:solidFill>
+              </a:rPr>
               <a:t>WHY do we need this?</a:t>
             </a:r>
           </a:p>
           <a:p>
             <a:r>
-              <a:rPr lang="en-US" dirty="0"/>
+              <a:rPr lang="en-US" dirty="0">
+                <a:solidFill>
+                  <a:schemeClr val="accent2">
+                    <a:lumMod val="50000"/>
+                  </a:schemeClr>
+                </a:solidFill>
+              </a:rPr>
               <a:t>To make secret purpose clearer for user.</a:t>
             </a:r>
           </a:p>
@@ -14888,10 +18799,15 @@
           <a:lstStyle/>
           <a:p>
             <a:r>
-              <a:rPr lang="ru-RU" dirty="0"/>
-              <a:t>3</a:t>
-            </a:r>
-            <a:endParaRPr lang="en-US" dirty="0"/>
+              <a:rPr lang="en-US" dirty="0">
+                <a:solidFill>
+                  <a:schemeClr val="accent2">
+                    <a:lumMod val="50000"/>
+                  </a:schemeClr>
+                </a:solidFill>
+              </a:rPr>
+              <a:t>4</a:t>
+            </a:r>
           </a:p>
         </p:txBody>
       </p:sp>
@@ -14908,7 +18824,7 @@
 </p:sld>
 </file>
 
-<file path=ppt/slides/slide4.xml><?xml version="1.0" encoding="utf-8"?>
+<file path=ppt/slides/slide5.xml><?xml version="1.0" encoding="utf-8"?>
 <p:sld xmlns:a="http://schemas.openxmlformats.org/drawingml/2006/main" xmlns:r="http://schemas.openxmlformats.org/officeDocument/2006/relationships" xmlns:p="http://schemas.openxmlformats.org/presentationml/2006/main">
   <p:cSld>
     <p:spTree>
@@ -14947,10 +18863,22 @@
           <a:lstStyle/>
           <a:p>
             <a:r>
-              <a:rPr lang="en-US" dirty="0"/>
+              <a:rPr lang="en-US" dirty="0">
+                <a:solidFill>
+                  <a:schemeClr val="accent1">
+                    <a:lumMod val="50000"/>
+                  </a:schemeClr>
+                </a:solidFill>
+              </a:rPr>
               <a:t>Q&amp;A: story</a:t>
             </a:r>
-            <a:endParaRPr lang="en-RU" dirty="0"/>
+            <a:endParaRPr lang="en-RU" dirty="0">
+              <a:solidFill>
+                <a:schemeClr val="accent1">
+                  <a:lumMod val="50000"/>
+                </a:schemeClr>
+              </a:solidFill>
+            </a:endParaRPr>
           </a:p>
         </p:txBody>
       </p:sp>
@@ -14983,21 +18911,45 @@
           <a:lstStyle/>
           <a:p>
             <a:r>
-              <a:rPr lang="en-US" dirty="0"/>
+              <a:rPr lang="en-US" dirty="0">
+                <a:solidFill>
+                  <a:schemeClr val="accent1">
+                    <a:lumMod val="50000"/>
+                  </a:schemeClr>
+                </a:solidFill>
+              </a:rPr>
               <a:t>WHY do we need this?</a:t>
             </a:r>
           </a:p>
           <a:p>
             <a:r>
-              <a:rPr lang="en-US" dirty="0"/>
+              <a:rPr lang="en-US" dirty="0">
+                <a:solidFill>
+                  <a:schemeClr val="accent1">
+                    <a:lumMod val="50000"/>
+                  </a:schemeClr>
+                </a:solidFill>
+              </a:rPr>
               <a:t>To see </a:t>
             </a:r>
             <a:r>
-              <a:rPr lang="en-US" dirty="0" err="1"/>
+              <a:rPr lang="en-US" dirty="0" err="1">
+                <a:solidFill>
+                  <a:schemeClr val="accent1">
+                    <a:lumMod val="50000"/>
+                  </a:schemeClr>
+                </a:solidFill>
+              </a:rPr>
               <a:t>usecases</a:t>
             </a:r>
             <a:r>
-              <a:rPr lang="en-US" dirty="0"/>
+              <a:rPr lang="en-US" dirty="0">
+                <a:solidFill>
+                  <a:schemeClr val="accent1">
+                    <a:lumMod val="50000"/>
+                  </a:schemeClr>
+                </a:solidFill>
+              </a:rPr>
               <a:t>.</a:t>
             </a:r>
           </a:p>
@@ -15032,8 +18984,14 @@
           <a:lstStyle/>
           <a:p>
             <a:r>
-              <a:rPr lang="en-US" dirty="0"/>
-              <a:t>4</a:t>
+              <a:rPr lang="en-US" dirty="0">
+                <a:solidFill>
+                  <a:schemeClr val="accent1">
+                    <a:lumMod val="50000"/>
+                  </a:schemeClr>
+                </a:solidFill>
+              </a:rPr>
+              <a:t>5</a:t>
             </a:r>
           </a:p>
         </p:txBody>
@@ -15158,7 +19116,13 @@
           <a:lstStyle/>
           <a:p>
             <a:r>
-              <a:rPr lang="en-US" dirty="0"/>
+              <a:rPr lang="en-US" dirty="0">
+                <a:solidFill>
+                  <a:schemeClr val="accent1">
+                    <a:lumMod val="50000"/>
+                  </a:schemeClr>
+                </a:solidFill>
+              </a:rPr>
               <a:t>Alice</a:t>
             </a:r>
           </a:p>
@@ -15232,7 +19196,13 @@
           <a:lstStyle/>
           <a:p>
             <a:r>
-              <a:rPr lang="en-US" dirty="0"/>
+              <a:rPr lang="en-US" dirty="0">
+                <a:solidFill>
+                  <a:schemeClr val="accent1">
+                    <a:lumMod val="50000"/>
+                  </a:schemeClr>
+                </a:solidFill>
+              </a:rPr>
               <a:t>Bob</a:t>
             </a:r>
           </a:p>
@@ -15311,7 +19281,7 @@
 </p:sld>
 </file>
 
-<file path=ppt/slides/slide5.xml><?xml version="1.0" encoding="utf-8"?>
+<file path=ppt/slides/slide6.xml><?xml version="1.0" encoding="utf-8"?>
 <p:sld xmlns:a="http://schemas.openxmlformats.org/drawingml/2006/main" xmlns:r="http://schemas.openxmlformats.org/officeDocument/2006/relationships" xmlns:p="http://schemas.openxmlformats.org/presentationml/2006/main">
   <p:cSld>
     <p:spTree>
@@ -15350,10 +19320,269 @@
           <a:lstStyle/>
           <a:p>
             <a:r>
+              <a:rPr lang="en-US" dirty="0">
+                <a:solidFill>
+                  <a:schemeClr val="accent5">
+                    <a:lumMod val="50000"/>
+                  </a:schemeClr>
+                </a:solidFill>
+              </a:rPr>
+              <a:t>Task</a:t>
+            </a:r>
+            <a:endParaRPr lang="en-RU" dirty="0">
+              <a:solidFill>
+                <a:schemeClr val="accent5">
+                  <a:lumMod val="50000"/>
+                </a:schemeClr>
+              </a:solidFill>
+            </a:endParaRPr>
+          </a:p>
+        </p:txBody>
+      </p:sp>
+      <p:sp>
+        <p:nvSpPr>
+          <p:cNvPr id="2" name="TextBox 1">
+            <a:extLst>
+              <a:ext uri="{FF2B5EF4-FFF2-40B4-BE49-F238E27FC236}">
+                <a16:creationId xmlns:a16="http://schemas.microsoft.com/office/drawing/2014/main" id="{AA4ACA97-5B52-34DD-BDB2-C2C151A36505}"/>
+              </a:ext>
+            </a:extLst>
+          </p:cNvPr>
+          <p:cNvSpPr txBox="1"/>
+          <p:nvPr/>
+        </p:nvSpPr>
+        <p:spPr>
+          <a:xfrm>
+            <a:off x="10654302" y="1111118"/>
+            <a:ext cx="3513762" cy="646331"/>
+          </a:xfrm>
+          <a:prstGeom prst="rect">
+            <a:avLst/>
+          </a:prstGeom>
+          <a:noFill/>
+        </p:spPr>
+        <p:txBody>
+          <a:bodyPr wrap="square" rtlCol="0">
+            <a:spAutoFit/>
+          </a:bodyPr>
+          <a:lstStyle/>
+          <a:p>
+            <a:r>
+              <a:rPr lang="en-US" dirty="0">
+                <a:solidFill>
+                  <a:schemeClr val="accent5">
+                    <a:lumMod val="50000"/>
+                  </a:schemeClr>
+                </a:solidFill>
+              </a:rPr>
+              <a:t>WHY do we need this?</a:t>
+            </a:r>
+          </a:p>
+          <a:p>
+            <a:r>
+              <a:rPr lang="en-US" dirty="0">
+                <a:solidFill>
+                  <a:schemeClr val="accent5">
+                    <a:lumMod val="50000"/>
+                  </a:schemeClr>
+                </a:solidFill>
+              </a:rPr>
+              <a:t>To practice (</a:t>
+            </a:r>
+            <a:r>
+              <a:rPr lang="ru-RU" dirty="0">
+                <a:solidFill>
+                  <a:schemeClr val="accent5">
+                    <a:lumMod val="50000"/>
+                  </a:schemeClr>
+                </a:solidFill>
+              </a:rPr>
+              <a:t>:</a:t>
+            </a:r>
+            <a:endParaRPr lang="en-US" dirty="0">
+              <a:solidFill>
+                <a:schemeClr val="accent5">
+                  <a:lumMod val="50000"/>
+                </a:schemeClr>
+              </a:solidFill>
+            </a:endParaRPr>
+          </a:p>
+        </p:txBody>
+      </p:sp>
+      <p:sp>
+        <p:nvSpPr>
+          <p:cNvPr id="4" name="TextBox 3">
+            <a:extLst>
+              <a:ext uri="{FF2B5EF4-FFF2-40B4-BE49-F238E27FC236}">
+                <a16:creationId xmlns:a16="http://schemas.microsoft.com/office/drawing/2014/main" id="{95BAC16E-7ACC-94DF-5B4C-368367FB7A4D}"/>
+              </a:ext>
+            </a:extLst>
+          </p:cNvPr>
+          <p:cNvSpPr txBox="1"/>
+          <p:nvPr/>
+        </p:nvSpPr>
+        <p:spPr>
+          <a:xfrm>
+            <a:off x="17508906" y="9659383"/>
+            <a:ext cx="464024" cy="369332"/>
+          </a:xfrm>
+          <a:prstGeom prst="rect">
+            <a:avLst/>
+          </a:prstGeom>
+          <a:noFill/>
+        </p:spPr>
+        <p:txBody>
+          <a:bodyPr wrap="square" rtlCol="0">
+            <a:spAutoFit/>
+          </a:bodyPr>
+          <a:lstStyle/>
+          <a:p>
+            <a:r>
+              <a:rPr lang="en-US" dirty="0">
+                <a:solidFill>
+                  <a:schemeClr val="accent5">
+                    <a:lumMod val="50000"/>
+                  </a:schemeClr>
+                </a:solidFill>
+              </a:rPr>
+              <a:t>6</a:t>
+            </a:r>
+          </a:p>
+        </p:txBody>
+      </p:sp>
+      <p:sp>
+        <p:nvSpPr>
+          <p:cNvPr id="5" name="Sun 4">
+            <a:extLst>
+              <a:ext uri="{FF2B5EF4-FFF2-40B4-BE49-F238E27FC236}">
+                <a16:creationId xmlns:a16="http://schemas.microsoft.com/office/drawing/2014/main" id="{A5A39E55-B16C-11B1-A82F-60B6F8216AA4}"/>
+              </a:ext>
+            </a:extLst>
+          </p:cNvPr>
+          <p:cNvSpPr/>
+          <p:nvPr/>
+        </p:nvSpPr>
+        <p:spPr>
+          <a:xfrm>
+            <a:off x="3901475" y="1997747"/>
+            <a:ext cx="10485049" cy="7790347"/>
+          </a:xfrm>
+          <a:prstGeom prst="sun">
+            <a:avLst/>
+          </a:prstGeom>
+        </p:spPr>
+        <p:style>
+          <a:lnRef idx="2">
+            <a:schemeClr val="accent5">
+              <a:shade val="50000"/>
+            </a:schemeClr>
+          </a:lnRef>
+          <a:fillRef idx="1">
+            <a:schemeClr val="accent5"/>
+          </a:fillRef>
+          <a:effectRef idx="0">
+            <a:schemeClr val="accent5"/>
+          </a:effectRef>
+          <a:fontRef idx="minor">
+            <a:schemeClr val="lt1"/>
+          </a:fontRef>
+        </p:style>
+        <p:txBody>
+          <a:bodyPr rtlCol="0" anchor="ctr"/>
+          <a:lstStyle/>
+          <a:p>
+            <a:pPr algn="ctr"/>
+            <a:r>
               <a:rPr lang="en-US" dirty="0"/>
+              <a:t>Create </a:t>
+            </a:r>
+            <a:r>
+              <a:rPr lang="en-US" dirty="0" err="1"/>
+              <a:t>configMap</a:t>
+            </a:r>
+            <a:r>
+              <a:rPr lang="en-US" dirty="0"/>
+              <a:t> to set NAME, USER, PASSWORD and RELATIVE_URL_ROOT env variables in deployment. Create ECR docker registry secret and use it as </a:t>
+            </a:r>
+            <a:r>
+              <a:rPr lang="en-US" dirty="0" err="1"/>
+              <a:t>imagePullSecret</a:t>
+            </a:r>
+            <a:r>
+              <a:rPr lang="en-US" dirty="0"/>
+              <a:t>.</a:t>
+            </a:r>
+          </a:p>
+        </p:txBody>
+      </p:sp>
+    </p:spTree>
+    <p:extLst>
+      <p:ext uri="{BB962C8B-B14F-4D97-AF65-F5344CB8AC3E}">
+        <p14:creationId xmlns:p14="http://schemas.microsoft.com/office/powerpoint/2010/main" val="1676482960"/>
+      </p:ext>
+    </p:extLst>
+  </p:cSld>
+  <p:clrMapOvr>
+    <a:masterClrMapping/>
+  </p:clrMapOvr>
+</p:sld>
+</file>
+
+<file path=ppt/slides/slide7.xml><?xml version="1.0" encoding="utf-8"?>
+<p:sld xmlns:a="http://schemas.openxmlformats.org/drawingml/2006/main" xmlns:r="http://schemas.openxmlformats.org/officeDocument/2006/relationships" xmlns:p="http://schemas.openxmlformats.org/presentationml/2006/main">
+  <p:cSld>
+    <p:spTree>
+      <p:nvGrpSpPr>
+        <p:cNvPr id="1" name=""/>
+        <p:cNvGrpSpPr/>
+        <p:nvPr/>
+      </p:nvGrpSpPr>
+      <p:grpSpPr>
+        <a:xfrm>
+          <a:off x="0" y="0"/>
+          <a:ext cx="0" cy="0"/>
+          <a:chOff x="0" y="0"/>
+          <a:chExt cx="0" cy="0"/>
+        </a:xfrm>
+      </p:grpSpPr>
+      <p:sp>
+        <p:nvSpPr>
+          <p:cNvPr id="3" name="Title 2">
+            <a:extLst>
+              <a:ext uri="{FF2B5EF4-FFF2-40B4-BE49-F238E27FC236}">
+                <a16:creationId xmlns:a16="http://schemas.microsoft.com/office/drawing/2014/main" id="{706501E4-6246-A606-7483-C427CF30CD57}"/>
+              </a:ext>
+            </a:extLst>
+          </p:cNvPr>
+          <p:cNvSpPr>
+            <a:spLocks noGrp="1"/>
+          </p:cNvSpPr>
+          <p:nvPr>
+            <p:ph type="title"/>
+          </p:nvPr>
+        </p:nvSpPr>
+        <p:spPr/>
+        <p:txBody>
+          <a:bodyPr/>
+          <a:lstStyle/>
+          <a:p>
+            <a:r>
+              <a:rPr lang="en-US" dirty="0">
+                <a:solidFill>
+                  <a:schemeClr val="accent2">
+                    <a:lumMod val="50000"/>
+                  </a:schemeClr>
+                </a:solidFill>
+              </a:rPr>
               <a:t>PV(C)</a:t>
             </a:r>
-            <a:endParaRPr lang="en-RU" dirty="0"/>
+            <a:endParaRPr lang="en-RU" dirty="0">
+              <a:solidFill>
+                <a:schemeClr val="accent2">
+                  <a:lumMod val="50000"/>
+                </a:schemeClr>
+              </a:solidFill>
+            </a:endParaRPr>
           </a:p>
         </p:txBody>
       </p:sp>
@@ -15422,13 +19651,25 @@
           <a:lstStyle/>
           <a:p>
             <a:r>
-              <a:rPr lang="en-US" dirty="0"/>
+              <a:rPr lang="en-US" dirty="0">
+                <a:solidFill>
+                  <a:schemeClr val="accent2">
+                    <a:lumMod val="50000"/>
+                  </a:schemeClr>
+                </a:solidFill>
+              </a:rPr>
               <a:t>WHY do we need this?</a:t>
             </a:r>
           </a:p>
           <a:p>
             <a:r>
-              <a:rPr lang="en-US" dirty="0"/>
+              <a:rPr lang="en-US" dirty="0">
+                <a:solidFill>
+                  <a:schemeClr val="accent2">
+                    <a:lumMod val="50000"/>
+                  </a:schemeClr>
+                </a:solidFill>
+              </a:rPr>
               <a:t>To make applications stateful.</a:t>
             </a:r>
           </a:p>
@@ -15463,8 +19704,14 @@
           <a:lstStyle/>
           <a:p>
             <a:r>
-              <a:rPr lang="en-US" dirty="0"/>
-              <a:t>5</a:t>
+              <a:rPr lang="en-US" dirty="0">
+                <a:solidFill>
+                  <a:schemeClr val="accent2">
+                    <a:lumMod val="50000"/>
+                  </a:schemeClr>
+                </a:solidFill>
+              </a:rPr>
+              <a:t>7</a:t>
             </a:r>
           </a:p>
         </p:txBody>
@@ -15482,7 +19729,7 @@
 </p:sld>
 </file>
 
-<file path=ppt/slides/slide6.xml><?xml version="1.0" encoding="utf-8"?>
+<file path=ppt/slides/slide8.xml><?xml version="1.0" encoding="utf-8"?>
 <p:sld xmlns:a="http://schemas.openxmlformats.org/drawingml/2006/main" xmlns:r="http://schemas.openxmlformats.org/officeDocument/2006/relationships" xmlns:p="http://schemas.openxmlformats.org/presentationml/2006/main">
   <p:cSld>
     <p:spTree>
@@ -15521,10 +19768,22 @@
           <a:lstStyle/>
           <a:p>
             <a:r>
-              <a:rPr lang="en-US" dirty="0"/>
+              <a:rPr lang="en-US" dirty="0">
+                <a:solidFill>
+                  <a:schemeClr val="accent2">
+                    <a:lumMod val="50000"/>
+                  </a:schemeClr>
+                </a:solidFill>
+              </a:rPr>
               <a:t>Stateful Sets</a:t>
             </a:r>
-            <a:endParaRPr lang="en-RU" dirty="0"/>
+            <a:endParaRPr lang="en-RU" dirty="0">
+              <a:solidFill>
+                <a:schemeClr val="accent2">
+                  <a:lumMod val="50000"/>
+                </a:schemeClr>
+              </a:solidFill>
+            </a:endParaRPr>
           </a:p>
         </p:txBody>
       </p:sp>
@@ -15593,13 +19852,25 @@
           <a:lstStyle/>
           <a:p>
             <a:r>
-              <a:rPr lang="en-US" dirty="0"/>
+              <a:rPr lang="en-US" dirty="0">
+                <a:solidFill>
+                  <a:schemeClr val="accent2">
+                    <a:lumMod val="50000"/>
+                  </a:schemeClr>
+                </a:solidFill>
+              </a:rPr>
               <a:t>WHY do we need this?</a:t>
             </a:r>
           </a:p>
           <a:p>
             <a:r>
-              <a:rPr lang="en-US" dirty="0"/>
+              <a:rPr lang="en-US" dirty="0">
+                <a:solidFill>
+                  <a:schemeClr val="accent2">
+                    <a:lumMod val="50000"/>
+                  </a:schemeClr>
+                </a:solidFill>
+              </a:rPr>
               <a:t>To make stateful applications scalable.</a:t>
             </a:r>
           </a:p>
@@ -15634,8 +19905,14 @@
           <a:lstStyle/>
           <a:p>
             <a:r>
-              <a:rPr lang="en-US" dirty="0"/>
-              <a:t>6</a:t>
+              <a:rPr lang="en-US" dirty="0">
+                <a:solidFill>
+                  <a:schemeClr val="accent2">
+                    <a:lumMod val="50000"/>
+                  </a:schemeClr>
+                </a:solidFill>
+              </a:rPr>
+              <a:t>8</a:t>
             </a:r>
           </a:p>
         </p:txBody>
@@ -15653,7 +19930,7 @@
 </p:sld>
 </file>
 
-<file path=ppt/slides/slide7.xml><?xml version="1.0" encoding="utf-8"?>
+<file path=ppt/slides/slide9.xml><?xml version="1.0" encoding="utf-8"?>
 <p:sld xmlns:a="http://schemas.openxmlformats.org/drawingml/2006/main" xmlns:r="http://schemas.openxmlformats.org/officeDocument/2006/relationships" xmlns:p="http://schemas.openxmlformats.org/presentationml/2006/main">
   <p:cSld>
     <p:spTree>
@@ -15692,10 +19969,22 @@
           <a:lstStyle/>
           <a:p>
             <a:r>
-              <a:rPr lang="en-US" dirty="0"/>
+              <a:rPr lang="en-US" dirty="0">
+                <a:solidFill>
+                  <a:schemeClr val="accent2">
+                    <a:lumMod val="50000"/>
+                  </a:schemeClr>
+                </a:solidFill>
+              </a:rPr>
               <a:t>Stateful Sets DNS</a:t>
             </a:r>
-            <a:endParaRPr lang="en-RU" dirty="0"/>
+            <a:endParaRPr lang="en-RU" dirty="0">
+              <a:solidFill>
+                <a:schemeClr val="accent2">
+                  <a:lumMod val="50000"/>
+                </a:schemeClr>
+              </a:solidFill>
+            </a:endParaRPr>
           </a:p>
         </p:txBody>
       </p:sp>
@@ -16188,13 +20477,25 @@
           <a:lstStyle/>
           <a:p>
             <a:r>
-              <a:rPr lang="en-US" dirty="0"/>
+              <a:rPr lang="en-US" dirty="0">
+                <a:solidFill>
+                  <a:schemeClr val="accent2">
+                    <a:lumMod val="50000"/>
+                  </a:schemeClr>
+                </a:solidFill>
+              </a:rPr>
               <a:t>WHY do we need this?</a:t>
             </a:r>
           </a:p>
           <a:p>
             <a:r>
-              <a:rPr lang="en-US" dirty="0"/>
+              <a:rPr lang="en-US" dirty="0">
+                <a:solidFill>
+                  <a:schemeClr val="accent2">
+                    <a:lumMod val="50000"/>
+                  </a:schemeClr>
+                </a:solidFill>
+              </a:rPr>
               <a:t>To use cluster DNS for communication with distributed stateful applications.</a:t>
             </a:r>
           </a:p>
@@ -16229,8 +20530,14 @@
           <a:lstStyle/>
           <a:p>
             <a:r>
-              <a:rPr lang="en-US" dirty="0"/>
-              <a:t>7</a:t>
+              <a:rPr lang="en-US" dirty="0">
+                <a:solidFill>
+                  <a:schemeClr val="accent2">
+                    <a:lumMod val="50000"/>
+                  </a:schemeClr>
+                </a:solidFill>
+              </a:rPr>
+              <a:t>9</a:t>
             </a:r>
           </a:p>
         </p:txBody>
@@ -16239,594 +20546,6 @@
     <p:extLst>
       <p:ext uri="{BB962C8B-B14F-4D97-AF65-F5344CB8AC3E}">
         <p14:creationId xmlns:p14="http://schemas.microsoft.com/office/powerpoint/2010/main" val="157332786"/>
-      </p:ext>
-    </p:extLst>
-  </p:cSld>
-  <p:clrMapOvr>
-    <a:masterClrMapping/>
-  </p:clrMapOvr>
-</p:sld>
-</file>
-
-<file path=ppt/slides/slide8.xml><?xml version="1.0" encoding="utf-8"?>
-<p:sld xmlns:a="http://schemas.openxmlformats.org/drawingml/2006/main" xmlns:r="http://schemas.openxmlformats.org/officeDocument/2006/relationships" xmlns:p="http://schemas.openxmlformats.org/presentationml/2006/main">
-  <p:cSld>
-    <p:spTree>
-      <p:nvGrpSpPr>
-        <p:cNvPr id="1" name=""/>
-        <p:cNvGrpSpPr/>
-        <p:nvPr/>
-      </p:nvGrpSpPr>
-      <p:grpSpPr>
-        <a:xfrm>
-          <a:off x="0" y="0"/>
-          <a:ext cx="0" cy="0"/>
-          <a:chOff x="0" y="0"/>
-          <a:chExt cx="0" cy="0"/>
-        </a:xfrm>
-      </p:grpSpPr>
-      <p:sp>
-        <p:nvSpPr>
-          <p:cNvPr id="3" name="Title 2">
-            <a:extLst>
-              <a:ext uri="{FF2B5EF4-FFF2-40B4-BE49-F238E27FC236}">
-                <a16:creationId xmlns:a16="http://schemas.microsoft.com/office/drawing/2014/main" id="{706501E4-6246-A606-7483-C427CF30CD57}"/>
-              </a:ext>
-            </a:extLst>
-          </p:cNvPr>
-          <p:cNvSpPr>
-            <a:spLocks noGrp="1"/>
-          </p:cNvSpPr>
-          <p:nvPr>
-            <p:ph type="title"/>
-          </p:nvPr>
-        </p:nvSpPr>
-        <p:spPr/>
-        <p:txBody>
-          <a:bodyPr/>
-          <a:lstStyle/>
-          <a:p>
-            <a:r>
-              <a:rPr lang="en-US" dirty="0"/>
-              <a:t>Q&amp;A: story</a:t>
-            </a:r>
-            <a:endParaRPr lang="en-RU" dirty="0"/>
-          </a:p>
-        </p:txBody>
-      </p:sp>
-      <p:sp>
-        <p:nvSpPr>
-          <p:cNvPr id="2" name="TextBox 1">
-            <a:extLst>
-              <a:ext uri="{FF2B5EF4-FFF2-40B4-BE49-F238E27FC236}">
-                <a16:creationId xmlns:a16="http://schemas.microsoft.com/office/drawing/2014/main" id="{AA4ACA97-5B52-34DD-BDB2-C2C151A36505}"/>
-              </a:ext>
-            </a:extLst>
-          </p:cNvPr>
-          <p:cNvSpPr txBox="1"/>
-          <p:nvPr/>
-        </p:nvSpPr>
-        <p:spPr>
-          <a:xfrm>
-            <a:off x="10654302" y="1111118"/>
-            <a:ext cx="3513762" cy="646331"/>
-          </a:xfrm>
-          <a:prstGeom prst="rect">
-            <a:avLst/>
-          </a:prstGeom>
-          <a:noFill/>
-        </p:spPr>
-        <p:txBody>
-          <a:bodyPr wrap="square" rtlCol="0">
-            <a:spAutoFit/>
-          </a:bodyPr>
-          <a:lstStyle/>
-          <a:p>
-            <a:r>
-              <a:rPr lang="en-US" dirty="0"/>
-              <a:t>WHY do we need this?</a:t>
-            </a:r>
-          </a:p>
-          <a:p>
-            <a:r>
-              <a:rPr lang="en-US" dirty="0"/>
-              <a:t>To see </a:t>
-            </a:r>
-            <a:r>
-              <a:rPr lang="en-US" dirty="0" err="1"/>
-              <a:t>usecases</a:t>
-            </a:r>
-            <a:r>
-              <a:rPr lang="en-US" dirty="0"/>
-              <a:t>.</a:t>
-            </a:r>
-          </a:p>
-        </p:txBody>
-      </p:sp>
-      <p:sp>
-        <p:nvSpPr>
-          <p:cNvPr id="4" name="TextBox 3">
-            <a:extLst>
-              <a:ext uri="{FF2B5EF4-FFF2-40B4-BE49-F238E27FC236}">
-                <a16:creationId xmlns:a16="http://schemas.microsoft.com/office/drawing/2014/main" id="{95BAC16E-7ACC-94DF-5B4C-368367FB7A4D}"/>
-              </a:ext>
-            </a:extLst>
-          </p:cNvPr>
-          <p:cNvSpPr txBox="1"/>
-          <p:nvPr/>
-        </p:nvSpPr>
-        <p:spPr>
-          <a:xfrm>
-            <a:off x="17508906" y="9659383"/>
-            <a:ext cx="464024" cy="369332"/>
-          </a:xfrm>
-          <a:prstGeom prst="rect">
-            <a:avLst/>
-          </a:prstGeom>
-          <a:noFill/>
-        </p:spPr>
-        <p:txBody>
-          <a:bodyPr wrap="square" rtlCol="0">
-            <a:spAutoFit/>
-          </a:bodyPr>
-          <a:lstStyle/>
-          <a:p>
-            <a:r>
-              <a:rPr lang="en-US" dirty="0"/>
-              <a:t>8</a:t>
-            </a:r>
-          </a:p>
-        </p:txBody>
-      </p:sp>
-      <p:sp>
-        <p:nvSpPr>
-          <p:cNvPr id="6" name="Thought Bubble: Cloud 5">
-            <a:extLst>
-              <a:ext uri="{FF2B5EF4-FFF2-40B4-BE49-F238E27FC236}">
-                <a16:creationId xmlns:a16="http://schemas.microsoft.com/office/drawing/2014/main" id="{CE76AC75-F0A2-D695-3545-2D4B565B01CF}"/>
-              </a:ext>
-            </a:extLst>
-          </p:cNvPr>
-          <p:cNvSpPr/>
-          <p:nvPr/>
-        </p:nvSpPr>
-        <p:spPr>
-          <a:xfrm>
-            <a:off x="3275462" y="3671247"/>
-            <a:ext cx="5513696" cy="1922833"/>
-          </a:xfrm>
-          <a:prstGeom prst="cloudCallout">
-            <a:avLst>
-              <a:gd name="adj1" fmla="val -46637"/>
-              <a:gd name="adj2" fmla="val 61080"/>
-            </a:avLst>
-          </a:prstGeom>
-        </p:spPr>
-        <p:style>
-          <a:lnRef idx="2">
-            <a:schemeClr val="accent1">
-              <a:shade val="50000"/>
-            </a:schemeClr>
-          </a:lnRef>
-          <a:fillRef idx="1">
-            <a:schemeClr val="accent1"/>
-          </a:fillRef>
-          <a:effectRef idx="0">
-            <a:schemeClr val="accent1"/>
-          </a:effectRef>
-          <a:fontRef idx="minor">
-            <a:schemeClr val="lt1"/>
-          </a:fontRef>
-        </p:style>
-        <p:txBody>
-          <a:bodyPr rtlCol="0" anchor="ctr"/>
-          <a:lstStyle/>
-          <a:p>
-            <a:pPr algn="ctr"/>
-            <a:r>
-              <a:rPr lang="en-US" dirty="0"/>
-              <a:t>My database that contains available teas can’t be stateless deployment </a:t>
-            </a:r>
-            <a:r>
-              <a:rPr lang="en-US" dirty="0">
-                <a:sym typeface="Wingdings" panose="05000000000000000000" pitchFamily="2" charset="2"/>
-              </a:rPr>
-              <a:t></a:t>
-            </a:r>
-            <a:endParaRPr lang="en-US" dirty="0"/>
-          </a:p>
-        </p:txBody>
-      </p:sp>
-      <p:pic>
-        <p:nvPicPr>
-          <p:cNvPr id="8" name="Graphic 7" descr="Female Profile with solid fill">
-            <a:extLst>
-              <a:ext uri="{FF2B5EF4-FFF2-40B4-BE49-F238E27FC236}">
-                <a16:creationId xmlns:a16="http://schemas.microsoft.com/office/drawing/2014/main" id="{5B2BDBD5-5678-202E-FAF3-A0DC4D68E807}"/>
-              </a:ext>
-            </a:extLst>
-          </p:cNvPr>
-          <p:cNvPicPr>
-            <a:picLocks noChangeAspect="1"/>
-          </p:cNvPicPr>
-          <p:nvPr/>
-        </p:nvPicPr>
-        <p:blipFill>
-          <a:blip r:embed="rId3">
-            <a:extLst>
-              <a:ext uri="{28A0092B-C50C-407E-A947-70E740481C1C}">
-                <a14:useLocalDpi xmlns:a14="http://schemas.microsoft.com/office/drawing/2010/main" val="0"/>
-              </a:ext>
-              <a:ext uri="{96DAC541-7B7A-43D3-8B79-37D633B846F1}">
-                <asvg:svgBlip xmlns:asvg="http://schemas.microsoft.com/office/drawing/2016/SVG/main" r:embed="rId4"/>
-              </a:ext>
-            </a:extLst>
-          </a:blip>
-          <a:stretch>
-            <a:fillRect/>
-          </a:stretch>
-        </p:blipFill>
-        <p:spPr>
-          <a:xfrm>
-            <a:off x="866400" y="5396777"/>
-            <a:ext cx="3323230" cy="3323230"/>
-          </a:xfrm>
-          <a:prstGeom prst="rect">
-            <a:avLst/>
-          </a:prstGeom>
-        </p:spPr>
-      </p:pic>
-      <p:sp>
-        <p:nvSpPr>
-          <p:cNvPr id="10" name="TextBox 9">
-            <a:extLst>
-              <a:ext uri="{FF2B5EF4-FFF2-40B4-BE49-F238E27FC236}">
-                <a16:creationId xmlns:a16="http://schemas.microsoft.com/office/drawing/2014/main" id="{AC8232B7-9F05-F8DC-FCC9-582380AC9605}"/>
-              </a:ext>
-            </a:extLst>
-          </p:cNvPr>
-          <p:cNvSpPr txBox="1"/>
-          <p:nvPr/>
-        </p:nvSpPr>
-        <p:spPr>
-          <a:xfrm>
-            <a:off x="2186821" y="8322467"/>
-            <a:ext cx="982638" cy="369332"/>
-          </a:xfrm>
-          <a:prstGeom prst="rect">
-            <a:avLst/>
-          </a:prstGeom>
-          <a:noFill/>
-        </p:spPr>
-        <p:txBody>
-          <a:bodyPr wrap="square" rtlCol="0">
-            <a:spAutoFit/>
-          </a:bodyPr>
-          <a:lstStyle/>
-          <a:p>
-            <a:r>
-              <a:rPr lang="en-US" dirty="0"/>
-              <a:t>Alice</a:t>
-            </a:r>
-          </a:p>
-        </p:txBody>
-      </p:sp>
-      <p:pic>
-        <p:nvPicPr>
-          <p:cNvPr id="12" name="Graphic 11" descr="Male profile with solid fill">
-            <a:extLst>
-              <a:ext uri="{FF2B5EF4-FFF2-40B4-BE49-F238E27FC236}">
-                <a16:creationId xmlns:a16="http://schemas.microsoft.com/office/drawing/2014/main" id="{E3414CCD-FACA-7861-4640-298E63FF41AD}"/>
-              </a:ext>
-            </a:extLst>
-          </p:cNvPr>
-          <p:cNvPicPr>
-            <a:picLocks noChangeAspect="1"/>
-          </p:cNvPicPr>
-          <p:nvPr/>
-        </p:nvPicPr>
-        <p:blipFill>
-          <a:blip r:embed="rId5">
-            <a:extLst>
-              <a:ext uri="{28A0092B-C50C-407E-A947-70E740481C1C}">
-                <a14:useLocalDpi xmlns:a14="http://schemas.microsoft.com/office/drawing/2010/main" val="0"/>
-              </a:ext>
-              <a:ext uri="{96DAC541-7B7A-43D3-8B79-37D633B846F1}">
-                <asvg:svgBlip xmlns:asvg="http://schemas.microsoft.com/office/drawing/2016/SVG/main" r:embed="rId6"/>
-              </a:ext>
-            </a:extLst>
-          </a:blip>
-          <a:stretch>
-            <a:fillRect/>
-          </a:stretch>
-        </p:blipFill>
-        <p:spPr>
-          <a:xfrm>
-            <a:off x="9144000" y="5368569"/>
-            <a:ext cx="3323230" cy="3323230"/>
-          </a:xfrm>
-          <a:prstGeom prst="rect">
-            <a:avLst/>
-          </a:prstGeom>
-        </p:spPr>
-      </p:pic>
-      <p:sp>
-        <p:nvSpPr>
-          <p:cNvPr id="13" name="TextBox 12">
-            <a:extLst>
-              <a:ext uri="{FF2B5EF4-FFF2-40B4-BE49-F238E27FC236}">
-                <a16:creationId xmlns:a16="http://schemas.microsoft.com/office/drawing/2014/main" id="{BD2861F6-C4E6-1ACF-9372-B7F2496D4888}"/>
-              </a:ext>
-            </a:extLst>
-          </p:cNvPr>
-          <p:cNvSpPr txBox="1"/>
-          <p:nvPr/>
-        </p:nvSpPr>
-        <p:spPr>
-          <a:xfrm>
-            <a:off x="10490115" y="8322467"/>
-            <a:ext cx="982638" cy="369332"/>
-          </a:xfrm>
-          <a:prstGeom prst="rect">
-            <a:avLst/>
-          </a:prstGeom>
-          <a:noFill/>
-        </p:spPr>
-        <p:txBody>
-          <a:bodyPr wrap="square" rtlCol="0">
-            <a:spAutoFit/>
-          </a:bodyPr>
-          <a:lstStyle/>
-          <a:p>
-            <a:r>
-              <a:rPr lang="en-US" dirty="0"/>
-              <a:t>Bob</a:t>
-            </a:r>
-          </a:p>
-        </p:txBody>
-      </p:sp>
-      <p:sp>
-        <p:nvSpPr>
-          <p:cNvPr id="15" name="Speech Bubble: Oval 14">
-            <a:extLst>
-              <a:ext uri="{FF2B5EF4-FFF2-40B4-BE49-F238E27FC236}">
-                <a16:creationId xmlns:a16="http://schemas.microsoft.com/office/drawing/2014/main" id="{B061D5B1-80BC-F4FB-3898-021F7B395B84}"/>
-              </a:ext>
-            </a:extLst>
-          </p:cNvPr>
-          <p:cNvSpPr/>
-          <p:nvPr/>
-        </p:nvSpPr>
-        <p:spPr>
-          <a:xfrm>
-            <a:off x="11198220" y="3671247"/>
-            <a:ext cx="5513696" cy="1786355"/>
-          </a:xfrm>
-          <a:prstGeom prst="wedgeEllipseCallout">
-            <a:avLst>
-              <a:gd name="adj1" fmla="val -44188"/>
-              <a:gd name="adj2" fmla="val 65122"/>
-            </a:avLst>
-          </a:prstGeom>
-        </p:spPr>
-        <p:style>
-          <a:lnRef idx="2">
-            <a:schemeClr val="accent1">
-              <a:shade val="50000"/>
-            </a:schemeClr>
-          </a:lnRef>
-          <a:fillRef idx="1">
-            <a:schemeClr val="accent1"/>
-          </a:fillRef>
-          <a:effectRef idx="0">
-            <a:schemeClr val="accent1"/>
-          </a:effectRef>
-          <a:fontRef idx="minor">
-            <a:schemeClr val="lt1"/>
-          </a:fontRef>
-        </p:style>
-        <p:txBody>
-          <a:bodyPr rtlCol="0" anchor="ctr"/>
-          <a:lstStyle/>
-          <a:p>
-            <a:pPr algn="ctr"/>
-            <a:r>
-              <a:rPr lang="en-US" dirty="0"/>
-              <a:t>Then make it stateful set! </a:t>
-            </a:r>
-            <a:r>
-              <a:rPr lang="en-US" dirty="0">
-                <a:sym typeface="Wingdings" panose="05000000000000000000" pitchFamily="2" charset="2"/>
-              </a:rPr>
-              <a:t></a:t>
-            </a:r>
-            <a:endParaRPr lang="en-US" dirty="0"/>
-          </a:p>
-        </p:txBody>
-      </p:sp>
-    </p:spTree>
-    <p:extLst>
-      <p:ext uri="{BB962C8B-B14F-4D97-AF65-F5344CB8AC3E}">
-        <p14:creationId xmlns:p14="http://schemas.microsoft.com/office/powerpoint/2010/main" val="34321189"/>
-      </p:ext>
-    </p:extLst>
-  </p:cSld>
-  <p:clrMapOvr>
-    <a:masterClrMapping/>
-  </p:clrMapOvr>
-</p:sld>
-</file>
-
-<file path=ppt/slides/slide9.xml><?xml version="1.0" encoding="utf-8"?>
-<p:sld xmlns:a="http://schemas.openxmlformats.org/drawingml/2006/main" xmlns:r="http://schemas.openxmlformats.org/officeDocument/2006/relationships" xmlns:p="http://schemas.openxmlformats.org/presentationml/2006/main">
-  <p:cSld>
-    <p:spTree>
-      <p:nvGrpSpPr>
-        <p:cNvPr id="1" name=""/>
-        <p:cNvGrpSpPr/>
-        <p:nvPr/>
-      </p:nvGrpSpPr>
-      <p:grpSpPr>
-        <a:xfrm>
-          <a:off x="0" y="0"/>
-          <a:ext cx="0" cy="0"/>
-          <a:chOff x="0" y="0"/>
-          <a:chExt cx="0" cy="0"/>
-        </a:xfrm>
-      </p:grpSpPr>
-      <p:sp>
-        <p:nvSpPr>
-          <p:cNvPr id="3" name="Title 2">
-            <a:extLst>
-              <a:ext uri="{FF2B5EF4-FFF2-40B4-BE49-F238E27FC236}">
-                <a16:creationId xmlns:a16="http://schemas.microsoft.com/office/drawing/2014/main" id="{706501E4-6246-A606-7483-C427CF30CD57}"/>
-              </a:ext>
-            </a:extLst>
-          </p:cNvPr>
-          <p:cNvSpPr>
-            <a:spLocks noGrp="1"/>
-          </p:cNvSpPr>
-          <p:nvPr>
-            <p:ph type="title"/>
-          </p:nvPr>
-        </p:nvSpPr>
-        <p:spPr/>
-        <p:txBody>
-          <a:bodyPr/>
-          <a:lstStyle/>
-          <a:p>
-            <a:r>
-              <a:rPr lang="en-US" dirty="0"/>
-              <a:t>HELM</a:t>
-            </a:r>
-            <a:endParaRPr lang="en-RU" dirty="0"/>
-          </a:p>
-        </p:txBody>
-      </p:sp>
-      <p:sp>
-        <p:nvSpPr>
-          <p:cNvPr id="2" name="TextBox 1">
-            <a:extLst>
-              <a:ext uri="{FF2B5EF4-FFF2-40B4-BE49-F238E27FC236}">
-                <a16:creationId xmlns:a16="http://schemas.microsoft.com/office/drawing/2014/main" id="{D48E8E7C-33E5-6EF2-DEE7-9AAE21D0B055}"/>
-              </a:ext>
-            </a:extLst>
-          </p:cNvPr>
-          <p:cNvSpPr txBox="1"/>
-          <p:nvPr/>
-        </p:nvSpPr>
-        <p:spPr>
-          <a:xfrm>
-            <a:off x="10654302" y="1111118"/>
-            <a:ext cx="3513762" cy="923330"/>
-          </a:xfrm>
-          <a:prstGeom prst="rect">
-            <a:avLst/>
-          </a:prstGeom>
-          <a:noFill/>
-        </p:spPr>
-        <p:txBody>
-          <a:bodyPr wrap="square" rtlCol="0">
-            <a:spAutoFit/>
-          </a:bodyPr>
-          <a:lstStyle/>
-          <a:p>
-            <a:r>
-              <a:rPr lang="en-US" dirty="0"/>
-              <a:t>WHY do we need this?</a:t>
-            </a:r>
-          </a:p>
-          <a:p>
-            <a:r>
-              <a:rPr lang="en-US" dirty="0"/>
-              <a:t>To ease and unify deployment configuration for different </a:t>
-            </a:r>
-            <a:r>
-              <a:rPr lang="en-US" dirty="0" err="1"/>
-              <a:t>envs</a:t>
-            </a:r>
-            <a:r>
-              <a:rPr lang="en-US" dirty="0"/>
-              <a:t>.</a:t>
-            </a:r>
-          </a:p>
-        </p:txBody>
-      </p:sp>
-      <p:pic>
-        <p:nvPicPr>
-          <p:cNvPr id="6" name="Picture 5">
-            <a:extLst>
-              <a:ext uri="{FF2B5EF4-FFF2-40B4-BE49-F238E27FC236}">
-                <a16:creationId xmlns:a16="http://schemas.microsoft.com/office/drawing/2014/main" id="{821B706C-AE0F-CAB2-D693-A4BA49348AA6}"/>
-              </a:ext>
-            </a:extLst>
-          </p:cNvPr>
-          <p:cNvPicPr>
-            <a:picLocks noChangeAspect="1"/>
-          </p:cNvPicPr>
-          <p:nvPr/>
-        </p:nvPicPr>
-        <p:blipFill>
-          <a:blip r:embed="rId3">
-            <a:extLst>
-              <a:ext uri="{28A0092B-C50C-407E-A947-70E740481C1C}">
-                <a14:useLocalDpi xmlns:a14="http://schemas.microsoft.com/office/drawing/2010/main" val="0"/>
-              </a:ext>
-            </a:extLst>
-          </a:blip>
-          <a:stretch>
-            <a:fillRect/>
-          </a:stretch>
-        </p:blipFill>
-        <p:spPr>
-          <a:xfrm>
-            <a:off x="2777256" y="4632260"/>
-            <a:ext cx="12733488" cy="4508508"/>
-          </a:xfrm>
-          <a:prstGeom prst="rect">
-            <a:avLst/>
-          </a:prstGeom>
-        </p:spPr>
-      </p:pic>
-      <p:sp>
-        <p:nvSpPr>
-          <p:cNvPr id="4" name="TextBox 3">
-            <a:extLst>
-              <a:ext uri="{FF2B5EF4-FFF2-40B4-BE49-F238E27FC236}">
-                <a16:creationId xmlns:a16="http://schemas.microsoft.com/office/drawing/2014/main" id="{1FEE59DF-8365-6D88-6FBE-D089EC585341}"/>
-              </a:ext>
-            </a:extLst>
-          </p:cNvPr>
-          <p:cNvSpPr txBox="1"/>
-          <p:nvPr/>
-        </p:nvSpPr>
-        <p:spPr>
-          <a:xfrm>
-            <a:off x="17508906" y="9659383"/>
-            <a:ext cx="464024" cy="369332"/>
-          </a:xfrm>
-          <a:prstGeom prst="rect">
-            <a:avLst/>
-          </a:prstGeom>
-          <a:noFill/>
-        </p:spPr>
-        <p:txBody>
-          <a:bodyPr wrap="square" rtlCol="0">
-            <a:spAutoFit/>
-          </a:bodyPr>
-          <a:lstStyle/>
-          <a:p>
-            <a:r>
-              <a:rPr lang="en-US" dirty="0"/>
-              <a:t>9</a:t>
-            </a:r>
-          </a:p>
-        </p:txBody>
-      </p:sp>
-    </p:spTree>
-    <p:extLst>
-      <p:ext uri="{BB962C8B-B14F-4D97-AF65-F5344CB8AC3E}">
-        <p14:creationId xmlns:p14="http://schemas.microsoft.com/office/powerpoint/2010/main" val="701955745"/>
       </p:ext>
     </p:extLst>
   </p:cSld>
@@ -17333,6 +21052,17 @@
 </file>
 
 <file path=customXml/item1.xml><?xml version="1.0" encoding="utf-8"?>
+<p:properties xmlns:p="http://schemas.microsoft.com/office/2006/metadata/properties" xmlns:xsi="http://www.w3.org/2001/XMLSchema-instance" xmlns:pc="http://schemas.microsoft.com/office/infopath/2007/PartnerControls">
+  <documentManagement>
+    <lcf76f155ced4ddcb4097134ff3c332f xmlns="87e595e6-2bfb-444b-8c2a-22d7ac5c8c1c">
+      <Terms xmlns="http://schemas.microsoft.com/office/infopath/2007/PartnerControls"/>
+    </lcf76f155ced4ddcb4097134ff3c332f>
+    <TaxCatchAll xmlns="d31a9763-ad48-4d75-b4cc-dbd081bef165" xsi:nil="true"/>
+  </documentManagement>
+</p:properties>
+</file>
+
+<file path=customXml/item2.xml><?xml version="1.0" encoding="utf-8"?>
 <?mso-contentType ?>
 <FormTemplates xmlns="http://schemas.microsoft.com/sharepoint/v3/contenttype/forms">
   <Display>DocumentLibraryForm</Display>
@@ -17341,7 +21071,7 @@
 </FormTemplates>
 </file>
 
-<file path=customXml/item2.xml><?xml version="1.0" encoding="utf-8"?>
+<file path=customXml/item3.xml><?xml version="1.0" encoding="utf-8"?>
 <ct:contentTypeSchema xmlns:ct="http://schemas.microsoft.com/office/2006/metadata/contentType" xmlns:ma="http://schemas.microsoft.com/office/2006/metadata/properties/metaAttributes" ct:_="" ma:_="" ma:contentTypeName="Document" ma:contentTypeID="0x010100454DC51C4310A147BD2D10A84BE7DF5B" ma:contentTypeVersion="14" ma:contentTypeDescription="Create a new document." ma:contentTypeScope="" ma:versionID="58153d9a8ca4cd003aa5c61a075b6dbf">
   <xsd:schema xmlns:xsd="http://www.w3.org/2001/XMLSchema" xmlns:xs="http://www.w3.org/2001/XMLSchema" xmlns:p="http://schemas.microsoft.com/office/2006/metadata/properties" xmlns:ns2="87e595e6-2bfb-444b-8c2a-22d7ac5c8c1c" xmlns:ns3="d31a9763-ad48-4d75-b4cc-dbd081bef165" targetNamespace="http://schemas.microsoft.com/office/2006/metadata/properties" ma:root="true" ma:fieldsID="ca74c81c5f13de2ce0dc44d80fd826d0" ns2:_="" ns3:_="">
     <xsd:import namespace="87e595e6-2bfb-444b-8c2a-22d7ac5c8c1c"/>
@@ -17572,18 +21302,24 @@
 </ct:contentTypeSchema>
 </file>
 
-<file path=customXml/item3.xml><?xml version="1.0" encoding="utf-8"?>
-<p:properties xmlns:p="http://schemas.microsoft.com/office/2006/metadata/properties" xmlns:xsi="http://www.w3.org/2001/XMLSchema-instance" xmlns:pc="http://schemas.microsoft.com/office/infopath/2007/PartnerControls">
-  <documentManagement>
-    <lcf76f155ced4ddcb4097134ff3c332f xmlns="87e595e6-2bfb-444b-8c2a-22d7ac5c8c1c">
-      <Terms xmlns="http://schemas.microsoft.com/office/infopath/2007/PartnerControls"/>
-    </lcf76f155ced4ddcb4097134ff3c332f>
-    <TaxCatchAll xmlns="d31a9763-ad48-4d75-b4cc-dbd081bef165" xsi:nil="true"/>
-  </documentManagement>
-</p:properties>
+<file path=customXml/itemProps1.xml><?xml version="1.0" encoding="utf-8"?>
+<ds:datastoreItem xmlns:ds="http://schemas.openxmlformats.org/officeDocument/2006/customXml" ds:itemID="{402D52D5-8A09-4C80-995A-0B98512BFFC1}">
+  <ds:schemaRefs>
+    <ds:schemaRef ds:uri="http://purl.org/dc/elements/1.1/"/>
+    <ds:schemaRef ds:uri="87e595e6-2bfb-444b-8c2a-22d7ac5c8c1c"/>
+    <ds:schemaRef ds:uri="http://purl.org/dc/dcmitype/"/>
+    <ds:schemaRef ds:uri="http://schemas.microsoft.com/office/2006/documentManagement/types"/>
+    <ds:schemaRef ds:uri="http://schemas.openxmlformats.org/package/2006/metadata/core-properties"/>
+    <ds:schemaRef ds:uri="http://schemas.microsoft.com/office/infopath/2007/PartnerControls"/>
+    <ds:schemaRef ds:uri="d31a9763-ad48-4d75-b4cc-dbd081bef165"/>
+    <ds:schemaRef ds:uri="http://schemas.microsoft.com/office/2006/metadata/properties"/>
+    <ds:schemaRef ds:uri="http://www.w3.org/XML/1998/namespace"/>
+    <ds:schemaRef ds:uri="http://purl.org/dc/terms/"/>
+  </ds:schemaRefs>
+</ds:datastoreItem>
 </file>
 
-<file path=customXml/itemProps1.xml><?xml version="1.0" encoding="utf-8"?>
+<file path=customXml/itemProps2.xml><?xml version="1.0" encoding="utf-8"?>
 <ds:datastoreItem xmlns:ds="http://schemas.openxmlformats.org/officeDocument/2006/customXml" ds:itemID="{C174268B-32CC-45F6-B320-01F53DDAC9E9}">
   <ds:schemaRefs>
     <ds:schemaRef ds:uri="http://schemas.microsoft.com/sharepoint/v3/contenttype/forms"/>
@@ -17591,7 +21327,7 @@
 </ds:datastoreItem>
 </file>
 
-<file path=customXml/itemProps2.xml><?xml version="1.0" encoding="utf-8"?>
+<file path=customXml/itemProps3.xml><?xml version="1.0" encoding="utf-8"?>
 <ds:datastoreItem xmlns:ds="http://schemas.openxmlformats.org/officeDocument/2006/customXml" ds:itemID="{F0BD7E9F-81C8-43A4-A403-00941A4FA9DA}">
   <ds:schemaRefs>
     <ds:schemaRef ds:uri="87e595e6-2bfb-444b-8c2a-22d7ac5c8c1c"/>
@@ -17608,21 +21344,4 @@
     <ds:schemaRef ds:uri="http://www.w3.org/2001/XMLSchema"/>
   </ds:schemaRefs>
 </ds:datastoreItem>
-</file>
-
-<file path=customXml/itemProps3.xml><?xml version="1.0" encoding="utf-8"?>
-<ds:datastoreItem xmlns:ds="http://schemas.openxmlformats.org/officeDocument/2006/customXml" ds:itemID="{402D52D5-8A09-4C80-995A-0B98512BFFC1}">
-  <ds:schemaRefs>
-    <ds:schemaRef ds:uri="http://purl.org/dc/elements/1.1/"/>
-    <ds:schemaRef ds:uri="87e595e6-2bfb-444b-8c2a-22d7ac5c8c1c"/>
-    <ds:schemaRef ds:uri="http://purl.org/dc/dcmitype/"/>
-    <ds:schemaRef ds:uri="http://schemas.microsoft.com/office/2006/documentManagement/types"/>
-    <ds:schemaRef ds:uri="http://schemas.openxmlformats.org/package/2006/metadata/core-properties"/>
-    <ds:schemaRef ds:uri="http://schemas.microsoft.com/office/infopath/2007/PartnerControls"/>
-    <ds:schemaRef ds:uri="d31a9763-ad48-4d75-b4cc-dbd081bef165"/>
-    <ds:schemaRef ds:uri="http://schemas.microsoft.com/office/2006/metadata/properties"/>
-    <ds:schemaRef ds:uri="http://www.w3.org/XML/1998/namespace"/>
-    <ds:schemaRef ds:uri="http://purl.org/dc/terms/"/>
-  </ds:schemaRefs>
-</ds:datastoreItem>
 </file>